--- a/cistools-talk.pptx
+++ b/cistools-talk.pptx
@@ -5,7 +5,7 @@
     <p:sldMasterId id="2147483648" r:id="rId1"/>
   </p:sldMasterIdLst>
   <p:notesMasterIdLst>
-    <p:notesMasterId r:id="rId27"/>
+    <p:notesMasterId r:id="rId30"/>
   </p:notesMasterIdLst>
   <p:sldIdLst>
     <p:sldId id="256" r:id="rId2"/>
@@ -21,18 +21,21 @@
     <p:sldId id="282" r:id="rId12"/>
     <p:sldId id="305" r:id="rId13"/>
     <p:sldId id="327" r:id="rId14"/>
-    <p:sldId id="384" r:id="rId15"/>
-    <p:sldId id="386" r:id="rId16"/>
-    <p:sldId id="387" r:id="rId17"/>
-    <p:sldId id="345" r:id="rId18"/>
-    <p:sldId id="347" r:id="rId19"/>
-    <p:sldId id="352" r:id="rId20"/>
-    <p:sldId id="326" r:id="rId21"/>
-    <p:sldId id="403" r:id="rId22"/>
-    <p:sldId id="273" r:id="rId23"/>
-    <p:sldId id="317" r:id="rId24"/>
-    <p:sldId id="318" r:id="rId25"/>
-    <p:sldId id="319" r:id="rId26"/>
+    <p:sldId id="326" r:id="rId15"/>
+    <p:sldId id="405" r:id="rId16"/>
+    <p:sldId id="406" r:id="rId17"/>
+    <p:sldId id="403" r:id="rId18"/>
+    <p:sldId id="404" r:id="rId19"/>
+    <p:sldId id="273" r:id="rId20"/>
+    <p:sldId id="384" r:id="rId21"/>
+    <p:sldId id="386" r:id="rId22"/>
+    <p:sldId id="387" r:id="rId23"/>
+    <p:sldId id="345" r:id="rId24"/>
+    <p:sldId id="347" r:id="rId25"/>
+    <p:sldId id="352" r:id="rId26"/>
+    <p:sldId id="317" r:id="rId27"/>
+    <p:sldId id="318" r:id="rId28"/>
+    <p:sldId id="319" r:id="rId29"/>
   </p:sldIdLst>
   <p:sldSz cx="9144000" cy="6858000" type="screen4x3"/>
   <p:notesSz cx="6858000" cy="9144000"/>
@@ -3153,7 +3156,7 @@
         <a:lstStyle/>
         <a:p>
           <a:r>
-            <a:rPr lang="en-GB" dirty="0" smtClean="0"/>
+            <a:rPr lang="en-GB" dirty="0"/>
             <a:t>Read</a:t>
           </a:r>
         </a:p>
@@ -3189,10 +3192,9 @@
         <a:lstStyle/>
         <a:p>
           <a:r>
-            <a:rPr lang="en-GB" dirty="0" smtClean="0"/>
+            <a:rPr lang="en-GB" dirty="0"/>
             <a:t>Analyse</a:t>
           </a:r>
-          <a:endParaRPr lang="en-GB" dirty="0"/>
         </a:p>
       </dgm:t>
     </dgm:pt>
@@ -3226,10 +3228,9 @@
         <a:lstStyle/>
         <a:p>
           <a:r>
-            <a:rPr lang="en-GB" dirty="0" smtClean="0"/>
+            <a:rPr lang="en-GB" dirty="0"/>
             <a:t>Visualise</a:t>
           </a:r>
-          <a:endParaRPr lang="en-GB" dirty="0"/>
         </a:p>
       </dgm:t>
     </dgm:pt>
@@ -3270,35 +3271,14 @@
         </dgm:presLayoutVars>
       </dgm:prSet>
       <dgm:spPr/>
-      <dgm:t>
-        <a:bodyPr/>
-        <a:lstStyle/>
-        <a:p>
-          <a:endParaRPr lang="en-GB"/>
-        </a:p>
-      </dgm:t>
     </dgm:pt>
     <dgm:pt modelId="{76AFB1CF-06DE-8B4C-93EC-B1FA21A59530}" type="pres">
       <dgm:prSet presAssocID="{BB74F1F0-F9E6-6444-AE6A-816CC3F9C023}" presName="sibTrans" presStyleLbl="sibTrans2D1" presStyleIdx="0" presStyleCnt="2"/>
       <dgm:spPr/>
-      <dgm:t>
-        <a:bodyPr/>
-        <a:lstStyle/>
-        <a:p>
-          <a:endParaRPr lang="en-GB"/>
-        </a:p>
-      </dgm:t>
     </dgm:pt>
     <dgm:pt modelId="{DA693430-3002-C945-988D-4A0EFFEB03E5}" type="pres">
       <dgm:prSet presAssocID="{BB74F1F0-F9E6-6444-AE6A-816CC3F9C023}" presName="connectorText" presStyleLbl="sibTrans2D1" presStyleIdx="0" presStyleCnt="2"/>
       <dgm:spPr/>
-      <dgm:t>
-        <a:bodyPr/>
-        <a:lstStyle/>
-        <a:p>
-          <a:endParaRPr lang="en-GB"/>
-        </a:p>
-      </dgm:t>
     </dgm:pt>
     <dgm:pt modelId="{E2430297-2063-A648-8F15-DC3C602ECD69}" type="pres">
       <dgm:prSet presAssocID="{83D04F6F-F104-484B-AB50-36D3DC2CE435}" presName="node" presStyleLbl="node1" presStyleIdx="1" presStyleCnt="3">
@@ -3307,35 +3287,14 @@
         </dgm:presLayoutVars>
       </dgm:prSet>
       <dgm:spPr/>
-      <dgm:t>
-        <a:bodyPr/>
-        <a:lstStyle/>
-        <a:p>
-          <a:endParaRPr lang="en-GB"/>
-        </a:p>
-      </dgm:t>
     </dgm:pt>
     <dgm:pt modelId="{676CBBD1-EA7E-4945-B1E3-C5A2C26CBF4D}" type="pres">
       <dgm:prSet presAssocID="{8B6203C9-C65B-2D4C-B85B-6FC3D8668484}" presName="sibTrans" presStyleLbl="sibTrans2D1" presStyleIdx="1" presStyleCnt="2"/>
       <dgm:spPr/>
-      <dgm:t>
-        <a:bodyPr/>
-        <a:lstStyle/>
-        <a:p>
-          <a:endParaRPr lang="en-GB"/>
-        </a:p>
-      </dgm:t>
     </dgm:pt>
     <dgm:pt modelId="{081FE702-6711-9346-905A-626D67841622}" type="pres">
       <dgm:prSet presAssocID="{8B6203C9-C65B-2D4C-B85B-6FC3D8668484}" presName="connectorText" presStyleLbl="sibTrans2D1" presStyleIdx="1" presStyleCnt="2"/>
       <dgm:spPr/>
-      <dgm:t>
-        <a:bodyPr/>
-        <a:lstStyle/>
-        <a:p>
-          <a:endParaRPr lang="en-GB"/>
-        </a:p>
-      </dgm:t>
     </dgm:pt>
     <dgm:pt modelId="{18E20CCC-F432-F243-A835-24DE859DAF39}" type="pres">
       <dgm:prSet presAssocID="{9154D7E6-C646-1046-8FA7-3EAC5883845F}" presName="node" presStyleLbl="node1" presStyleIdx="2" presStyleCnt="3">
@@ -3344,27 +3303,20 @@
         </dgm:presLayoutVars>
       </dgm:prSet>
       <dgm:spPr/>
-      <dgm:t>
-        <a:bodyPr/>
-        <a:lstStyle/>
-        <a:p>
-          <a:endParaRPr lang="en-GB"/>
-        </a:p>
-      </dgm:t>
     </dgm:pt>
   </dgm:ptLst>
   <dgm:cxnLst>
+    <dgm:cxn modelId="{70E77F13-9644-4540-916C-620B7E991173}" type="presOf" srcId="{BB74F1F0-F9E6-6444-AE6A-816CC3F9C023}" destId="{76AFB1CF-06DE-8B4C-93EC-B1FA21A59530}" srcOrd="0" destOrd="0" presId="urn:microsoft.com/office/officeart/2005/8/layout/process2"/>
+    <dgm:cxn modelId="{45F8E320-2EA3-1445-99F8-B904C8D3B545}" type="presOf" srcId="{BB74F1F0-F9E6-6444-AE6A-816CC3F9C023}" destId="{DA693430-3002-C945-988D-4A0EFFEB03E5}" srcOrd="1" destOrd="0" presId="urn:microsoft.com/office/officeart/2005/8/layout/process2"/>
+    <dgm:cxn modelId="{1DA12E22-609A-8547-9A5B-792EE1F2C911}" srcId="{9E599F2D-9B17-8244-B62D-F081FEAA3799}" destId="{CD710EA0-9510-5D4C-81F9-86070BB3CD74}" srcOrd="0" destOrd="0" parTransId="{606D773D-8280-0B4A-AD7A-8BD95DCAD049}" sibTransId="{BB74F1F0-F9E6-6444-AE6A-816CC3F9C023}"/>
+    <dgm:cxn modelId="{BD3FBA25-516E-2340-96A3-78D24C127B1D}" type="presOf" srcId="{9154D7E6-C646-1046-8FA7-3EAC5883845F}" destId="{18E20CCC-F432-F243-A835-24DE859DAF39}" srcOrd="0" destOrd="0" presId="urn:microsoft.com/office/officeart/2005/8/layout/process2"/>
     <dgm:cxn modelId="{7C321363-D5E4-2846-AFD4-CBCDB6293E53}" type="presOf" srcId="{8B6203C9-C65B-2D4C-B85B-6FC3D8668484}" destId="{081FE702-6711-9346-905A-626D67841622}" srcOrd="1" destOrd="0" presId="urn:microsoft.com/office/officeart/2005/8/layout/process2"/>
+    <dgm:cxn modelId="{10B2B88A-0D39-6540-8E57-FCA498281D67}" srcId="{9E599F2D-9B17-8244-B62D-F081FEAA3799}" destId="{9154D7E6-C646-1046-8FA7-3EAC5883845F}" srcOrd="2" destOrd="0" parTransId="{680DC73C-9E6A-6D41-AD74-3A5FDCDB562A}" sibTransId="{637B4DE6-6C86-B640-A9A5-CE139CAB2411}"/>
     <dgm:cxn modelId="{6C499FD1-E34B-4A40-B0CA-A0E90A8A255A}" type="presOf" srcId="{83D04F6F-F104-484B-AB50-36D3DC2CE435}" destId="{E2430297-2063-A648-8F15-DC3C602ECD69}" srcOrd="0" destOrd="0" presId="urn:microsoft.com/office/officeart/2005/8/layout/process2"/>
-    <dgm:cxn modelId="{70E77F13-9644-4540-916C-620B7E991173}" type="presOf" srcId="{BB74F1F0-F9E6-6444-AE6A-816CC3F9C023}" destId="{76AFB1CF-06DE-8B4C-93EC-B1FA21A59530}" srcOrd="0" destOrd="0" presId="urn:microsoft.com/office/officeart/2005/8/layout/process2"/>
-    <dgm:cxn modelId="{1DA12E22-609A-8547-9A5B-792EE1F2C911}" srcId="{9E599F2D-9B17-8244-B62D-F081FEAA3799}" destId="{CD710EA0-9510-5D4C-81F9-86070BB3CD74}" srcOrd="0" destOrd="0" parTransId="{606D773D-8280-0B4A-AD7A-8BD95DCAD049}" sibTransId="{BB74F1F0-F9E6-6444-AE6A-816CC3F9C023}"/>
-    <dgm:cxn modelId="{10B2B88A-0D39-6540-8E57-FCA498281D67}" srcId="{9E599F2D-9B17-8244-B62D-F081FEAA3799}" destId="{9154D7E6-C646-1046-8FA7-3EAC5883845F}" srcOrd="2" destOrd="0" parTransId="{680DC73C-9E6A-6D41-AD74-3A5FDCDB562A}" sibTransId="{637B4DE6-6C86-B640-A9A5-CE139CAB2411}"/>
-    <dgm:cxn modelId="{45F8E320-2EA3-1445-99F8-B904C8D3B545}" type="presOf" srcId="{BB74F1F0-F9E6-6444-AE6A-816CC3F9C023}" destId="{DA693430-3002-C945-988D-4A0EFFEB03E5}" srcOrd="1" destOrd="0" presId="urn:microsoft.com/office/officeart/2005/8/layout/process2"/>
+    <dgm:cxn modelId="{83097ED9-3DE3-D143-820D-1F68D32F6B2C}" srcId="{9E599F2D-9B17-8244-B62D-F081FEAA3799}" destId="{83D04F6F-F104-484B-AB50-36D3DC2CE435}" srcOrd="1" destOrd="0" parTransId="{2ABDB003-A174-EB4C-AFA6-D68206EF5970}" sibTransId="{8B6203C9-C65B-2D4C-B85B-6FC3D8668484}"/>
     <dgm:cxn modelId="{AA137CDB-563B-4C4D-A57D-764C0A181DB8}" type="presOf" srcId="{9E599F2D-9B17-8244-B62D-F081FEAA3799}" destId="{7A12516B-F149-BA4E-AF24-4634C282E666}" srcOrd="0" destOrd="0" presId="urn:microsoft.com/office/officeart/2005/8/layout/process2"/>
     <dgm:cxn modelId="{B40E88DB-3B68-A549-84B2-746BA7735BE4}" type="presOf" srcId="{8B6203C9-C65B-2D4C-B85B-6FC3D8668484}" destId="{676CBBD1-EA7E-4945-B1E3-C5A2C26CBF4D}" srcOrd="0" destOrd="0" presId="urn:microsoft.com/office/officeart/2005/8/layout/process2"/>
     <dgm:cxn modelId="{229840FA-9136-ED4A-8ECB-B68C374BC69E}" type="presOf" srcId="{CD710EA0-9510-5D4C-81F9-86070BB3CD74}" destId="{CB823981-7DA0-084E-9AD0-408A4C2DA3D8}" srcOrd="0" destOrd="0" presId="urn:microsoft.com/office/officeart/2005/8/layout/process2"/>
-    <dgm:cxn modelId="{83097ED9-3DE3-D143-820D-1F68D32F6B2C}" srcId="{9E599F2D-9B17-8244-B62D-F081FEAA3799}" destId="{83D04F6F-F104-484B-AB50-36D3DC2CE435}" srcOrd="1" destOrd="0" parTransId="{2ABDB003-A174-EB4C-AFA6-D68206EF5970}" sibTransId="{8B6203C9-C65B-2D4C-B85B-6FC3D8668484}"/>
-    <dgm:cxn modelId="{BD3FBA25-516E-2340-96A3-78D24C127B1D}" type="presOf" srcId="{9154D7E6-C646-1046-8FA7-3EAC5883845F}" destId="{18E20CCC-F432-F243-A835-24DE859DAF39}" srcOrd="0" destOrd="0" presId="urn:microsoft.com/office/officeart/2005/8/layout/process2"/>
     <dgm:cxn modelId="{7E977C1F-86F2-4E48-A34F-165C70A0F8CA}" type="presParOf" srcId="{7A12516B-F149-BA4E-AF24-4634C282E666}" destId="{CB823981-7DA0-084E-9AD0-408A4C2DA3D8}" srcOrd="0" destOrd="0" presId="urn:microsoft.com/office/officeart/2005/8/layout/process2"/>
     <dgm:cxn modelId="{2E4831A1-2BBA-0548-8E90-966484A4B3BC}" type="presParOf" srcId="{7A12516B-F149-BA4E-AF24-4634C282E666}" destId="{76AFB1CF-06DE-8B4C-93EC-B1FA21A59530}" srcOrd="1" destOrd="0" presId="urn:microsoft.com/office/officeart/2005/8/layout/process2"/>
     <dgm:cxn modelId="{3915C467-8657-344F-A0AF-D8FF81E7ACC7}" type="presParOf" srcId="{76AFB1CF-06DE-8B4C-93EC-B1FA21A59530}" destId="{DA693430-3002-C945-988D-4A0EFFEB03E5}" srcOrd="0" destOrd="0" presId="urn:microsoft.com/office/officeart/2005/8/layout/process2"/>
@@ -3398,10 +3350,9 @@
         <a:lstStyle/>
         <a:p>
           <a:r>
-            <a:rPr lang="en-GB" dirty="0" smtClean="0"/>
+            <a:rPr lang="en-GB" dirty="0"/>
             <a:t>Visualise</a:t>
           </a:r>
-          <a:endParaRPr lang="en-GB" dirty="0"/>
         </a:p>
       </dgm:t>
     </dgm:pt>
@@ -3435,10 +3386,9 @@
         <a:lstStyle/>
         <a:p>
           <a:r>
-            <a:rPr lang="en-GB" dirty="0" smtClean="0"/>
+            <a:rPr lang="en-GB" dirty="0"/>
             <a:t>Analyse</a:t>
           </a:r>
-          <a:endParaRPr lang="en-GB" dirty="0"/>
         </a:p>
       </dgm:t>
     </dgm:pt>
@@ -3486,10 +3436,9 @@
         <a:lstStyle/>
         <a:p>
           <a:r>
-            <a:rPr lang="en-GB" dirty="0" smtClean="0"/>
+            <a:rPr lang="en-GB" dirty="0"/>
             <a:t>Read</a:t>
           </a:r>
-          <a:endParaRPr lang="en-GB" dirty="0"/>
         </a:p>
       </dgm:t>
     </dgm:pt>
@@ -3530,35 +3479,14 @@
         </dgm:presLayoutVars>
       </dgm:prSet>
       <dgm:spPr/>
-      <dgm:t>
-        <a:bodyPr/>
-        <a:lstStyle/>
-        <a:p>
-          <a:endParaRPr lang="en-GB"/>
-        </a:p>
-      </dgm:t>
     </dgm:pt>
     <dgm:pt modelId="{4653A369-3B83-D94D-B4C4-40A2B4BA72EB}" type="pres">
       <dgm:prSet presAssocID="{CBED45A2-F575-264B-BF3E-18739AE27D37}" presName="sibTrans" presStyleLbl="sibTrans2D1" presStyleIdx="0" presStyleCnt="2"/>
       <dgm:spPr/>
-      <dgm:t>
-        <a:bodyPr/>
-        <a:lstStyle/>
-        <a:p>
-          <a:endParaRPr lang="en-GB"/>
-        </a:p>
-      </dgm:t>
     </dgm:pt>
     <dgm:pt modelId="{74D65918-1BA5-5D49-8E18-89AF0C1B8553}" type="pres">
       <dgm:prSet presAssocID="{CBED45A2-F575-264B-BF3E-18739AE27D37}" presName="connectorText" presStyleLbl="sibTrans2D1" presStyleIdx="0" presStyleCnt="2"/>
       <dgm:spPr/>
-      <dgm:t>
-        <a:bodyPr/>
-        <a:lstStyle/>
-        <a:p>
-          <a:endParaRPr lang="en-GB"/>
-        </a:p>
-      </dgm:t>
     </dgm:pt>
     <dgm:pt modelId="{E2430297-2063-A648-8F15-DC3C602ECD69}" type="pres">
       <dgm:prSet presAssocID="{83D04F6F-F104-484B-AB50-36D3DC2CE435}" presName="node" presStyleLbl="node1" presStyleIdx="1" presStyleCnt="3">
@@ -3567,35 +3495,14 @@
         </dgm:presLayoutVars>
       </dgm:prSet>
       <dgm:spPr/>
-      <dgm:t>
-        <a:bodyPr/>
-        <a:lstStyle/>
-        <a:p>
-          <a:endParaRPr lang="en-GB"/>
-        </a:p>
-      </dgm:t>
     </dgm:pt>
     <dgm:pt modelId="{676CBBD1-EA7E-4945-B1E3-C5A2C26CBF4D}" type="pres">
       <dgm:prSet presAssocID="{8B6203C9-C65B-2D4C-B85B-6FC3D8668484}" presName="sibTrans" presStyleLbl="sibTrans2D1" presStyleIdx="1" presStyleCnt="2"/>
       <dgm:spPr/>
-      <dgm:t>
-        <a:bodyPr/>
-        <a:lstStyle/>
-        <a:p>
-          <a:endParaRPr lang="en-GB"/>
-        </a:p>
-      </dgm:t>
     </dgm:pt>
     <dgm:pt modelId="{081FE702-6711-9346-905A-626D67841622}" type="pres">
       <dgm:prSet presAssocID="{8B6203C9-C65B-2D4C-B85B-6FC3D8668484}" presName="connectorText" presStyleLbl="sibTrans2D1" presStyleIdx="1" presStyleCnt="2"/>
       <dgm:spPr/>
-      <dgm:t>
-        <a:bodyPr/>
-        <a:lstStyle/>
-        <a:p>
-          <a:endParaRPr lang="en-GB"/>
-        </a:p>
-      </dgm:t>
     </dgm:pt>
     <dgm:pt modelId="{18E20CCC-F432-F243-A835-24DE859DAF39}" type="pres">
       <dgm:prSet presAssocID="{9154D7E6-C646-1046-8FA7-3EAC5883845F}" presName="node" presStyleLbl="node1" presStyleIdx="2" presStyleCnt="3">
@@ -3604,25 +3511,18 @@
         </dgm:presLayoutVars>
       </dgm:prSet>
       <dgm:spPr/>
-      <dgm:t>
-        <a:bodyPr/>
-        <a:lstStyle/>
-        <a:p>
-          <a:endParaRPr lang="en-GB"/>
-        </a:p>
-      </dgm:t>
     </dgm:pt>
   </dgm:ptLst>
   <dgm:cxnLst>
+    <dgm:cxn modelId="{EFB8314A-F4B0-8B4A-B136-DE9CC98A86E9}" type="presOf" srcId="{83D04F6F-F104-484B-AB50-36D3DC2CE435}" destId="{E2430297-2063-A648-8F15-DC3C602ECD69}" srcOrd="0" destOrd="0" presId="urn:microsoft.com/office/officeart/2005/8/layout/process2"/>
+    <dgm:cxn modelId="{1E11844E-591C-DA41-949B-7753BC2836BF}" type="presOf" srcId="{9E599F2D-9B17-8244-B62D-F081FEAA3799}" destId="{7A12516B-F149-BA4E-AF24-4634C282E666}" srcOrd="0" destOrd="0" presId="urn:microsoft.com/office/officeart/2005/8/layout/process2"/>
+    <dgm:cxn modelId="{07447E83-FA84-1B4A-80EB-F4E2C83F3685}" type="presOf" srcId="{CBED45A2-F575-264B-BF3E-18739AE27D37}" destId="{4653A369-3B83-D94D-B4C4-40A2B4BA72EB}" srcOrd="0" destOrd="0" presId="urn:microsoft.com/office/officeart/2005/8/layout/process2"/>
+    <dgm:cxn modelId="{10B2B88A-0D39-6540-8E57-FCA498281D67}" srcId="{9E599F2D-9B17-8244-B62D-F081FEAA3799}" destId="{9154D7E6-C646-1046-8FA7-3EAC5883845F}" srcOrd="2" destOrd="0" parTransId="{680DC73C-9E6A-6D41-AD74-3A5FDCDB562A}" sibTransId="{637B4DE6-6C86-B640-A9A5-CE139CAB2411}"/>
     <dgm:cxn modelId="{4311A08E-5450-6343-AC63-B4EC7F865C04}" type="presOf" srcId="{CBED45A2-F575-264B-BF3E-18739AE27D37}" destId="{74D65918-1BA5-5D49-8E18-89AF0C1B8553}" srcOrd="1" destOrd="0" presId="urn:microsoft.com/office/officeart/2005/8/layout/process2"/>
     <dgm:cxn modelId="{775AEC98-FFF2-2A4F-A554-814E2EDC478E}" type="presOf" srcId="{8B6203C9-C65B-2D4C-B85B-6FC3D8668484}" destId="{676CBBD1-EA7E-4945-B1E3-C5A2C26CBF4D}" srcOrd="0" destOrd="0" presId="urn:microsoft.com/office/officeart/2005/8/layout/process2"/>
-    <dgm:cxn modelId="{07447E83-FA84-1B4A-80EB-F4E2C83F3685}" type="presOf" srcId="{CBED45A2-F575-264B-BF3E-18739AE27D37}" destId="{4653A369-3B83-D94D-B4C4-40A2B4BA72EB}" srcOrd="0" destOrd="0" presId="urn:microsoft.com/office/officeart/2005/8/layout/process2"/>
-    <dgm:cxn modelId="{1E11844E-591C-DA41-949B-7753BC2836BF}" type="presOf" srcId="{9E599F2D-9B17-8244-B62D-F081FEAA3799}" destId="{7A12516B-F149-BA4E-AF24-4634C282E666}" srcOrd="0" destOrd="0" presId="urn:microsoft.com/office/officeart/2005/8/layout/process2"/>
+    <dgm:cxn modelId="{2830C1AD-255E-7F40-8647-FE5DAE6BFA17}" type="presOf" srcId="{8B6203C9-C65B-2D4C-B85B-6FC3D8668484}" destId="{081FE702-6711-9346-905A-626D67841622}" srcOrd="1" destOrd="0" presId="urn:microsoft.com/office/officeart/2005/8/layout/process2"/>
+    <dgm:cxn modelId="{15142BB6-6709-D143-9E14-679399F3E2BF}" srcId="{9E599F2D-9B17-8244-B62D-F081FEAA3799}" destId="{71F25A43-1812-0F40-B7B3-A8413C572599}" srcOrd="0" destOrd="0" parTransId="{16F4B71C-B5AB-6F4C-90C5-3EFC4B53D002}" sibTransId="{CBED45A2-F575-264B-BF3E-18739AE27D37}"/>
     <dgm:cxn modelId="{66B00CB9-BEEC-E548-ACAA-A55D3D4A37CF}" type="presOf" srcId="{71F25A43-1812-0F40-B7B3-A8413C572599}" destId="{92FED591-3128-7442-9D9B-48568F2248F0}" srcOrd="0" destOrd="0" presId="urn:microsoft.com/office/officeart/2005/8/layout/process2"/>
-    <dgm:cxn modelId="{10B2B88A-0D39-6540-8E57-FCA498281D67}" srcId="{9E599F2D-9B17-8244-B62D-F081FEAA3799}" destId="{9154D7E6-C646-1046-8FA7-3EAC5883845F}" srcOrd="2" destOrd="0" parTransId="{680DC73C-9E6A-6D41-AD74-3A5FDCDB562A}" sibTransId="{637B4DE6-6C86-B640-A9A5-CE139CAB2411}"/>
-    <dgm:cxn modelId="{EFB8314A-F4B0-8B4A-B136-DE9CC98A86E9}" type="presOf" srcId="{83D04F6F-F104-484B-AB50-36D3DC2CE435}" destId="{E2430297-2063-A648-8F15-DC3C602ECD69}" srcOrd="0" destOrd="0" presId="urn:microsoft.com/office/officeart/2005/8/layout/process2"/>
-    <dgm:cxn modelId="{15142BB6-6709-D143-9E14-679399F3E2BF}" srcId="{9E599F2D-9B17-8244-B62D-F081FEAA3799}" destId="{71F25A43-1812-0F40-B7B3-A8413C572599}" srcOrd="0" destOrd="0" parTransId="{16F4B71C-B5AB-6F4C-90C5-3EFC4B53D002}" sibTransId="{CBED45A2-F575-264B-BF3E-18739AE27D37}"/>
-    <dgm:cxn modelId="{2830C1AD-255E-7F40-8647-FE5DAE6BFA17}" type="presOf" srcId="{8B6203C9-C65B-2D4C-B85B-6FC3D8668484}" destId="{081FE702-6711-9346-905A-626D67841622}" srcOrd="1" destOrd="0" presId="urn:microsoft.com/office/officeart/2005/8/layout/process2"/>
     <dgm:cxn modelId="{63804DBB-6673-8241-9279-6EB950172476}" type="presOf" srcId="{9154D7E6-C646-1046-8FA7-3EAC5883845F}" destId="{18E20CCC-F432-F243-A835-24DE859DAF39}" srcOrd="0" destOrd="0" presId="urn:microsoft.com/office/officeart/2005/8/layout/process2"/>
     <dgm:cxn modelId="{83097ED9-3DE3-D143-820D-1F68D32F6B2C}" srcId="{9E599F2D-9B17-8244-B62D-F081FEAA3799}" destId="{83D04F6F-F104-484B-AB50-36D3DC2CE435}" srcOrd="1" destOrd="0" parTransId="{2ABDB003-A174-EB4C-AFA6-D68206EF5970}" sibTransId="{8B6203C9-C65B-2D4C-B85B-6FC3D8668484}"/>
     <dgm:cxn modelId="{17871424-1C29-ED4D-AF2E-C223BAA28BA9}" type="presParOf" srcId="{7A12516B-F149-BA4E-AF24-4634C282E666}" destId="{92FED591-3128-7442-9D9B-48568F2248F0}" srcOrd="0" destOrd="0" presId="urn:microsoft.com/office/officeart/2005/8/layout/process2"/>
@@ -3672,10 +3572,9 @@
         <a:lstStyle/>
         <a:p>
           <a:r>
-            <a:rPr lang="en-GB" dirty="0" smtClean="0"/>
+            <a:rPr lang="en-GB" dirty="0"/>
             <a:t>Analyse</a:t>
           </a:r>
-          <a:endParaRPr lang="en-GB" dirty="0"/>
         </a:p>
       </dgm:t>
     </dgm:pt>
@@ -3709,10 +3608,9 @@
         <a:lstStyle/>
         <a:p>
           <a:r>
-            <a:rPr lang="en-GB" dirty="0" smtClean="0"/>
+            <a:rPr lang="en-GB" dirty="0"/>
             <a:t>Visualise</a:t>
           </a:r>
-          <a:endParaRPr lang="en-GB" dirty="0"/>
         </a:p>
       </dgm:t>
     </dgm:pt>
@@ -3746,10 +3644,9 @@
         <a:lstStyle/>
         <a:p>
           <a:r>
-            <a:rPr lang="en-GB" dirty="0" smtClean="0"/>
+            <a:rPr lang="en-GB" dirty="0"/>
             <a:t>Read</a:t>
           </a:r>
-          <a:endParaRPr lang="en-GB" dirty="0"/>
         </a:p>
       </dgm:t>
     </dgm:pt>
@@ -3790,35 +3687,14 @@
         </dgm:presLayoutVars>
       </dgm:prSet>
       <dgm:spPr/>
-      <dgm:t>
-        <a:bodyPr/>
-        <a:lstStyle/>
-        <a:p>
-          <a:endParaRPr lang="en-GB"/>
-        </a:p>
-      </dgm:t>
     </dgm:pt>
     <dgm:pt modelId="{80C30B2D-C10D-B24C-BF92-F71C213C9188}" type="pres">
       <dgm:prSet presAssocID="{A99D4119-399B-F249-8F26-65BA26EE1F5E}" presName="sibTrans" presStyleLbl="sibTrans2D1" presStyleIdx="0" presStyleCnt="2"/>
       <dgm:spPr/>
-      <dgm:t>
-        <a:bodyPr/>
-        <a:lstStyle/>
-        <a:p>
-          <a:endParaRPr lang="en-GB"/>
-        </a:p>
-      </dgm:t>
     </dgm:pt>
     <dgm:pt modelId="{512EA41B-84E2-B749-BC64-9FC4EB474D42}" type="pres">
       <dgm:prSet presAssocID="{A99D4119-399B-F249-8F26-65BA26EE1F5E}" presName="connectorText" presStyleLbl="sibTrans2D1" presStyleIdx="0" presStyleCnt="2"/>
       <dgm:spPr/>
-      <dgm:t>
-        <a:bodyPr/>
-        <a:lstStyle/>
-        <a:p>
-          <a:endParaRPr lang="en-GB"/>
-        </a:p>
-      </dgm:t>
     </dgm:pt>
     <dgm:pt modelId="{E2430297-2063-A648-8F15-DC3C602ECD69}" type="pres">
       <dgm:prSet presAssocID="{83D04F6F-F104-484B-AB50-36D3DC2CE435}" presName="node" presStyleLbl="node1" presStyleIdx="1" presStyleCnt="3" custLinFactNeighborX="-840">
@@ -3827,35 +3703,14 @@
         </dgm:presLayoutVars>
       </dgm:prSet>
       <dgm:spPr/>
-      <dgm:t>
-        <a:bodyPr/>
-        <a:lstStyle/>
-        <a:p>
-          <a:endParaRPr lang="en-GB"/>
-        </a:p>
-      </dgm:t>
     </dgm:pt>
     <dgm:pt modelId="{676CBBD1-EA7E-4945-B1E3-C5A2C26CBF4D}" type="pres">
       <dgm:prSet presAssocID="{8B6203C9-C65B-2D4C-B85B-6FC3D8668484}" presName="sibTrans" presStyleLbl="sibTrans2D1" presStyleIdx="1" presStyleCnt="2"/>
       <dgm:spPr/>
-      <dgm:t>
-        <a:bodyPr/>
-        <a:lstStyle/>
-        <a:p>
-          <a:endParaRPr lang="en-GB"/>
-        </a:p>
-      </dgm:t>
     </dgm:pt>
     <dgm:pt modelId="{081FE702-6711-9346-905A-626D67841622}" type="pres">
       <dgm:prSet presAssocID="{8B6203C9-C65B-2D4C-B85B-6FC3D8668484}" presName="connectorText" presStyleLbl="sibTrans2D1" presStyleIdx="1" presStyleCnt="2"/>
       <dgm:spPr/>
-      <dgm:t>
-        <a:bodyPr/>
-        <a:lstStyle/>
-        <a:p>
-          <a:endParaRPr lang="en-GB"/>
-        </a:p>
-      </dgm:t>
     </dgm:pt>
     <dgm:pt modelId="{18E20CCC-F432-F243-A835-24DE859DAF39}" type="pres">
       <dgm:prSet presAssocID="{9154D7E6-C646-1046-8FA7-3EAC5883845F}" presName="node" presStyleLbl="node1" presStyleIdx="2" presStyleCnt="3">
@@ -3864,27 +3719,20 @@
         </dgm:presLayoutVars>
       </dgm:prSet>
       <dgm:spPr/>
-      <dgm:t>
-        <a:bodyPr/>
-        <a:lstStyle/>
-        <a:p>
-          <a:endParaRPr lang="en-GB"/>
-        </a:p>
-      </dgm:t>
     </dgm:pt>
   </dgm:ptLst>
   <dgm:cxnLst>
+    <dgm:cxn modelId="{1BDC0A0A-B9D8-CC4C-BB9A-6DCD01B84DDD}" type="presOf" srcId="{A99D4119-399B-F249-8F26-65BA26EE1F5E}" destId="{512EA41B-84E2-B749-BC64-9FC4EB474D42}" srcOrd="1" destOrd="0" presId="urn:microsoft.com/office/officeart/2005/8/layout/process2"/>
+    <dgm:cxn modelId="{4AEF6013-8EE2-3A4E-8650-83CB3528B52E}" srcId="{9E599F2D-9B17-8244-B62D-F081FEAA3799}" destId="{E90B7B46-94C5-8442-81DA-26C8C6A8F13B}" srcOrd="0" destOrd="0" parTransId="{42F6254D-99CF-BC47-84B6-023673A81D58}" sibTransId="{A99D4119-399B-F249-8F26-65BA26EE1F5E}"/>
+    <dgm:cxn modelId="{331E841F-1E94-784C-A63A-4EBFBC13A256}" type="presOf" srcId="{E90B7B46-94C5-8442-81DA-26C8C6A8F13B}" destId="{804BE1F3-E630-404D-9441-1E1D60EC42F9}" srcOrd="0" destOrd="0" presId="urn:microsoft.com/office/officeart/2005/8/layout/process2"/>
+    <dgm:cxn modelId="{2E5C7E2C-5CC4-DB42-A3EB-61F467C405B8}" type="presOf" srcId="{83D04F6F-F104-484B-AB50-36D3DC2CE435}" destId="{E2430297-2063-A648-8F15-DC3C602ECD69}" srcOrd="0" destOrd="0" presId="urn:microsoft.com/office/officeart/2005/8/layout/process2"/>
+    <dgm:cxn modelId="{270FBE2D-8F06-074E-A61E-B36EF0AA8207}" type="presOf" srcId="{8B6203C9-C65B-2D4C-B85B-6FC3D8668484}" destId="{676CBBD1-EA7E-4945-B1E3-C5A2C26CBF4D}" srcOrd="0" destOrd="0" presId="urn:microsoft.com/office/officeart/2005/8/layout/process2"/>
+    <dgm:cxn modelId="{6B90DE3A-1F17-244B-A703-2177DA58A99C}" type="presOf" srcId="{9154D7E6-C646-1046-8FA7-3EAC5883845F}" destId="{18E20CCC-F432-F243-A835-24DE859DAF39}" srcOrd="0" destOrd="0" presId="urn:microsoft.com/office/officeart/2005/8/layout/process2"/>
+    <dgm:cxn modelId="{10B2B88A-0D39-6540-8E57-FCA498281D67}" srcId="{9E599F2D-9B17-8244-B62D-F081FEAA3799}" destId="{9154D7E6-C646-1046-8FA7-3EAC5883845F}" srcOrd="2" destOrd="0" parTransId="{680DC73C-9E6A-6D41-AD74-3A5FDCDB562A}" sibTransId="{637B4DE6-6C86-B640-A9A5-CE139CAB2411}"/>
+    <dgm:cxn modelId="{A93765A0-2B85-DB40-A131-9C4BD608A6F7}" type="presOf" srcId="{9E599F2D-9B17-8244-B62D-F081FEAA3799}" destId="{7A12516B-F149-BA4E-AF24-4634C282E666}" srcOrd="0" destOrd="0" presId="urn:microsoft.com/office/officeart/2005/8/layout/process2"/>
     <dgm:cxn modelId="{6AF803A6-7625-0049-A98B-6DABE08DB9C8}" type="presOf" srcId="{8B6203C9-C65B-2D4C-B85B-6FC3D8668484}" destId="{081FE702-6711-9346-905A-626D67841622}" srcOrd="1" destOrd="0" presId="urn:microsoft.com/office/officeart/2005/8/layout/process2"/>
-    <dgm:cxn modelId="{2E5C7E2C-5CC4-DB42-A3EB-61F467C405B8}" type="presOf" srcId="{83D04F6F-F104-484B-AB50-36D3DC2CE435}" destId="{E2430297-2063-A648-8F15-DC3C602ECD69}" srcOrd="0" destOrd="0" presId="urn:microsoft.com/office/officeart/2005/8/layout/process2"/>
-    <dgm:cxn modelId="{1BDC0A0A-B9D8-CC4C-BB9A-6DCD01B84DDD}" type="presOf" srcId="{A99D4119-399B-F249-8F26-65BA26EE1F5E}" destId="{512EA41B-84E2-B749-BC64-9FC4EB474D42}" srcOrd="1" destOrd="0" presId="urn:microsoft.com/office/officeart/2005/8/layout/process2"/>
-    <dgm:cxn modelId="{10B2B88A-0D39-6540-8E57-FCA498281D67}" srcId="{9E599F2D-9B17-8244-B62D-F081FEAA3799}" destId="{9154D7E6-C646-1046-8FA7-3EAC5883845F}" srcOrd="2" destOrd="0" parTransId="{680DC73C-9E6A-6D41-AD74-3A5FDCDB562A}" sibTransId="{637B4DE6-6C86-B640-A9A5-CE139CAB2411}"/>
-    <dgm:cxn modelId="{270FBE2D-8F06-074E-A61E-B36EF0AA8207}" type="presOf" srcId="{8B6203C9-C65B-2D4C-B85B-6FC3D8668484}" destId="{676CBBD1-EA7E-4945-B1E3-C5A2C26CBF4D}" srcOrd="0" destOrd="0" presId="urn:microsoft.com/office/officeart/2005/8/layout/process2"/>
-    <dgm:cxn modelId="{4AEF6013-8EE2-3A4E-8650-83CB3528B52E}" srcId="{9E599F2D-9B17-8244-B62D-F081FEAA3799}" destId="{E90B7B46-94C5-8442-81DA-26C8C6A8F13B}" srcOrd="0" destOrd="0" parTransId="{42F6254D-99CF-BC47-84B6-023673A81D58}" sibTransId="{A99D4119-399B-F249-8F26-65BA26EE1F5E}"/>
-    <dgm:cxn modelId="{6B90DE3A-1F17-244B-A703-2177DA58A99C}" type="presOf" srcId="{9154D7E6-C646-1046-8FA7-3EAC5883845F}" destId="{18E20CCC-F432-F243-A835-24DE859DAF39}" srcOrd="0" destOrd="0" presId="urn:microsoft.com/office/officeart/2005/8/layout/process2"/>
+    <dgm:cxn modelId="{83097ED9-3DE3-D143-820D-1F68D32F6B2C}" srcId="{9E599F2D-9B17-8244-B62D-F081FEAA3799}" destId="{83D04F6F-F104-484B-AB50-36D3DC2CE435}" srcOrd="1" destOrd="0" parTransId="{2ABDB003-A174-EB4C-AFA6-D68206EF5970}" sibTransId="{8B6203C9-C65B-2D4C-B85B-6FC3D8668484}"/>
     <dgm:cxn modelId="{85FF25E4-2B64-9A4F-A6C7-87E1F344F61D}" type="presOf" srcId="{A99D4119-399B-F249-8F26-65BA26EE1F5E}" destId="{80C30B2D-C10D-B24C-BF92-F71C213C9188}" srcOrd="0" destOrd="0" presId="urn:microsoft.com/office/officeart/2005/8/layout/process2"/>
-    <dgm:cxn modelId="{83097ED9-3DE3-D143-820D-1F68D32F6B2C}" srcId="{9E599F2D-9B17-8244-B62D-F081FEAA3799}" destId="{83D04F6F-F104-484B-AB50-36D3DC2CE435}" srcOrd="1" destOrd="0" parTransId="{2ABDB003-A174-EB4C-AFA6-D68206EF5970}" sibTransId="{8B6203C9-C65B-2D4C-B85B-6FC3D8668484}"/>
-    <dgm:cxn modelId="{A93765A0-2B85-DB40-A131-9C4BD608A6F7}" type="presOf" srcId="{9E599F2D-9B17-8244-B62D-F081FEAA3799}" destId="{7A12516B-F149-BA4E-AF24-4634C282E666}" srcOrd="0" destOrd="0" presId="urn:microsoft.com/office/officeart/2005/8/layout/process2"/>
-    <dgm:cxn modelId="{331E841F-1E94-784C-A63A-4EBFBC13A256}" type="presOf" srcId="{E90B7B46-94C5-8442-81DA-26C8C6A8F13B}" destId="{804BE1F3-E630-404D-9441-1E1D60EC42F9}" srcOrd="0" destOrd="0" presId="urn:microsoft.com/office/officeart/2005/8/layout/process2"/>
     <dgm:cxn modelId="{7D1A2D39-9157-E146-8577-3B5290AA90E2}" type="presParOf" srcId="{7A12516B-F149-BA4E-AF24-4634C282E666}" destId="{804BE1F3-E630-404D-9441-1E1D60EC42F9}" srcOrd="0" destOrd="0" presId="urn:microsoft.com/office/officeart/2005/8/layout/process2"/>
     <dgm:cxn modelId="{06A97B2C-0E43-1A49-8098-1FC140F35457}" type="presParOf" srcId="{7A12516B-F149-BA4E-AF24-4634C282E666}" destId="{80C30B2D-C10D-B24C-BF92-F71C213C9188}" srcOrd="1" destOrd="0" presId="urn:microsoft.com/office/officeart/2005/8/layout/process2"/>
     <dgm:cxn modelId="{F31E5B10-0BAF-D74F-9171-CFB3E40640E5}" type="presParOf" srcId="{80C30B2D-C10D-B24C-BF92-F71C213C9188}" destId="{512EA41B-84E2-B749-BC64-9FC4EB474D42}" srcOrd="0" destOrd="0" presId="urn:microsoft.com/office/officeart/2005/8/layout/process2"/>
@@ -3932,10 +3780,9 @@
         <a:lstStyle/>
         <a:p>
           <a:r>
-            <a:rPr lang="en-GB" dirty="0" smtClean="0"/>
+            <a:rPr lang="en-GB" dirty="0"/>
             <a:t>Visualise</a:t>
           </a:r>
-          <a:endParaRPr lang="en-GB" dirty="0"/>
         </a:p>
       </dgm:t>
     </dgm:pt>
@@ -3969,10 +3816,9 @@
         <a:lstStyle/>
         <a:p>
           <a:r>
-            <a:rPr lang="en-GB" dirty="0" smtClean="0"/>
+            <a:rPr lang="en-GB" dirty="0"/>
             <a:t>Read</a:t>
           </a:r>
-          <a:endParaRPr lang="en-GB" dirty="0"/>
         </a:p>
       </dgm:t>
     </dgm:pt>
@@ -4006,10 +3852,9 @@
         <a:lstStyle/>
         <a:p>
           <a:r>
-            <a:rPr lang="en-GB" dirty="0" smtClean="0"/>
+            <a:rPr lang="en-GB" dirty="0"/>
             <a:t>Analyse</a:t>
           </a:r>
-          <a:endParaRPr lang="en-GB" dirty="0"/>
         </a:p>
       </dgm:t>
     </dgm:pt>
@@ -4050,35 +3895,14 @@
         </dgm:presLayoutVars>
       </dgm:prSet>
       <dgm:spPr/>
-      <dgm:t>
-        <a:bodyPr/>
-        <a:lstStyle/>
-        <a:p>
-          <a:endParaRPr lang="en-GB"/>
-        </a:p>
-      </dgm:t>
     </dgm:pt>
     <dgm:pt modelId="{80C30B2D-C10D-B24C-BF92-F71C213C9188}" type="pres">
       <dgm:prSet presAssocID="{A99D4119-399B-F249-8F26-65BA26EE1F5E}" presName="sibTrans" presStyleLbl="sibTrans2D1" presStyleIdx="0" presStyleCnt="2"/>
       <dgm:spPr/>
-      <dgm:t>
-        <a:bodyPr/>
-        <a:lstStyle/>
-        <a:p>
-          <a:endParaRPr lang="en-GB"/>
-        </a:p>
-      </dgm:t>
     </dgm:pt>
     <dgm:pt modelId="{512EA41B-84E2-B749-BC64-9FC4EB474D42}" type="pres">
       <dgm:prSet presAssocID="{A99D4119-399B-F249-8F26-65BA26EE1F5E}" presName="connectorText" presStyleLbl="sibTrans2D1" presStyleIdx="0" presStyleCnt="2"/>
       <dgm:spPr/>
-      <dgm:t>
-        <a:bodyPr/>
-        <a:lstStyle/>
-        <a:p>
-          <a:endParaRPr lang="en-GB"/>
-        </a:p>
-      </dgm:t>
     </dgm:pt>
     <dgm:pt modelId="{70D9E952-015E-8D4D-AA30-72E28A2CCBB1}" type="pres">
       <dgm:prSet presAssocID="{68111FC5-287F-104E-AA9A-9457C6E1DDD3}" presName="node" presStyleLbl="node1" presStyleIdx="1" presStyleCnt="3">
@@ -4087,35 +3911,14 @@
         </dgm:presLayoutVars>
       </dgm:prSet>
       <dgm:spPr/>
-      <dgm:t>
-        <a:bodyPr/>
-        <a:lstStyle/>
-        <a:p>
-          <a:endParaRPr lang="en-GB"/>
-        </a:p>
-      </dgm:t>
     </dgm:pt>
     <dgm:pt modelId="{AC69782F-9EA9-AC4E-A3EA-CB853717D8CA}" type="pres">
       <dgm:prSet presAssocID="{76847A34-DC62-C747-A6B0-938F12C33834}" presName="sibTrans" presStyleLbl="sibTrans2D1" presStyleIdx="1" presStyleCnt="2"/>
       <dgm:spPr/>
-      <dgm:t>
-        <a:bodyPr/>
-        <a:lstStyle/>
-        <a:p>
-          <a:endParaRPr lang="en-GB"/>
-        </a:p>
-      </dgm:t>
     </dgm:pt>
     <dgm:pt modelId="{4320844E-C53D-4F4B-832A-F35E138A1AAD}" type="pres">
       <dgm:prSet presAssocID="{76847A34-DC62-C747-A6B0-938F12C33834}" presName="connectorText" presStyleLbl="sibTrans2D1" presStyleIdx="1" presStyleCnt="2"/>
       <dgm:spPr/>
-      <dgm:t>
-        <a:bodyPr/>
-        <a:lstStyle/>
-        <a:p>
-          <a:endParaRPr lang="en-GB"/>
-        </a:p>
-      </dgm:t>
     </dgm:pt>
     <dgm:pt modelId="{E2430297-2063-A648-8F15-DC3C602ECD69}" type="pres">
       <dgm:prSet presAssocID="{83D04F6F-F104-484B-AB50-36D3DC2CE435}" presName="node" presStyleLbl="node1" presStyleIdx="2" presStyleCnt="3" custLinFactNeighborX="-840">
@@ -4124,27 +3927,20 @@
         </dgm:presLayoutVars>
       </dgm:prSet>
       <dgm:spPr/>
-      <dgm:t>
-        <a:bodyPr/>
-        <a:lstStyle/>
-        <a:p>
-          <a:endParaRPr lang="en-GB"/>
-        </a:p>
-      </dgm:t>
     </dgm:pt>
   </dgm:ptLst>
   <dgm:cxnLst>
+    <dgm:cxn modelId="{0571A701-1F11-5E48-BE67-1A9E8B911C25}" type="presOf" srcId="{68111FC5-287F-104E-AA9A-9457C6E1DDD3}" destId="{70D9E952-015E-8D4D-AA30-72E28A2CCBB1}" srcOrd="0" destOrd="0" presId="urn:microsoft.com/office/officeart/2005/8/layout/process2"/>
+    <dgm:cxn modelId="{790FCB06-8A03-D04D-B86B-BE3CE94BF0A2}" type="presOf" srcId="{76847A34-DC62-C747-A6B0-938F12C33834}" destId="{4320844E-C53D-4F4B-832A-F35E138A1AAD}" srcOrd="1" destOrd="0" presId="urn:microsoft.com/office/officeart/2005/8/layout/process2"/>
+    <dgm:cxn modelId="{4AEF6013-8EE2-3A4E-8650-83CB3528B52E}" srcId="{9E599F2D-9B17-8244-B62D-F081FEAA3799}" destId="{E90B7B46-94C5-8442-81DA-26C8C6A8F13B}" srcOrd="0" destOrd="0" parTransId="{42F6254D-99CF-BC47-84B6-023673A81D58}" sibTransId="{A99D4119-399B-F249-8F26-65BA26EE1F5E}"/>
+    <dgm:cxn modelId="{ED2D7F78-E9ED-D146-8883-0F8DE31F2F7F}" type="presOf" srcId="{76847A34-DC62-C747-A6B0-938F12C33834}" destId="{AC69782F-9EA9-AC4E-A3EA-CB853717D8CA}" srcOrd="0" destOrd="0" presId="urn:microsoft.com/office/officeart/2005/8/layout/process2"/>
+    <dgm:cxn modelId="{EDB36080-DDD8-3146-B636-6E87FF2FA9E7}" type="presOf" srcId="{9E599F2D-9B17-8244-B62D-F081FEAA3799}" destId="{7A12516B-F149-BA4E-AF24-4634C282E666}" srcOrd="0" destOrd="0" presId="urn:microsoft.com/office/officeart/2005/8/layout/process2"/>
+    <dgm:cxn modelId="{556A318E-B82B-0B4E-95A9-481C4CA66D81}" type="presOf" srcId="{83D04F6F-F104-484B-AB50-36D3DC2CE435}" destId="{E2430297-2063-A648-8F15-DC3C602ECD69}" srcOrd="0" destOrd="0" presId="urn:microsoft.com/office/officeart/2005/8/layout/process2"/>
+    <dgm:cxn modelId="{785590B1-810F-2B41-9820-BFEC97210875}" type="presOf" srcId="{A99D4119-399B-F249-8F26-65BA26EE1F5E}" destId="{80C30B2D-C10D-B24C-BF92-F71C213C9188}" srcOrd="0" destOrd="0" presId="urn:microsoft.com/office/officeart/2005/8/layout/process2"/>
+    <dgm:cxn modelId="{C94967BF-2496-1A43-A1C0-B21D340E450E}" type="presOf" srcId="{E90B7B46-94C5-8442-81DA-26C8C6A8F13B}" destId="{804BE1F3-E630-404D-9441-1E1D60EC42F9}" srcOrd="0" destOrd="0" presId="urn:microsoft.com/office/officeart/2005/8/layout/process2"/>
+    <dgm:cxn modelId="{83097ED9-3DE3-D143-820D-1F68D32F6B2C}" srcId="{9E599F2D-9B17-8244-B62D-F081FEAA3799}" destId="{83D04F6F-F104-484B-AB50-36D3DC2CE435}" srcOrd="2" destOrd="0" parTransId="{2ABDB003-A174-EB4C-AFA6-D68206EF5970}" sibTransId="{8B6203C9-C65B-2D4C-B85B-6FC3D8668484}"/>
     <dgm:cxn modelId="{D786EEF0-E78B-6E41-BA44-76B4FBA7401A}" type="presOf" srcId="{A99D4119-399B-F249-8F26-65BA26EE1F5E}" destId="{512EA41B-84E2-B749-BC64-9FC4EB474D42}" srcOrd="1" destOrd="0" presId="urn:microsoft.com/office/officeart/2005/8/layout/process2"/>
-    <dgm:cxn modelId="{0571A701-1F11-5E48-BE67-1A9E8B911C25}" type="presOf" srcId="{68111FC5-287F-104E-AA9A-9457C6E1DDD3}" destId="{70D9E952-015E-8D4D-AA30-72E28A2CCBB1}" srcOrd="0" destOrd="0" presId="urn:microsoft.com/office/officeart/2005/8/layout/process2"/>
-    <dgm:cxn modelId="{4AEF6013-8EE2-3A4E-8650-83CB3528B52E}" srcId="{9E599F2D-9B17-8244-B62D-F081FEAA3799}" destId="{E90B7B46-94C5-8442-81DA-26C8C6A8F13B}" srcOrd="0" destOrd="0" parTransId="{42F6254D-99CF-BC47-84B6-023673A81D58}" sibTransId="{A99D4119-399B-F249-8F26-65BA26EE1F5E}"/>
-    <dgm:cxn modelId="{785590B1-810F-2B41-9820-BFEC97210875}" type="presOf" srcId="{A99D4119-399B-F249-8F26-65BA26EE1F5E}" destId="{80C30B2D-C10D-B24C-BF92-F71C213C9188}" srcOrd="0" destOrd="0" presId="urn:microsoft.com/office/officeart/2005/8/layout/process2"/>
     <dgm:cxn modelId="{FE6E02FC-4792-B645-8E79-AFBC7D99E52C}" srcId="{9E599F2D-9B17-8244-B62D-F081FEAA3799}" destId="{68111FC5-287F-104E-AA9A-9457C6E1DDD3}" srcOrd="1" destOrd="0" parTransId="{4498B931-68EF-E247-BF00-E384E6C5E11E}" sibTransId="{76847A34-DC62-C747-A6B0-938F12C33834}"/>
-    <dgm:cxn modelId="{C94967BF-2496-1A43-A1C0-B21D340E450E}" type="presOf" srcId="{E90B7B46-94C5-8442-81DA-26C8C6A8F13B}" destId="{804BE1F3-E630-404D-9441-1E1D60EC42F9}" srcOrd="0" destOrd="0" presId="urn:microsoft.com/office/officeart/2005/8/layout/process2"/>
-    <dgm:cxn modelId="{556A318E-B82B-0B4E-95A9-481C4CA66D81}" type="presOf" srcId="{83D04F6F-F104-484B-AB50-36D3DC2CE435}" destId="{E2430297-2063-A648-8F15-DC3C602ECD69}" srcOrd="0" destOrd="0" presId="urn:microsoft.com/office/officeart/2005/8/layout/process2"/>
-    <dgm:cxn modelId="{ED2D7F78-E9ED-D146-8883-0F8DE31F2F7F}" type="presOf" srcId="{76847A34-DC62-C747-A6B0-938F12C33834}" destId="{AC69782F-9EA9-AC4E-A3EA-CB853717D8CA}" srcOrd="0" destOrd="0" presId="urn:microsoft.com/office/officeart/2005/8/layout/process2"/>
-    <dgm:cxn modelId="{790FCB06-8A03-D04D-B86B-BE3CE94BF0A2}" type="presOf" srcId="{76847A34-DC62-C747-A6B0-938F12C33834}" destId="{4320844E-C53D-4F4B-832A-F35E138A1AAD}" srcOrd="1" destOrd="0" presId="urn:microsoft.com/office/officeart/2005/8/layout/process2"/>
-    <dgm:cxn modelId="{EDB36080-DDD8-3146-B636-6E87FF2FA9E7}" type="presOf" srcId="{9E599F2D-9B17-8244-B62D-F081FEAA3799}" destId="{7A12516B-F149-BA4E-AF24-4634C282E666}" srcOrd="0" destOrd="0" presId="urn:microsoft.com/office/officeart/2005/8/layout/process2"/>
-    <dgm:cxn modelId="{83097ED9-3DE3-D143-820D-1F68D32F6B2C}" srcId="{9E599F2D-9B17-8244-B62D-F081FEAA3799}" destId="{83D04F6F-F104-484B-AB50-36D3DC2CE435}" srcOrd="2" destOrd="0" parTransId="{2ABDB003-A174-EB4C-AFA6-D68206EF5970}" sibTransId="{8B6203C9-C65B-2D4C-B85B-6FC3D8668484}"/>
     <dgm:cxn modelId="{5489357D-2C48-3746-9536-1B5AF76DCFA7}" type="presParOf" srcId="{7A12516B-F149-BA4E-AF24-4634C282E666}" destId="{804BE1F3-E630-404D-9441-1E1D60EC42F9}" srcOrd="0" destOrd="0" presId="urn:microsoft.com/office/officeart/2005/8/layout/process2"/>
     <dgm:cxn modelId="{6A07E836-A21D-3345-B12F-17263EDB23B5}" type="presParOf" srcId="{7A12516B-F149-BA4E-AF24-4634C282E666}" destId="{80C30B2D-C10D-B24C-BF92-F71C213C9188}" srcOrd="1" destOrd="0" presId="urn:microsoft.com/office/officeart/2005/8/layout/process2"/>
     <dgm:cxn modelId="{C93079D6-47F3-944B-98D7-770B8F7F771C}" type="presParOf" srcId="{80C30B2D-C10D-B24C-BF92-F71C213C9188}" destId="{512EA41B-84E2-B749-BC64-9FC4EB474D42}" srcOrd="0" destOrd="0" presId="urn:microsoft.com/office/officeart/2005/8/layout/process2"/>
@@ -4244,7 +4040,7 @@
         </a:bodyPr>
         <a:lstStyle/>
         <a:p>
-          <a:pPr lvl="0" algn="ctr" defTabSz="1466850">
+          <a:pPr marL="0" lvl="0" indent="0" algn="ctr" defTabSz="1466850">
             <a:lnSpc>
               <a:spcPct val="90000"/>
             </a:lnSpc>
@@ -4254,9 +4050,10 @@
             <a:spcAft>
               <a:spcPct val="35000"/>
             </a:spcAft>
+            <a:buNone/>
           </a:pPr>
           <a:r>
-            <a:rPr lang="en-GB" sz="3300" kern="1200" dirty="0" smtClean="0"/>
+            <a:rPr lang="en-GB" sz="3300" kern="1200" dirty="0"/>
             <a:t>Read</a:t>
           </a:r>
         </a:p>
@@ -4342,7 +4139,7 @@
         </a:bodyPr>
         <a:lstStyle/>
         <a:p>
-          <a:pPr lvl="0" algn="ctr" defTabSz="844550">
+          <a:pPr marL="0" lvl="0" indent="0" algn="ctr" defTabSz="844550">
             <a:lnSpc>
               <a:spcPct val="90000"/>
             </a:lnSpc>
@@ -4352,6 +4149,7 @@
             <a:spcAft>
               <a:spcPct val="35000"/>
             </a:spcAft>
+            <a:buNone/>
           </a:pPr>
           <a:endParaRPr lang="en-GB" sz="1900" kern="1200"/>
         </a:p>
@@ -4434,7 +4232,7 @@
         </a:bodyPr>
         <a:lstStyle/>
         <a:p>
-          <a:pPr lvl="0" algn="ctr" defTabSz="1466850">
+          <a:pPr marL="0" lvl="0" indent="0" algn="ctr" defTabSz="1466850">
             <a:lnSpc>
               <a:spcPct val="90000"/>
             </a:lnSpc>
@@ -4444,12 +4242,12 @@
             <a:spcAft>
               <a:spcPct val="35000"/>
             </a:spcAft>
+            <a:buNone/>
           </a:pPr>
           <a:r>
-            <a:rPr lang="en-GB" sz="3300" kern="1200" dirty="0" smtClean="0"/>
+            <a:rPr lang="en-GB" sz="3300" kern="1200" dirty="0"/>
             <a:t>Analyse</a:t>
           </a:r>
-          <a:endParaRPr lang="en-GB" sz="3300" kern="1200" dirty="0"/>
         </a:p>
       </dsp:txBody>
       <dsp:txXfrm>
@@ -4533,7 +4331,7 @@
         </a:bodyPr>
         <a:lstStyle/>
         <a:p>
-          <a:pPr lvl="0" algn="ctr" defTabSz="844550">
+          <a:pPr marL="0" lvl="0" indent="0" algn="ctr" defTabSz="844550">
             <a:lnSpc>
               <a:spcPct val="90000"/>
             </a:lnSpc>
@@ -4543,6 +4341,7 @@
             <a:spcAft>
               <a:spcPct val="35000"/>
             </a:spcAft>
+            <a:buNone/>
           </a:pPr>
           <a:endParaRPr lang="en-GB" sz="1900" kern="1200"/>
         </a:p>
@@ -4625,7 +4424,7 @@
         </a:bodyPr>
         <a:lstStyle/>
         <a:p>
-          <a:pPr lvl="0" algn="ctr" defTabSz="1466850">
+          <a:pPr marL="0" lvl="0" indent="0" algn="ctr" defTabSz="1466850">
             <a:lnSpc>
               <a:spcPct val="90000"/>
             </a:lnSpc>
@@ -4635,12 +4434,12 @@
             <a:spcAft>
               <a:spcPct val="35000"/>
             </a:spcAft>
+            <a:buNone/>
           </a:pPr>
           <a:r>
-            <a:rPr lang="en-GB" sz="3300" kern="1200" dirty="0" smtClean="0"/>
+            <a:rPr lang="en-GB" sz="3300" kern="1200" dirty="0"/>
             <a:t>Visualise</a:t>
           </a:r>
-          <a:endParaRPr lang="en-GB" sz="3300" kern="1200" dirty="0"/>
         </a:p>
       </dsp:txBody>
       <dsp:txXfrm>
@@ -4720,7 +4519,7 @@
         </a:bodyPr>
         <a:lstStyle/>
         <a:p>
-          <a:pPr lvl="0" algn="ctr" defTabSz="1466850">
+          <a:pPr marL="0" lvl="0" indent="0" algn="ctr" defTabSz="1466850">
             <a:lnSpc>
               <a:spcPct val="90000"/>
             </a:lnSpc>
@@ -4730,12 +4529,12 @@
             <a:spcAft>
               <a:spcPct val="35000"/>
             </a:spcAft>
+            <a:buNone/>
           </a:pPr>
           <a:r>
-            <a:rPr lang="en-GB" sz="3300" kern="1200" dirty="0" smtClean="0"/>
+            <a:rPr lang="en-GB" sz="3300" kern="1200" dirty="0"/>
             <a:t>Read</a:t>
           </a:r>
-          <a:endParaRPr lang="en-GB" sz="3300" kern="1200" dirty="0"/>
         </a:p>
       </dsp:txBody>
       <dsp:txXfrm>
@@ -4819,7 +4618,7 @@
         </a:bodyPr>
         <a:lstStyle/>
         <a:p>
-          <a:pPr lvl="0" algn="ctr" defTabSz="844550">
+          <a:pPr marL="0" lvl="0" indent="0" algn="ctr" defTabSz="844550">
             <a:lnSpc>
               <a:spcPct val="90000"/>
             </a:lnSpc>
@@ -4829,6 +4628,7 @@
             <a:spcAft>
               <a:spcPct val="35000"/>
             </a:spcAft>
+            <a:buNone/>
           </a:pPr>
           <a:endParaRPr lang="en-GB" sz="1900" kern="1200"/>
         </a:p>
@@ -4911,7 +4711,7 @@
         </a:bodyPr>
         <a:lstStyle/>
         <a:p>
-          <a:pPr lvl="0" algn="ctr" defTabSz="1466850">
+          <a:pPr marL="0" lvl="0" indent="0" algn="ctr" defTabSz="1466850">
             <a:lnSpc>
               <a:spcPct val="90000"/>
             </a:lnSpc>
@@ -4921,12 +4721,12 @@
             <a:spcAft>
               <a:spcPct val="35000"/>
             </a:spcAft>
+            <a:buNone/>
           </a:pPr>
           <a:r>
-            <a:rPr lang="en-GB" sz="3300" kern="1200" dirty="0" smtClean="0"/>
+            <a:rPr lang="en-GB" sz="3300" kern="1200" dirty="0"/>
             <a:t>Analyse</a:t>
           </a:r>
-          <a:endParaRPr lang="en-GB" sz="3300" kern="1200" dirty="0"/>
         </a:p>
       </dsp:txBody>
       <dsp:txXfrm>
@@ -5010,7 +4810,7 @@
         </a:bodyPr>
         <a:lstStyle/>
         <a:p>
-          <a:pPr lvl="0" algn="ctr" defTabSz="844550">
+          <a:pPr marL="0" lvl="0" indent="0" algn="ctr" defTabSz="844550">
             <a:lnSpc>
               <a:spcPct val="90000"/>
             </a:lnSpc>
@@ -5020,6 +4820,7 @@
             <a:spcAft>
               <a:spcPct val="35000"/>
             </a:spcAft>
+            <a:buNone/>
           </a:pPr>
           <a:endParaRPr lang="en-GB" sz="1900" kern="1200"/>
         </a:p>
@@ -5102,7 +4903,7 @@
         </a:bodyPr>
         <a:lstStyle/>
         <a:p>
-          <a:pPr lvl="0" algn="ctr" defTabSz="1466850">
+          <a:pPr marL="0" lvl="0" indent="0" algn="ctr" defTabSz="1466850">
             <a:lnSpc>
               <a:spcPct val="90000"/>
             </a:lnSpc>
@@ -5112,12 +4913,12 @@
             <a:spcAft>
               <a:spcPct val="35000"/>
             </a:spcAft>
+            <a:buNone/>
           </a:pPr>
           <a:r>
-            <a:rPr lang="en-GB" sz="3300" kern="1200" dirty="0" smtClean="0"/>
+            <a:rPr lang="en-GB" sz="3300" kern="1200" dirty="0"/>
             <a:t>Visualise</a:t>
           </a:r>
-          <a:endParaRPr lang="en-GB" sz="3300" kern="1200" dirty="0"/>
         </a:p>
       </dsp:txBody>
       <dsp:txXfrm>
@@ -5210,7 +5011,7 @@
         </a:bodyPr>
         <a:lstStyle/>
         <a:p>
-          <a:pPr lvl="0" algn="ctr" defTabSz="1466850">
+          <a:pPr marL="0" lvl="0" indent="0" algn="ctr" defTabSz="1466850">
             <a:lnSpc>
               <a:spcPct val="90000"/>
             </a:lnSpc>
@@ -5220,12 +5021,12 @@
             <a:spcAft>
               <a:spcPct val="35000"/>
             </a:spcAft>
+            <a:buNone/>
           </a:pPr>
           <a:r>
-            <a:rPr lang="en-GB" sz="3300" kern="1200" dirty="0" smtClean="0"/>
+            <a:rPr lang="en-GB" sz="3300" kern="1200" dirty="0"/>
             <a:t>Read</a:t>
           </a:r>
-          <a:endParaRPr lang="en-GB" sz="3300" kern="1200" dirty="0"/>
         </a:p>
       </dsp:txBody>
       <dsp:txXfrm>
@@ -5309,7 +5110,7 @@
         </a:bodyPr>
         <a:lstStyle/>
         <a:p>
-          <a:pPr lvl="0" algn="ctr" defTabSz="844550">
+          <a:pPr marL="0" lvl="0" indent="0" algn="ctr" defTabSz="844550">
             <a:lnSpc>
               <a:spcPct val="90000"/>
             </a:lnSpc>
@@ -5319,6 +5120,7 @@
             <a:spcAft>
               <a:spcPct val="35000"/>
             </a:spcAft>
+            <a:buNone/>
           </a:pPr>
           <a:endParaRPr lang="en-GB" sz="1900" kern="1200"/>
         </a:p>
@@ -5388,7 +5190,7 @@
         </a:bodyPr>
         <a:lstStyle/>
         <a:p>
-          <a:pPr lvl="0" algn="ctr" defTabSz="1466850">
+          <a:pPr marL="0" lvl="0" indent="0" algn="ctr" defTabSz="1466850">
             <a:lnSpc>
               <a:spcPct val="90000"/>
             </a:lnSpc>
@@ -5398,12 +5200,12 @@
             <a:spcAft>
               <a:spcPct val="35000"/>
             </a:spcAft>
+            <a:buNone/>
           </a:pPr>
           <a:r>
-            <a:rPr lang="en-GB" sz="3300" kern="1200" dirty="0" smtClean="0"/>
+            <a:rPr lang="en-GB" sz="3300" kern="1200" dirty="0"/>
             <a:t>Analyse</a:t>
           </a:r>
-          <a:endParaRPr lang="en-GB" sz="3300" kern="1200" dirty="0"/>
         </a:p>
       </dsp:txBody>
       <dsp:txXfrm>
@@ -5487,7 +5289,7 @@
         </a:bodyPr>
         <a:lstStyle/>
         <a:p>
-          <a:pPr lvl="0" algn="ctr" defTabSz="844550">
+          <a:pPr marL="0" lvl="0" indent="0" algn="ctr" defTabSz="844550">
             <a:lnSpc>
               <a:spcPct val="90000"/>
             </a:lnSpc>
@@ -5497,6 +5299,7 @@
             <a:spcAft>
               <a:spcPct val="35000"/>
             </a:spcAft>
+            <a:buNone/>
           </a:pPr>
           <a:endParaRPr lang="en-GB" sz="1900" kern="1200"/>
         </a:p>
@@ -5579,7 +5382,7 @@
         </a:bodyPr>
         <a:lstStyle/>
         <a:p>
-          <a:pPr lvl="0" algn="ctr" defTabSz="1466850">
+          <a:pPr marL="0" lvl="0" indent="0" algn="ctr" defTabSz="1466850">
             <a:lnSpc>
               <a:spcPct val="90000"/>
             </a:lnSpc>
@@ -5589,12 +5392,12 @@
             <a:spcAft>
               <a:spcPct val="35000"/>
             </a:spcAft>
+            <a:buNone/>
           </a:pPr>
           <a:r>
-            <a:rPr lang="en-GB" sz="3300" kern="1200" dirty="0" smtClean="0"/>
+            <a:rPr lang="en-GB" sz="3300" kern="1200" dirty="0"/>
             <a:t>Visualise</a:t>
           </a:r>
-          <a:endParaRPr lang="en-GB" sz="3300" kern="1200" dirty="0"/>
         </a:p>
       </dsp:txBody>
       <dsp:txXfrm>
@@ -5687,7 +5490,7 @@
         </a:bodyPr>
         <a:lstStyle/>
         <a:p>
-          <a:pPr lvl="0" algn="ctr" defTabSz="1466850">
+          <a:pPr marL="0" lvl="0" indent="0" algn="ctr" defTabSz="1466850">
             <a:lnSpc>
               <a:spcPct val="90000"/>
             </a:lnSpc>
@@ -5697,12 +5500,12 @@
             <a:spcAft>
               <a:spcPct val="35000"/>
             </a:spcAft>
+            <a:buNone/>
           </a:pPr>
           <a:r>
-            <a:rPr lang="en-GB" sz="3300" kern="1200" dirty="0" smtClean="0"/>
+            <a:rPr lang="en-GB" sz="3300" kern="1200" dirty="0"/>
             <a:t>Read</a:t>
           </a:r>
-          <a:endParaRPr lang="en-GB" sz="3300" kern="1200" dirty="0"/>
         </a:p>
       </dsp:txBody>
       <dsp:txXfrm>
@@ -5786,7 +5589,7 @@
         </a:bodyPr>
         <a:lstStyle/>
         <a:p>
-          <a:pPr lvl="0" algn="ctr" defTabSz="844550">
+          <a:pPr marL="0" lvl="0" indent="0" algn="ctr" defTabSz="844550">
             <a:lnSpc>
               <a:spcPct val="90000"/>
             </a:lnSpc>
@@ -5796,6 +5599,7 @@
             <a:spcAft>
               <a:spcPct val="35000"/>
             </a:spcAft>
+            <a:buNone/>
           </a:pPr>
           <a:endParaRPr lang="en-GB" sz="1900" kern="1200"/>
         </a:p>
@@ -5878,7 +5682,7 @@
         </a:bodyPr>
         <a:lstStyle/>
         <a:p>
-          <a:pPr lvl="0" algn="ctr" defTabSz="1466850">
+          <a:pPr marL="0" lvl="0" indent="0" algn="ctr" defTabSz="1466850">
             <a:lnSpc>
               <a:spcPct val="90000"/>
             </a:lnSpc>
@@ -5888,12 +5692,12 @@
             <a:spcAft>
               <a:spcPct val="35000"/>
             </a:spcAft>
+            <a:buNone/>
           </a:pPr>
           <a:r>
-            <a:rPr lang="en-GB" sz="3300" kern="1200" dirty="0" smtClean="0"/>
+            <a:rPr lang="en-GB" sz="3300" kern="1200" dirty="0"/>
             <a:t>Analyse</a:t>
           </a:r>
-          <a:endParaRPr lang="en-GB" sz="3300" kern="1200" dirty="0"/>
         </a:p>
       </dsp:txBody>
       <dsp:txXfrm>
@@ -5977,7 +5781,7 @@
         </a:bodyPr>
         <a:lstStyle/>
         <a:p>
-          <a:pPr lvl="0" algn="ctr" defTabSz="844550">
+          <a:pPr marL="0" lvl="0" indent="0" algn="ctr" defTabSz="844550">
             <a:lnSpc>
               <a:spcPct val="90000"/>
             </a:lnSpc>
@@ -5987,6 +5791,7 @@
             <a:spcAft>
               <a:spcPct val="35000"/>
             </a:spcAft>
+            <a:buNone/>
           </a:pPr>
           <a:endParaRPr lang="en-GB" sz="1900" kern="1200"/>
         </a:p>
@@ -6056,7 +5861,7 @@
         </a:bodyPr>
         <a:lstStyle/>
         <a:p>
-          <a:pPr lvl="0" algn="ctr" defTabSz="1466850">
+          <a:pPr marL="0" lvl="0" indent="0" algn="ctr" defTabSz="1466850">
             <a:lnSpc>
               <a:spcPct val="90000"/>
             </a:lnSpc>
@@ -6066,12 +5871,12 @@
             <a:spcAft>
               <a:spcPct val="35000"/>
             </a:spcAft>
+            <a:buNone/>
           </a:pPr>
           <a:r>
-            <a:rPr lang="en-GB" sz="3300" kern="1200" dirty="0" smtClean="0"/>
+            <a:rPr lang="en-GB" sz="3300" kern="1200" dirty="0"/>
             <a:t>Visualise</a:t>
           </a:r>
-          <a:endParaRPr lang="en-GB" sz="3300" kern="1200" dirty="0"/>
         </a:p>
       </dsp:txBody>
       <dsp:txXfrm>
@@ -10897,7 +10702,7 @@
           <a:p>
             <a:fld id="{C3E4F1C1-A116-6342-B152-2724EA56C7F6}" type="datetimeFigureOut">
               <a:rPr lang="en-US" smtClean="0"/>
-              <a:t>6/27/16</a:t>
+              <a:t>2/28/19</a:t>
             </a:fld>
             <a:endParaRPr lang="en-GB"/>
           </a:p>
@@ -10961,38 +10766,37 @@
           <a:p>
             <a:pPr lvl="0"/>
             <a:r>
-              <a:rPr lang="en-GB" smtClean="0"/>
+              <a:rPr lang="en-GB"/>
               <a:t>Click to edit Master text styles</a:t>
             </a:r>
           </a:p>
           <a:p>
             <a:pPr lvl="1"/>
             <a:r>
-              <a:rPr lang="en-GB" smtClean="0"/>
+              <a:rPr lang="en-GB"/>
               <a:t>Second level</a:t>
             </a:r>
           </a:p>
           <a:p>
             <a:pPr lvl="2"/>
             <a:r>
-              <a:rPr lang="en-GB" smtClean="0"/>
+              <a:rPr lang="en-GB"/>
               <a:t>Third level</a:t>
             </a:r>
           </a:p>
           <a:p>
             <a:pPr lvl="3"/>
             <a:r>
-              <a:rPr lang="en-GB" smtClean="0"/>
+              <a:rPr lang="en-GB"/>
               <a:t>Fourth level</a:t>
             </a:r>
           </a:p>
           <a:p>
             <a:pPr lvl="4"/>
             <a:r>
-              <a:rPr lang="en-GB" smtClean="0"/>
+              <a:rPr lang="en-GB"/>
               <a:t>Fifth level</a:t>
             </a:r>
-            <a:endParaRPr lang="en-GB"/>
           </a:p>
         </p:txBody>
       </p:sp>
@@ -11227,7 +11031,7 @@
               <a:defRPr/>
             </a:pPr>
             <a:r>
-              <a:rPr lang="en-GB" sz="1200" b="1" kern="1200" dirty="0" smtClean="0">
+              <a:rPr lang="en-GB" sz="1200" b="1" kern="1200" dirty="0">
                 <a:solidFill>
                   <a:schemeClr val="tx1"/>
                 </a:solidFill>
@@ -11239,7 +11043,7 @@
               <a:t>The aim is</a:t>
             </a:r>
             <a:r>
-              <a:rPr lang="en-GB" sz="1200" kern="1200" dirty="0" smtClean="0">
+              <a:rPr lang="en-GB" sz="1200" kern="1200" dirty="0">
                 <a:solidFill>
                   <a:schemeClr val="tx1"/>
                 </a:solidFill>
@@ -11251,7 +11055,7 @@
               <a:t>: Get to know CIS, what it is, and get hands on-experience</a:t>
             </a:r>
             <a:r>
-              <a:rPr lang="en-GB" sz="1200" kern="1200" baseline="0" dirty="0" smtClean="0">
+              <a:rPr lang="en-GB" sz="1200" kern="1200" baseline="0" dirty="0">
                 <a:solidFill>
                   <a:schemeClr val="tx1"/>
                 </a:solidFill>
@@ -11263,7 +11067,7 @@
               <a:t> of what it is capable of. </a:t>
             </a:r>
             <a:r>
-              <a:rPr lang="en-US" sz="1200" kern="1200" baseline="0" dirty="0" smtClean="0">
+              <a:rPr lang="en-US" sz="1200" kern="1200" baseline="0" dirty="0">
                 <a:solidFill>
                   <a:schemeClr val="tx1"/>
                 </a:solidFill>
@@ -11274,7 +11078,7 @@
               </a:rPr>
               <a:t>We’ll only be scratching the surface here - if you want more detail then register on our website and get notified about up-coming user workshops. These are 1-day workshops which go into much more detail.</a:t>
             </a:r>
-            <a:endParaRPr lang="en-US" dirty="0" smtClean="0"/>
+            <a:endParaRPr lang="en-US" dirty="0"/>
           </a:p>
           <a:p>
             <a:pPr marL="0" marR="0" indent="0" algn="l" defTabSz="457200" rtl="0" eaLnBrk="1" fontAlgn="auto" latinLnBrk="0" hangingPunct="1">
@@ -11294,7 +11098,7 @@
               <a:tabLst/>
               <a:defRPr/>
             </a:pPr>
-            <a:endParaRPr lang="en-US" sz="1200" dirty="0" smtClean="0"/>
+            <a:endParaRPr lang="en-US" sz="1200" dirty="0"/>
           </a:p>
         </p:txBody>
       </p:sp>
@@ -11462,32 +11266,7 @@
           <a:bodyPr/>
           <a:lstStyle/>
           <a:p>
-            <a:pPr marL="0" marR="0" indent="0" algn="l" defTabSz="457200" rtl="0" eaLnBrk="1" fontAlgn="auto" latinLnBrk="0" hangingPunct="1">
-              <a:lnSpc>
-                <a:spcPct val="100000"/>
-              </a:lnSpc>
-              <a:spcBef>
-                <a:spcPts val="0"/>
-              </a:spcBef>
-              <a:spcAft>
-                <a:spcPts val="0"/>
-              </a:spcAft>
-              <a:buClrTx/>
-              <a:buSzTx/>
-              <a:buFontTx/>
-              <a:buNone/>
-              <a:tabLst/>
-              <a:defRPr/>
-            </a:pPr>
-            <a:r>
-              <a:rPr lang="en-GB" dirty="0" smtClean="0"/>
-              <a:t>As you can see the difficulty here is the sparseness of the aircraft data, and actually</a:t>
-            </a:r>
-            <a:r>
-              <a:rPr lang="en-GB" baseline="0" dirty="0" smtClean="0"/>
-              <a:t> of the satellite data in this region.</a:t>
-            </a:r>
-            <a:endParaRPr lang="en-GB" dirty="0"/>
+            <a:endParaRPr lang="en-US" dirty="0"/>
           </a:p>
         </p:txBody>
       </p:sp>
@@ -11508,7 +11287,7 @@
           <a:p>
             <a:fld id="{184697A7-2C0A-BC43-8A6B-67E54A93C17F}" type="slidenum">
               <a:rPr lang="en-GB" smtClean="0"/>
-              <a:t>17</a:t>
+              <a:t>14</a:t>
             </a:fld>
             <a:endParaRPr lang="en-GB"/>
           </a:p>
@@ -11517,7 +11296,7 @@
     </p:spTree>
     <p:extLst>
       <p:ext uri="{BB962C8B-B14F-4D97-AF65-F5344CB8AC3E}">
-        <p14:creationId xmlns:p14="http://schemas.microsoft.com/office/powerpoint/2010/main" val="884127052"/>
+        <p14:creationId xmlns:p14="http://schemas.microsoft.com/office/powerpoint/2010/main" val="581689615"/>
       </p:ext>
     </p:extLst>
   </p:cSld>
@@ -11592,7 +11371,7 @@
           <a:p>
             <a:fld id="{184697A7-2C0A-BC43-8A6B-67E54A93C17F}" type="slidenum">
               <a:rPr lang="en-GB" smtClean="0"/>
-              <a:t>18</a:t>
+              <a:t>17</a:t>
             </a:fld>
             <a:endParaRPr lang="en-GB"/>
           </a:p>
@@ -11601,7 +11380,7 @@
     </p:spTree>
     <p:extLst>
       <p:ext uri="{BB962C8B-B14F-4D97-AF65-F5344CB8AC3E}">
-        <p14:creationId xmlns:p14="http://schemas.microsoft.com/office/powerpoint/2010/main" val="1737220886"/>
+        <p14:creationId xmlns:p14="http://schemas.microsoft.com/office/powerpoint/2010/main" val="1533656082"/>
       </p:ext>
     </p:extLst>
   </p:cSld>
@@ -11673,20 +11452,14 @@
               <a:defRPr/>
             </a:pPr>
             <a:r>
-              <a:rPr lang="en-GB" sz="1200" kern="1200" dirty="0" smtClean="0">
-                <a:solidFill>
-                  <a:schemeClr val="tx1"/>
-                </a:solidFill>
-                <a:effectLst/>
-                <a:latin typeface="+mn-lt"/>
-                <a:ea typeface="+mn-ea"/>
-                <a:cs typeface="+mn-cs"/>
-              </a:rPr>
-              <a:t>As we can see the gradient of the linear fit is pretty much zero</a:t>
-            </a:r>
-          </a:p>
-          <a:p>
-            <a:endParaRPr lang="en-US" dirty="0"/>
+              <a:rPr lang="en-GB" dirty="0"/>
+              <a:t>As you can see the difficulty here is the sparseness of the aircraft data, and actually</a:t>
+            </a:r>
+            <a:r>
+              <a:rPr lang="en-GB" baseline="0" dirty="0"/>
+              <a:t> of the satellite data in this region.</a:t>
+            </a:r>
+            <a:endParaRPr lang="en-GB" dirty="0"/>
           </a:p>
         </p:txBody>
       </p:sp>
@@ -11707,7 +11480,7 @@
           <a:p>
             <a:fld id="{184697A7-2C0A-BC43-8A6B-67E54A93C17F}" type="slidenum">
               <a:rPr lang="en-GB" smtClean="0"/>
-              <a:t>19</a:t>
+              <a:t>23</a:t>
             </a:fld>
             <a:endParaRPr lang="en-GB"/>
           </a:p>
@@ -11716,7 +11489,7 @@
     </p:spTree>
     <p:extLst>
       <p:ext uri="{BB962C8B-B14F-4D97-AF65-F5344CB8AC3E}">
-        <p14:creationId xmlns:p14="http://schemas.microsoft.com/office/powerpoint/2010/main" val="1792776097"/>
+        <p14:creationId xmlns:p14="http://schemas.microsoft.com/office/powerpoint/2010/main" val="884127052"/>
       </p:ext>
     </p:extLst>
   </p:cSld>
@@ -11791,7 +11564,7 @@
           <a:p>
             <a:fld id="{184697A7-2C0A-BC43-8A6B-67E54A93C17F}" type="slidenum">
               <a:rPr lang="en-GB" smtClean="0"/>
-              <a:t>20</a:t>
+              <a:t>24</a:t>
             </a:fld>
             <a:endParaRPr lang="en-GB"/>
           </a:p>
@@ -11800,7 +11573,7 @@
     </p:spTree>
     <p:extLst>
       <p:ext uri="{BB962C8B-B14F-4D97-AF65-F5344CB8AC3E}">
-        <p14:creationId xmlns:p14="http://schemas.microsoft.com/office/powerpoint/2010/main" val="581689615"/>
+        <p14:creationId xmlns:p14="http://schemas.microsoft.com/office/powerpoint/2010/main" val="1737220886"/>
       </p:ext>
     </p:extLst>
   </p:cSld>
@@ -11854,6 +11627,37 @@
           <a:bodyPr/>
           <a:lstStyle/>
           <a:p>
+            <a:pPr marL="0" marR="0" indent="0" algn="l" defTabSz="457200" rtl="0" eaLnBrk="1" fontAlgn="auto" latinLnBrk="0" hangingPunct="1">
+              <a:lnSpc>
+                <a:spcPct val="100000"/>
+              </a:lnSpc>
+              <a:spcBef>
+                <a:spcPts val="0"/>
+              </a:spcBef>
+              <a:spcAft>
+                <a:spcPts val="0"/>
+              </a:spcAft>
+              <a:buClrTx/>
+              <a:buSzTx/>
+              <a:buFontTx/>
+              <a:buNone/>
+              <a:tabLst/>
+              <a:defRPr/>
+            </a:pPr>
+            <a:r>
+              <a:rPr lang="en-GB" sz="1200" kern="1200" dirty="0">
+                <a:solidFill>
+                  <a:schemeClr val="tx1"/>
+                </a:solidFill>
+                <a:effectLst/>
+                <a:latin typeface="+mn-lt"/>
+                <a:ea typeface="+mn-ea"/>
+                <a:cs typeface="+mn-cs"/>
+              </a:rPr>
+              <a:t>As we can see the gradient of the linear fit is pretty much zero</a:t>
+            </a:r>
+          </a:p>
+          <a:p>
             <a:endParaRPr lang="en-US" dirty="0"/>
           </a:p>
         </p:txBody>
@@ -11875,7 +11679,7 @@
           <a:p>
             <a:fld id="{184697A7-2C0A-BC43-8A6B-67E54A93C17F}" type="slidenum">
               <a:rPr lang="en-GB" smtClean="0"/>
-              <a:t>21</a:t>
+              <a:t>25</a:t>
             </a:fld>
             <a:endParaRPr lang="en-GB"/>
           </a:p>
@@ -11884,7 +11688,7 @@
     </p:spTree>
     <p:extLst>
       <p:ext uri="{BB962C8B-B14F-4D97-AF65-F5344CB8AC3E}">
-        <p14:creationId xmlns:p14="http://schemas.microsoft.com/office/powerpoint/2010/main" val="1533656082"/>
+        <p14:creationId xmlns:p14="http://schemas.microsoft.com/office/powerpoint/2010/main" val="1792776097"/>
       </p:ext>
     </p:extLst>
   </p:cSld>
@@ -11939,27 +11743,27 @@
           <a:lstStyle/>
           <a:p>
             <a:r>
-              <a:rPr lang="en-US" dirty="0" err="1" smtClean="0"/>
+              <a:rPr lang="en-US" dirty="0" err="1"/>
               <a:t>CommonData</a:t>
             </a:r>
             <a:r>
-              <a:rPr lang="en-US" baseline="0" dirty="0" smtClean="0"/>
+              <a:rPr lang="en-US" baseline="0" dirty="0"/>
               <a:t> is an abstract base class with two concrete subclasses </a:t>
             </a:r>
             <a:r>
-              <a:rPr lang="en-US" baseline="0" dirty="0" err="1" smtClean="0"/>
+              <a:rPr lang="en-US" baseline="0" dirty="0" err="1"/>
               <a:t>GriddedData</a:t>
             </a:r>
             <a:r>
-              <a:rPr lang="en-US" baseline="0" dirty="0" smtClean="0"/>
+              <a:rPr lang="en-US" baseline="0" dirty="0"/>
               <a:t> and </a:t>
             </a:r>
             <a:r>
-              <a:rPr lang="en-US" baseline="0" dirty="0" err="1" smtClean="0"/>
+              <a:rPr lang="en-US" baseline="0" dirty="0" err="1"/>
               <a:t>UngriddedData</a:t>
             </a:r>
             <a:r>
-              <a:rPr lang="en-US" baseline="0" dirty="0" smtClean="0"/>
+              <a:rPr lang="en-US" baseline="0" dirty="0"/>
               <a:t>. Reiterate that these are all CIS software ‘modules’, not data files</a:t>
             </a:r>
             <a:endParaRPr lang="en-US" dirty="0"/>
@@ -11983,7 +11787,7 @@
           <a:p>
             <a:fld id="{99C5A49A-C11A-F84E-B942-45AE266857F8}" type="slidenum">
               <a:rPr lang="en-US" smtClean="0"/>
-              <a:t>23</a:t>
+              <a:t>26</a:t>
             </a:fld>
             <a:endParaRPr lang="en-US"/>
           </a:p>
@@ -12047,39 +11851,39 @@
           <a:lstStyle/>
           <a:p>
             <a:r>
-              <a:rPr lang="en-US" dirty="0" err="1" smtClean="0"/>
+              <a:rPr lang="en-US" dirty="0" err="1"/>
               <a:t>GriddedData</a:t>
             </a:r>
             <a:r>
-              <a:rPr lang="en-US" dirty="0" smtClean="0"/>
+              <a:rPr lang="en-US" dirty="0"/>
               <a:t> is</a:t>
             </a:r>
             <a:r>
-              <a:rPr lang="en-US" baseline="0" dirty="0" smtClean="0"/>
+              <a:rPr lang="en-US" baseline="0" dirty="0"/>
               <a:t> just a thin wrapper around the Iris Cube – see http://</a:t>
             </a:r>
             <a:r>
-              <a:rPr lang="en-US" baseline="0" dirty="0" err="1" smtClean="0"/>
+              <a:rPr lang="en-US" baseline="0" dirty="0" err="1"/>
               <a:t>scitools.org.uk</a:t>
             </a:r>
             <a:r>
-              <a:rPr lang="en-US" baseline="0" dirty="0" smtClean="0"/>
+              <a:rPr lang="en-US" baseline="0" dirty="0"/>
               <a:t>/iris/docs/latest/</a:t>
             </a:r>
             <a:r>
-              <a:rPr lang="en-US" baseline="0" dirty="0" err="1" smtClean="0"/>
+              <a:rPr lang="en-US" baseline="0" dirty="0" err="1"/>
               <a:t>userguide</a:t>
             </a:r>
             <a:r>
-              <a:rPr lang="en-US" baseline="0" dirty="0" smtClean="0"/>
+              <a:rPr lang="en-US" baseline="0" dirty="0"/>
               <a:t>/</a:t>
             </a:r>
             <a:r>
-              <a:rPr lang="en-US" baseline="0" dirty="0" err="1" smtClean="0"/>
+              <a:rPr lang="en-US" baseline="0" dirty="0" err="1"/>
               <a:t>iris_cubes.html#cubes-in-practice</a:t>
             </a:r>
             <a:r>
-              <a:rPr lang="en-US" baseline="0" dirty="0" smtClean="0"/>
+              <a:rPr lang="en-US" baseline="0" dirty="0"/>
               <a:t> for more details, and the inspiration for this diagram.</a:t>
             </a:r>
             <a:endParaRPr lang="en-US" dirty="0"/>
@@ -12103,7 +11907,7 @@
           <a:p>
             <a:fld id="{99C5A49A-C11A-F84E-B942-45AE266857F8}" type="slidenum">
               <a:rPr lang="en-US" smtClean="0"/>
-              <a:t>24</a:t>
+              <a:t>27</a:t>
             </a:fld>
             <a:endParaRPr lang="en-US"/>
           </a:p>
@@ -12167,27 +11971,27 @@
           <a:lstStyle/>
           <a:p>
             <a:r>
-              <a:rPr lang="en-US" dirty="0" err="1" smtClean="0"/>
+              <a:rPr lang="en-US" dirty="0" err="1"/>
               <a:t>UngriddedData</a:t>
             </a:r>
             <a:r>
-              <a:rPr lang="en-US" baseline="0" dirty="0" smtClean="0"/>
+              <a:rPr lang="en-US" baseline="0" dirty="0"/>
               <a:t> is a set of </a:t>
             </a:r>
             <a:r>
-              <a:rPr lang="en-US" baseline="0" dirty="0" err="1" smtClean="0"/>
+              <a:rPr lang="en-US" baseline="0" dirty="0" err="1"/>
               <a:t>numpy</a:t>
             </a:r>
             <a:r>
-              <a:rPr lang="en-US" baseline="0" dirty="0" smtClean="0"/>
+              <a:rPr lang="en-US" baseline="0" dirty="0"/>
               <a:t> arrays for the data and each of the coordinates (and some associated metadata). Each of the arrays need to be the same shape – but not </a:t>
             </a:r>
             <a:r>
-              <a:rPr lang="en-US" baseline="0" dirty="0" err="1" smtClean="0"/>
+              <a:rPr lang="en-US" baseline="0" dirty="0" err="1"/>
               <a:t>necasarily</a:t>
             </a:r>
             <a:r>
-              <a:rPr lang="en-US" baseline="0" smtClean="0"/>
+              <a:rPr lang="en-US" baseline="0"/>
               <a:t> 1-dimensional.</a:t>
             </a:r>
             <a:endParaRPr lang="en-US" dirty="0"/>
@@ -12211,7 +12015,7 @@
           <a:p>
             <a:fld id="{99C5A49A-C11A-F84E-B942-45AE266857F8}" type="slidenum">
               <a:rPr lang="en-US" smtClean="0"/>
-              <a:t>25</a:t>
+              <a:t>28</a:t>
             </a:fld>
             <a:endParaRPr lang="en-US"/>
           </a:p>
@@ -12359,44 +12163,44 @@
           <a:lstStyle/>
           <a:p>
             <a:r>
-              <a:rPr lang="en-US" sz="1200" dirty="0" smtClean="0"/>
+              <a:rPr lang="en-US" sz="1200" dirty="0"/>
               <a:t>ESA Aerosol and Cloud CCI product, MODIS, Cloud CCI, </a:t>
             </a:r>
             <a:r>
-              <a:rPr lang="en-US" sz="1200" dirty="0" err="1" smtClean="0"/>
+              <a:rPr lang="en-US" sz="1200" dirty="0" err="1"/>
               <a:t>Cloudsat</a:t>
             </a:r>
             <a:r>
-              <a:rPr lang="en-US" sz="1200" dirty="0" smtClean="0"/>
+              <a:rPr lang="en-US" sz="1200" dirty="0"/>
               <a:t>, AERONET</a:t>
             </a:r>
           </a:p>
           <a:p>
             <a:r>
-              <a:rPr lang="en-US" sz="1200" b="1" dirty="0" err="1" smtClean="0"/>
+              <a:rPr lang="en-US" sz="1200" b="1" dirty="0" err="1"/>
               <a:t>HadGEM</a:t>
             </a:r>
             <a:r>
-              <a:rPr lang="en-US" sz="1200" b="1" dirty="0" smtClean="0"/>
+              <a:rPr lang="en-US" sz="1200" b="1" dirty="0"/>
               <a:t>, ECHAM, any CF conformant</a:t>
             </a:r>
             <a:r>
-              <a:rPr lang="en-US" sz="1200" b="1" baseline="0" dirty="0" smtClean="0"/>
+              <a:rPr lang="en-US" sz="1200" b="1" baseline="0" dirty="0"/>
               <a:t> model data</a:t>
             </a:r>
           </a:p>
           <a:p>
             <a:r>
-              <a:rPr lang="en-US" sz="1200" baseline="0" dirty="0" smtClean="0"/>
+              <a:rPr lang="en-US" sz="1200" baseline="0" dirty="0"/>
               <a:t>Aircraft data</a:t>
             </a:r>
           </a:p>
           <a:p>
             <a:r>
-              <a:rPr lang="en-GB" sz="1200" baseline="0" dirty="0" smtClean="0"/>
+              <a:rPr lang="en-GB" sz="1200" baseline="0" dirty="0"/>
               <a:t>Plugins allow CIS to interpret user data</a:t>
             </a:r>
-            <a:endParaRPr lang="en-US" sz="1200" baseline="0" dirty="0" smtClean="0"/>
+            <a:endParaRPr lang="en-US" sz="1200" baseline="0" dirty="0"/>
           </a:p>
         </p:txBody>
       </p:sp>
@@ -12649,10 +12453,9 @@
           <a:lstStyle/>
           <a:p>
             <a:r>
-              <a:rPr lang="en-US" dirty="0" smtClean="0"/>
+              <a:rPr lang="en-US" dirty="0"/>
               <a:t>30 minutes</a:t>
             </a:r>
-            <a:endParaRPr lang="en-US" dirty="0"/>
           </a:p>
         </p:txBody>
       </p:sp>
@@ -12741,19 +12544,19 @@
               <a:buChar char="•"/>
             </a:pPr>
             <a:r>
-              <a:rPr lang="en-US" dirty="0" smtClean="0"/>
+              <a:rPr lang="en-US" dirty="0"/>
               <a:t>This is a much more complex example. Note we put</a:t>
             </a:r>
             <a:r>
-              <a:rPr lang="en-US" baseline="0" dirty="0" smtClean="0"/>
+              <a:rPr lang="en-US" baseline="0" dirty="0"/>
               <a:t> quotes around wildcards to be on the </a:t>
             </a:r>
             <a:r>
-              <a:rPr lang="en-US" baseline="0" dirty="0" err="1" smtClean="0"/>
+              <a:rPr lang="en-US" baseline="0" dirty="0" err="1"/>
               <a:t>safeside</a:t>
             </a:r>
             <a:r>
-              <a:rPr lang="en-US" baseline="0" dirty="0" smtClean="0"/>
+              <a:rPr lang="en-US" baseline="0" dirty="0"/>
               <a:t>. </a:t>
             </a:r>
           </a:p>
@@ -12763,7 +12566,7 @@
               <a:buChar char="•"/>
             </a:pPr>
             <a:r>
-              <a:rPr lang="en-US" baseline="0" dirty="0" smtClean="0"/>
+              <a:rPr lang="en-US" baseline="0" dirty="0"/>
               <a:t>You can also specify whole directories – but be careful there are no other files in there</a:t>
             </a:r>
           </a:p>
@@ -12773,7 +12576,7 @@
               <a:buChar char="•"/>
             </a:pPr>
             <a:r>
-              <a:rPr lang="en-US" baseline="0" dirty="0" smtClean="0"/>
+              <a:rPr lang="en-US" baseline="0" dirty="0"/>
               <a:t>If we need to we can also escape the colons using \</a:t>
             </a:r>
             <a:endParaRPr lang="en-US" dirty="0"/>
@@ -12878,7 +12681,7 @@
               <a:defRPr/>
             </a:pPr>
             <a:r>
-              <a:rPr lang="en-US" sz="1200" kern="1200" dirty="0" smtClean="0">
+              <a:rPr lang="en-US" sz="1200" kern="1200" dirty="0">
                 <a:solidFill>
                   <a:schemeClr val="tx1"/>
                 </a:solidFill>
@@ -12890,7 +12693,7 @@
               <a:t>Now we’re going to get hands on with CIS so you can</a:t>
             </a:r>
             <a:r>
-              <a:rPr lang="en-US" sz="1200" kern="1200" baseline="0" dirty="0" smtClean="0">
+              <a:rPr lang="en-US" sz="1200" kern="1200" baseline="0" dirty="0">
                 <a:solidFill>
                   <a:schemeClr val="tx1"/>
                 </a:solidFill>
@@ -12901,7 +12704,7 @@
               </a:rPr>
               <a:t> try it out yourself.</a:t>
             </a:r>
-            <a:endParaRPr lang="en-GB" sz="1200" kern="1200" dirty="0" smtClean="0">
+            <a:endParaRPr lang="en-GB" sz="1200" kern="1200" dirty="0">
               <a:solidFill>
                 <a:schemeClr val="tx1"/>
               </a:solidFill>
@@ -12930,7 +12733,7 @@
               <a:defRPr/>
             </a:pPr>
             <a:r>
-              <a:rPr lang="en-GB" sz="1200" kern="1200" dirty="0" smtClean="0">
+              <a:rPr lang="en-GB" sz="1200" kern="1200" dirty="0">
                 <a:solidFill>
                   <a:schemeClr val="tx1"/>
                 </a:solidFill>
@@ -12942,7 +12745,7 @@
               <a:t>Don’t forget</a:t>
             </a:r>
             <a:r>
-              <a:rPr lang="en-GB" sz="1200" kern="1200" baseline="0" dirty="0" smtClean="0">
+              <a:rPr lang="en-GB" sz="1200" kern="1200" baseline="0" dirty="0">
                 <a:solidFill>
                   <a:schemeClr val="tx1"/>
                 </a:solidFill>
@@ -12954,7 +12757,7 @@
               <a:t> to do: ‘source activate </a:t>
             </a:r>
             <a:r>
-              <a:rPr lang="en-GB" sz="1200" kern="1200" baseline="0" dirty="0" err="1" smtClean="0">
+              <a:rPr lang="en-GB" sz="1200" kern="1200" baseline="0" dirty="0" err="1">
                 <a:solidFill>
                   <a:schemeClr val="tx1"/>
                 </a:solidFill>
@@ -12966,7 +12769,7 @@
               <a:t>cis_env</a:t>
             </a:r>
             <a:r>
-              <a:rPr lang="en-GB" sz="1200" kern="1200" baseline="0" dirty="0" smtClean="0">
+              <a:rPr lang="en-GB" sz="1200" kern="1200" baseline="0" dirty="0">
                 <a:solidFill>
                   <a:schemeClr val="tx1"/>
                 </a:solidFill>
@@ -12978,7 +12781,7 @@
               <a:t>’</a:t>
             </a:r>
             <a:r>
-              <a:rPr lang="en-US" sz="1200" kern="1200" baseline="0" dirty="0" smtClean="0">
+              <a:rPr lang="en-US" sz="1200" kern="1200" baseline="0" dirty="0">
                 <a:solidFill>
                   <a:schemeClr val="tx1"/>
                 </a:solidFill>
@@ -12989,7 +12792,7 @@
               </a:rPr>
               <a:t> to activate you environment</a:t>
             </a:r>
-            <a:endParaRPr lang="en-GB" sz="1200" kern="1200" dirty="0" smtClean="0">
+            <a:endParaRPr lang="en-GB" sz="1200" kern="1200" dirty="0">
               <a:solidFill>
                 <a:schemeClr val="tx1"/>
               </a:solidFill>
@@ -13159,10 +12962,9 @@
           <a:lstStyle/>
           <a:p>
             <a:r>
-              <a:rPr lang="en-GB" smtClean="0"/>
+              <a:rPr lang="en-GB"/>
               <a:t>Click to edit Master title style</a:t>
             </a:r>
-            <a:endParaRPr lang="en-GB"/>
           </a:p>
         </p:txBody>
       </p:sp>
@@ -13278,10 +13080,9 @@
           </a:lstStyle>
           <a:p>
             <a:r>
-              <a:rPr lang="en-GB" smtClean="0"/>
+              <a:rPr lang="en-GB"/>
               <a:t>Click to edit Master subtitle style</a:t>
             </a:r>
-            <a:endParaRPr lang="en-GB"/>
           </a:p>
         </p:txBody>
       </p:sp>
@@ -13302,7 +13103,7 @@
           <a:p>
             <a:fld id="{2B8FCE0B-6C1F-3D40-BDE1-C47C672C97BE}" type="datetimeFigureOut">
               <a:rPr lang="en-US" smtClean="0"/>
-              <a:t>6/27/16</a:t>
+              <a:t>2/28/19</a:t>
             </a:fld>
             <a:endParaRPr lang="en-GB"/>
           </a:p>
@@ -13396,10 +13197,9 @@
           <a:lstStyle/>
           <a:p>
             <a:r>
-              <a:rPr lang="en-GB" smtClean="0"/>
+              <a:rPr lang="en-GB"/>
               <a:t>Click to edit Master title style</a:t>
             </a:r>
-            <a:endParaRPr lang="en-GB"/>
           </a:p>
         </p:txBody>
       </p:sp>
@@ -13420,38 +13220,37 @@
           <a:p>
             <a:pPr lvl="0"/>
             <a:r>
-              <a:rPr lang="en-GB" smtClean="0"/>
+              <a:rPr lang="en-GB"/>
               <a:t>Click to edit Master text styles</a:t>
             </a:r>
           </a:p>
           <a:p>
             <a:pPr lvl="1"/>
             <a:r>
-              <a:rPr lang="en-GB" smtClean="0"/>
+              <a:rPr lang="en-GB"/>
               <a:t>Second level</a:t>
             </a:r>
           </a:p>
           <a:p>
             <a:pPr lvl="2"/>
             <a:r>
-              <a:rPr lang="en-GB" smtClean="0"/>
+              <a:rPr lang="en-GB"/>
               <a:t>Third level</a:t>
             </a:r>
           </a:p>
           <a:p>
             <a:pPr lvl="3"/>
             <a:r>
-              <a:rPr lang="en-GB" smtClean="0"/>
+              <a:rPr lang="en-GB"/>
               <a:t>Fourth level</a:t>
             </a:r>
           </a:p>
           <a:p>
             <a:pPr lvl="4"/>
             <a:r>
-              <a:rPr lang="en-GB" smtClean="0"/>
+              <a:rPr lang="en-GB"/>
               <a:t>Fifth level</a:t>
             </a:r>
-            <a:endParaRPr lang="en-GB"/>
           </a:p>
         </p:txBody>
       </p:sp>
@@ -13472,7 +13271,7 @@
           <a:p>
             <a:fld id="{2B8FCE0B-6C1F-3D40-BDE1-C47C672C97BE}" type="datetimeFigureOut">
               <a:rPr lang="en-US" smtClean="0"/>
-              <a:t>6/27/16</a:t>
+              <a:t>2/28/19</a:t>
             </a:fld>
             <a:endParaRPr lang="en-GB"/>
           </a:p>
@@ -13571,10 +13370,9 @@
           <a:lstStyle/>
           <a:p>
             <a:r>
-              <a:rPr lang="en-GB" smtClean="0"/>
+              <a:rPr lang="en-GB"/>
               <a:t>Click to edit Master title style</a:t>
             </a:r>
-            <a:endParaRPr lang="en-GB"/>
           </a:p>
         </p:txBody>
       </p:sp>
@@ -13600,38 +13398,37 @@
           <a:p>
             <a:pPr lvl="0"/>
             <a:r>
-              <a:rPr lang="en-GB" smtClean="0"/>
+              <a:rPr lang="en-GB"/>
               <a:t>Click to edit Master text styles</a:t>
             </a:r>
           </a:p>
           <a:p>
             <a:pPr lvl="1"/>
             <a:r>
-              <a:rPr lang="en-GB" smtClean="0"/>
+              <a:rPr lang="en-GB"/>
               <a:t>Second level</a:t>
             </a:r>
           </a:p>
           <a:p>
             <a:pPr lvl="2"/>
             <a:r>
-              <a:rPr lang="en-GB" smtClean="0"/>
+              <a:rPr lang="en-GB"/>
               <a:t>Third level</a:t>
             </a:r>
           </a:p>
           <a:p>
             <a:pPr lvl="3"/>
             <a:r>
-              <a:rPr lang="en-GB" smtClean="0"/>
+              <a:rPr lang="en-GB"/>
               <a:t>Fourth level</a:t>
             </a:r>
           </a:p>
           <a:p>
             <a:pPr lvl="4"/>
             <a:r>
-              <a:rPr lang="en-GB" smtClean="0"/>
+              <a:rPr lang="en-GB"/>
               <a:t>Fifth level</a:t>
             </a:r>
-            <a:endParaRPr lang="en-GB"/>
           </a:p>
         </p:txBody>
       </p:sp>
@@ -13652,7 +13449,7 @@
           <a:p>
             <a:fld id="{2B8FCE0B-6C1F-3D40-BDE1-C47C672C97BE}" type="datetimeFigureOut">
               <a:rPr lang="en-US" smtClean="0"/>
-              <a:t>6/27/16</a:t>
+              <a:t>2/28/19</a:t>
             </a:fld>
             <a:endParaRPr lang="en-GB"/>
           </a:p>
@@ -13746,10 +13543,9 @@
           <a:lstStyle/>
           <a:p>
             <a:r>
-              <a:rPr lang="en-GB" smtClean="0"/>
+              <a:rPr lang="en-GB"/>
               <a:t>Click to edit Master title style</a:t>
             </a:r>
-            <a:endParaRPr lang="en-GB"/>
           </a:p>
         </p:txBody>
       </p:sp>
@@ -13770,38 +13566,37 @@
           <a:p>
             <a:pPr lvl="0"/>
             <a:r>
-              <a:rPr lang="en-GB" smtClean="0"/>
+              <a:rPr lang="en-GB"/>
               <a:t>Click to edit Master text styles</a:t>
             </a:r>
           </a:p>
           <a:p>
             <a:pPr lvl="1"/>
             <a:r>
-              <a:rPr lang="en-GB" smtClean="0"/>
+              <a:rPr lang="en-GB"/>
               <a:t>Second level</a:t>
             </a:r>
           </a:p>
           <a:p>
             <a:pPr lvl="2"/>
             <a:r>
-              <a:rPr lang="en-GB" smtClean="0"/>
+              <a:rPr lang="en-GB"/>
               <a:t>Third level</a:t>
             </a:r>
           </a:p>
           <a:p>
             <a:pPr lvl="3"/>
             <a:r>
-              <a:rPr lang="en-GB" smtClean="0"/>
+              <a:rPr lang="en-GB"/>
               <a:t>Fourth level</a:t>
             </a:r>
           </a:p>
           <a:p>
             <a:pPr lvl="4"/>
             <a:r>
-              <a:rPr lang="en-GB" smtClean="0"/>
+              <a:rPr lang="en-GB"/>
               <a:t>Fifth level</a:t>
             </a:r>
-            <a:endParaRPr lang="en-GB"/>
           </a:p>
         </p:txBody>
       </p:sp>
@@ -13822,7 +13617,7 @@
           <a:p>
             <a:fld id="{2B8FCE0B-6C1F-3D40-BDE1-C47C672C97BE}" type="datetimeFigureOut">
               <a:rPr lang="en-US" smtClean="0"/>
-              <a:t>6/27/16</a:t>
+              <a:t>2/28/19</a:t>
             </a:fld>
             <a:endParaRPr lang="en-GB"/>
           </a:p>
@@ -13925,10 +13720,9 @@
           </a:lstStyle>
           <a:p>
             <a:r>
-              <a:rPr lang="en-GB" smtClean="0"/>
+              <a:rPr lang="en-GB"/>
               <a:t>Click to edit Master title style</a:t>
             </a:r>
-            <a:endParaRPr lang="en-GB"/>
           </a:p>
         </p:txBody>
       </p:sp>
@@ -14045,7 +13839,7 @@
           <a:p>
             <a:pPr lvl="0"/>
             <a:r>
-              <a:rPr lang="en-GB" smtClean="0"/>
+              <a:rPr lang="en-GB"/>
               <a:t>Click to edit Master text styles</a:t>
             </a:r>
           </a:p>
@@ -14068,7 +13862,7 @@
           <a:p>
             <a:fld id="{2B8FCE0B-6C1F-3D40-BDE1-C47C672C97BE}" type="datetimeFigureOut">
               <a:rPr lang="en-US" smtClean="0"/>
-              <a:t>6/27/16</a:t>
+              <a:t>2/28/19</a:t>
             </a:fld>
             <a:endParaRPr lang="en-GB"/>
           </a:p>
@@ -14162,10 +13956,9 @@
           <a:lstStyle/>
           <a:p>
             <a:r>
-              <a:rPr lang="en-GB" smtClean="0"/>
+              <a:rPr lang="en-GB"/>
               <a:t>Click to edit Master title style</a:t>
             </a:r>
-            <a:endParaRPr lang="en-GB"/>
           </a:p>
         </p:txBody>
       </p:sp>
@@ -14219,38 +14012,37 @@
           <a:p>
             <a:pPr lvl="0"/>
             <a:r>
-              <a:rPr lang="en-GB" smtClean="0"/>
+              <a:rPr lang="en-GB"/>
               <a:t>Click to edit Master text styles</a:t>
             </a:r>
           </a:p>
           <a:p>
             <a:pPr lvl="1"/>
             <a:r>
-              <a:rPr lang="en-GB" smtClean="0"/>
+              <a:rPr lang="en-GB"/>
               <a:t>Second level</a:t>
             </a:r>
           </a:p>
           <a:p>
             <a:pPr lvl="2"/>
             <a:r>
-              <a:rPr lang="en-GB" smtClean="0"/>
+              <a:rPr lang="en-GB"/>
               <a:t>Third level</a:t>
             </a:r>
           </a:p>
           <a:p>
             <a:pPr lvl="3"/>
             <a:r>
-              <a:rPr lang="en-GB" smtClean="0"/>
+              <a:rPr lang="en-GB"/>
               <a:t>Fourth level</a:t>
             </a:r>
           </a:p>
           <a:p>
             <a:pPr lvl="4"/>
             <a:r>
-              <a:rPr lang="en-GB" smtClean="0"/>
+              <a:rPr lang="en-GB"/>
               <a:t>Fifth level</a:t>
             </a:r>
-            <a:endParaRPr lang="en-GB"/>
           </a:p>
         </p:txBody>
       </p:sp>
@@ -14304,38 +14096,37 @@
           <a:p>
             <a:pPr lvl="0"/>
             <a:r>
-              <a:rPr lang="en-GB" smtClean="0"/>
+              <a:rPr lang="en-GB"/>
               <a:t>Click to edit Master text styles</a:t>
             </a:r>
           </a:p>
           <a:p>
             <a:pPr lvl="1"/>
             <a:r>
-              <a:rPr lang="en-GB" smtClean="0"/>
+              <a:rPr lang="en-GB"/>
               <a:t>Second level</a:t>
             </a:r>
           </a:p>
           <a:p>
             <a:pPr lvl="2"/>
             <a:r>
-              <a:rPr lang="en-GB" smtClean="0"/>
+              <a:rPr lang="en-GB"/>
               <a:t>Third level</a:t>
             </a:r>
           </a:p>
           <a:p>
             <a:pPr lvl="3"/>
             <a:r>
-              <a:rPr lang="en-GB" smtClean="0"/>
+              <a:rPr lang="en-GB"/>
               <a:t>Fourth level</a:t>
             </a:r>
           </a:p>
           <a:p>
             <a:pPr lvl="4"/>
             <a:r>
-              <a:rPr lang="en-GB" smtClean="0"/>
+              <a:rPr lang="en-GB"/>
               <a:t>Fifth level</a:t>
             </a:r>
-            <a:endParaRPr lang="en-GB"/>
           </a:p>
         </p:txBody>
       </p:sp>
@@ -14356,7 +14147,7 @@
           <a:p>
             <a:fld id="{2B8FCE0B-6C1F-3D40-BDE1-C47C672C97BE}" type="datetimeFigureOut">
               <a:rPr lang="en-US" smtClean="0"/>
-              <a:t>6/27/16</a:t>
+              <a:t>2/28/19</a:t>
             </a:fld>
             <a:endParaRPr lang="en-GB"/>
           </a:p>
@@ -14454,10 +14245,9 @@
           </a:lstStyle>
           <a:p>
             <a:r>
-              <a:rPr lang="en-GB" smtClean="0"/>
+              <a:rPr lang="en-GB"/>
               <a:t>Click to edit Master title style</a:t>
             </a:r>
-            <a:endParaRPr lang="en-GB"/>
           </a:p>
         </p:txBody>
       </p:sp>
@@ -14520,7 +14310,7 @@
           <a:p>
             <a:pPr lvl="0"/>
             <a:r>
-              <a:rPr lang="en-GB" smtClean="0"/>
+              <a:rPr lang="en-GB"/>
               <a:t>Click to edit Master text styles</a:t>
             </a:r>
           </a:p>
@@ -14576,38 +14366,37 @@
           <a:p>
             <a:pPr lvl="0"/>
             <a:r>
-              <a:rPr lang="en-GB" smtClean="0"/>
+              <a:rPr lang="en-GB"/>
               <a:t>Click to edit Master text styles</a:t>
             </a:r>
           </a:p>
           <a:p>
             <a:pPr lvl="1"/>
             <a:r>
-              <a:rPr lang="en-GB" smtClean="0"/>
+              <a:rPr lang="en-GB"/>
               <a:t>Second level</a:t>
             </a:r>
           </a:p>
           <a:p>
             <a:pPr lvl="2"/>
             <a:r>
-              <a:rPr lang="en-GB" smtClean="0"/>
+              <a:rPr lang="en-GB"/>
               <a:t>Third level</a:t>
             </a:r>
           </a:p>
           <a:p>
             <a:pPr lvl="3"/>
             <a:r>
-              <a:rPr lang="en-GB" smtClean="0"/>
+              <a:rPr lang="en-GB"/>
               <a:t>Fourth level</a:t>
             </a:r>
           </a:p>
           <a:p>
             <a:pPr lvl="4"/>
             <a:r>
-              <a:rPr lang="en-GB" smtClean="0"/>
+              <a:rPr lang="en-GB"/>
               <a:t>Fifth level</a:t>
             </a:r>
-            <a:endParaRPr lang="en-GB"/>
           </a:p>
         </p:txBody>
       </p:sp>
@@ -14670,7 +14459,7 @@
           <a:p>
             <a:pPr lvl="0"/>
             <a:r>
-              <a:rPr lang="en-GB" smtClean="0"/>
+              <a:rPr lang="en-GB"/>
               <a:t>Click to edit Master text styles</a:t>
             </a:r>
           </a:p>
@@ -14726,38 +14515,37 @@
           <a:p>
             <a:pPr lvl="0"/>
             <a:r>
-              <a:rPr lang="en-GB" smtClean="0"/>
+              <a:rPr lang="en-GB"/>
               <a:t>Click to edit Master text styles</a:t>
             </a:r>
           </a:p>
           <a:p>
             <a:pPr lvl="1"/>
             <a:r>
-              <a:rPr lang="en-GB" smtClean="0"/>
+              <a:rPr lang="en-GB"/>
               <a:t>Second level</a:t>
             </a:r>
           </a:p>
           <a:p>
             <a:pPr lvl="2"/>
             <a:r>
-              <a:rPr lang="en-GB" smtClean="0"/>
+              <a:rPr lang="en-GB"/>
               <a:t>Third level</a:t>
             </a:r>
           </a:p>
           <a:p>
             <a:pPr lvl="3"/>
             <a:r>
-              <a:rPr lang="en-GB" smtClean="0"/>
+              <a:rPr lang="en-GB"/>
               <a:t>Fourth level</a:t>
             </a:r>
           </a:p>
           <a:p>
             <a:pPr lvl="4"/>
             <a:r>
-              <a:rPr lang="en-GB" smtClean="0"/>
+              <a:rPr lang="en-GB"/>
               <a:t>Fifth level</a:t>
             </a:r>
-            <a:endParaRPr lang="en-GB"/>
           </a:p>
         </p:txBody>
       </p:sp>
@@ -14778,7 +14566,7 @@
           <a:p>
             <a:fld id="{2B8FCE0B-6C1F-3D40-BDE1-C47C672C97BE}" type="datetimeFigureOut">
               <a:rPr lang="en-US" smtClean="0"/>
-              <a:t>6/27/16</a:t>
+              <a:t>2/28/19</a:t>
             </a:fld>
             <a:endParaRPr lang="en-GB"/>
           </a:p>
@@ -14872,10 +14660,9 @@
           <a:lstStyle/>
           <a:p>
             <a:r>
-              <a:rPr lang="en-GB" smtClean="0"/>
+              <a:rPr lang="en-GB"/>
               <a:t>Click to edit Master title style</a:t>
             </a:r>
-            <a:endParaRPr lang="en-GB"/>
           </a:p>
         </p:txBody>
       </p:sp>
@@ -14896,7 +14683,7 @@
           <a:p>
             <a:fld id="{2B8FCE0B-6C1F-3D40-BDE1-C47C672C97BE}" type="datetimeFigureOut">
               <a:rPr lang="en-US" smtClean="0"/>
-              <a:t>6/27/16</a:t>
+              <a:t>2/28/19</a:t>
             </a:fld>
             <a:endParaRPr lang="en-GB"/>
           </a:p>
@@ -14991,7 +14778,7 @@
           <a:p>
             <a:fld id="{2B8FCE0B-6C1F-3D40-BDE1-C47C672C97BE}" type="datetimeFigureOut">
               <a:rPr lang="en-US" smtClean="0"/>
-              <a:t>6/27/16</a:t>
+              <a:t>2/28/19</a:t>
             </a:fld>
             <a:endParaRPr lang="en-GB"/>
           </a:p>
@@ -15094,10 +14881,9 @@
           </a:lstStyle>
           <a:p>
             <a:r>
-              <a:rPr lang="en-GB" smtClean="0"/>
+              <a:rPr lang="en-GB"/>
               <a:t>Click to edit Master title style</a:t>
             </a:r>
-            <a:endParaRPr lang="en-GB"/>
           </a:p>
         </p:txBody>
       </p:sp>
@@ -15151,38 +14937,37 @@
           <a:p>
             <a:pPr lvl="0"/>
             <a:r>
-              <a:rPr lang="en-GB" smtClean="0"/>
+              <a:rPr lang="en-GB"/>
               <a:t>Click to edit Master text styles</a:t>
             </a:r>
           </a:p>
           <a:p>
             <a:pPr lvl="1"/>
             <a:r>
-              <a:rPr lang="en-GB" smtClean="0"/>
+              <a:rPr lang="en-GB"/>
               <a:t>Second level</a:t>
             </a:r>
           </a:p>
           <a:p>
             <a:pPr lvl="2"/>
             <a:r>
-              <a:rPr lang="en-GB" smtClean="0"/>
+              <a:rPr lang="en-GB"/>
               <a:t>Third level</a:t>
             </a:r>
           </a:p>
           <a:p>
             <a:pPr lvl="3"/>
             <a:r>
-              <a:rPr lang="en-GB" smtClean="0"/>
+              <a:rPr lang="en-GB"/>
               <a:t>Fourth level</a:t>
             </a:r>
           </a:p>
           <a:p>
             <a:pPr lvl="4"/>
             <a:r>
-              <a:rPr lang="en-GB" smtClean="0"/>
+              <a:rPr lang="en-GB"/>
               <a:t>Fifth level</a:t>
             </a:r>
-            <a:endParaRPr lang="en-GB"/>
           </a:p>
         </p:txBody>
       </p:sp>
@@ -15245,7 +15030,7 @@
           <a:p>
             <a:pPr lvl="0"/>
             <a:r>
-              <a:rPr lang="en-GB" smtClean="0"/>
+              <a:rPr lang="en-GB"/>
               <a:t>Click to edit Master text styles</a:t>
             </a:r>
           </a:p>
@@ -15268,7 +15053,7 @@
           <a:p>
             <a:fld id="{2B8FCE0B-6C1F-3D40-BDE1-C47C672C97BE}" type="datetimeFigureOut">
               <a:rPr lang="en-US" smtClean="0"/>
-              <a:t>6/27/16</a:t>
+              <a:t>2/28/19</a:t>
             </a:fld>
             <a:endParaRPr lang="en-GB"/>
           </a:p>
@@ -15371,10 +15156,9 @@
           </a:lstStyle>
           <a:p>
             <a:r>
-              <a:rPr lang="en-GB" smtClean="0"/>
+              <a:rPr lang="en-GB"/>
               <a:t>Click to edit Master title style</a:t>
             </a:r>
-            <a:endParaRPr lang="en-GB"/>
           </a:p>
         </p:txBody>
       </p:sp>
@@ -15498,7 +15282,7 @@
           <a:p>
             <a:pPr lvl="0"/>
             <a:r>
-              <a:rPr lang="en-GB" smtClean="0"/>
+              <a:rPr lang="en-GB"/>
               <a:t>Click to edit Master text styles</a:t>
             </a:r>
           </a:p>
@@ -15521,7 +15305,7 @@
           <a:p>
             <a:fld id="{2B8FCE0B-6C1F-3D40-BDE1-C47C672C97BE}" type="datetimeFigureOut">
               <a:rPr lang="en-US" smtClean="0"/>
-              <a:t>6/27/16</a:t>
+              <a:t>2/28/19</a:t>
             </a:fld>
             <a:endParaRPr lang="en-GB"/>
           </a:p>
@@ -15630,10 +15414,9 @@
           <a:lstStyle/>
           <a:p>
             <a:r>
-              <a:rPr lang="en-GB" smtClean="0"/>
+              <a:rPr lang="en-GB"/>
               <a:t>Click to edit Master title style</a:t>
             </a:r>
-            <a:endParaRPr lang="en-GB"/>
           </a:p>
         </p:txBody>
       </p:sp>
@@ -15664,38 +15447,37 @@
           <a:p>
             <a:pPr lvl="0"/>
             <a:r>
-              <a:rPr lang="en-GB" smtClean="0"/>
+              <a:rPr lang="en-GB"/>
               <a:t>Click to edit Master text styles</a:t>
             </a:r>
           </a:p>
           <a:p>
             <a:pPr lvl="1"/>
             <a:r>
-              <a:rPr lang="en-GB" smtClean="0"/>
+              <a:rPr lang="en-GB"/>
               <a:t>Second level</a:t>
             </a:r>
           </a:p>
           <a:p>
             <a:pPr lvl="2"/>
             <a:r>
-              <a:rPr lang="en-GB" smtClean="0"/>
+              <a:rPr lang="en-GB"/>
               <a:t>Third level</a:t>
             </a:r>
           </a:p>
           <a:p>
             <a:pPr lvl="3"/>
             <a:r>
-              <a:rPr lang="en-GB" smtClean="0"/>
+              <a:rPr lang="en-GB"/>
               <a:t>Fourth level</a:t>
             </a:r>
           </a:p>
           <a:p>
             <a:pPr lvl="4"/>
             <a:r>
-              <a:rPr lang="en-GB" smtClean="0"/>
+              <a:rPr lang="en-GB"/>
               <a:t>Fifth level</a:t>
             </a:r>
-            <a:endParaRPr lang="en-GB"/>
           </a:p>
         </p:txBody>
       </p:sp>
@@ -15734,7 +15516,7 @@
           <a:p>
             <a:fld id="{2B8FCE0B-6C1F-3D40-BDE1-C47C672C97BE}" type="datetimeFigureOut">
               <a:rPr lang="en-US" smtClean="0"/>
-              <a:t>6/27/16</a:t>
+              <a:t>2/28/19</a:t>
             </a:fld>
             <a:endParaRPr lang="en-GB"/>
           </a:p>
@@ -16131,7 +15913,7 @@
         </p:blipFill>
         <p:spPr>
           <a:xfrm>
-            <a:off x="72522" y="1086167"/>
+            <a:off x="72522" y="62229"/>
             <a:ext cx="8521145" cy="2088516"/>
           </a:xfrm>
           <a:prstGeom prst="rect">
@@ -16157,12 +15939,12 @@
         </p:spPr>
         <p:txBody>
           <a:bodyPr>
-            <a:normAutofit/>
+            <a:normAutofit fontScale="90000"/>
           </a:bodyPr>
           <a:lstStyle/>
           <a:p>
             <a:r>
-              <a:rPr lang="en-US" sz="3600" dirty="0" smtClean="0">
+              <a:rPr lang="en-US" sz="3600" dirty="0">
                 <a:solidFill>
                   <a:srgbClr val="334171"/>
                 </a:solidFill>
@@ -16170,10 +15952,32 @@
                 <a:ea typeface="Arial" charset="0"/>
                 <a:cs typeface="Arial" charset="0"/>
               </a:rPr>
-              <a:t>Workshop session</a:t>
+              <a:t>Short Talk about </a:t>
+            </a:r>
+            <a:r>
+              <a:rPr lang="en-US" sz="3600" dirty="0" err="1">
+                <a:solidFill>
+                  <a:srgbClr val="334171"/>
+                </a:solidFill>
+                <a:latin typeface="Arial" charset="0"/>
+                <a:ea typeface="Arial" charset="0"/>
+                <a:cs typeface="Arial" charset="0"/>
+              </a:rPr>
+              <a:t>CISTools</a:t>
+            </a:r>
+            <a:r>
+              <a:rPr lang="en-US" sz="3600" dirty="0">
+                <a:solidFill>
+                  <a:srgbClr val="334171"/>
+                </a:solidFill>
+                <a:latin typeface="Arial" charset="0"/>
+                <a:ea typeface="Arial" charset="0"/>
+                <a:cs typeface="Arial" charset="0"/>
+              </a:rPr>
+              <a:t> </a:t>
             </a:r>
             <a:br>
-              <a:rPr lang="en-US" sz="3600" dirty="0" smtClean="0">
+              <a:rPr lang="en-US" sz="3600" dirty="0">
                 <a:solidFill>
                   <a:srgbClr val="334171"/>
                 </a:solidFill>
@@ -16183,7 +15987,7 @@
               </a:rPr>
             </a:br>
             <a:r>
-              <a:rPr lang="en-US" sz="2400" dirty="0" smtClean="0">
+              <a:rPr lang="en-US" sz="3600" dirty="0">
                 <a:solidFill>
                   <a:srgbClr val="334171"/>
                 </a:solidFill>
@@ -16191,10 +15995,31 @@
                 <a:ea typeface="Arial" charset="0"/>
                 <a:cs typeface="Arial" charset="0"/>
               </a:rPr>
-              <a:t>28</a:t>
-            </a:r>
-            <a:r>
-              <a:rPr lang="en-US" sz="2400" baseline="30000" dirty="0" smtClean="0">
+              <a:t>at TGIF/DKRZ Meeting</a:t>
+            </a:r>
+            <a:br>
+              <a:rPr lang="en-US" sz="3600" dirty="0">
+                <a:solidFill>
+                  <a:srgbClr val="334171"/>
+                </a:solidFill>
+                <a:latin typeface="Arial" charset="0"/>
+                <a:ea typeface="Arial" charset="0"/>
+                <a:cs typeface="Arial" charset="0"/>
+              </a:rPr>
+            </a:br>
+            <a:r>
+              <a:rPr lang="en-US" sz="2400" dirty="0">
+                <a:solidFill>
+                  <a:srgbClr val="334171"/>
+                </a:solidFill>
+                <a:latin typeface="Arial" charset="0"/>
+                <a:ea typeface="Arial" charset="0"/>
+                <a:cs typeface="Arial" charset="0"/>
+              </a:rPr>
+              <a:t>1</a:t>
+            </a:r>
+            <a:r>
+              <a:rPr lang="en-US" sz="2400" baseline="30000" dirty="0">
                 <a:solidFill>
                   <a:srgbClr val="334171"/>
                 </a:solidFill>
@@ -16205,7 +16030,7 @@
               <a:t>th</a:t>
             </a:r>
             <a:r>
-              <a:rPr lang="en-US" sz="2400" dirty="0" smtClean="0">
+              <a:rPr lang="en-US" sz="2400" dirty="0">
                 <a:solidFill>
                   <a:srgbClr val="334171"/>
                 </a:solidFill>
@@ -16213,7 +16038,7 @@
                 <a:ea typeface="Arial" charset="0"/>
                 <a:cs typeface="Arial" charset="0"/>
               </a:rPr>
-              <a:t> June 2016</a:t>
+              <a:t> March 2018</a:t>
             </a:r>
             <a:endParaRPr lang="en-GB" sz="2400" dirty="0">
               <a:solidFill>
@@ -16250,76 +16075,6 @@
           <a:p>
             <a:pPr lvl="0"/>
             <a:r>
-              <a:rPr lang="en-US" i="1" dirty="0" smtClean="0">
-                <a:solidFill>
-                  <a:schemeClr val="bg1">
-                    <a:lumMod val="50000"/>
-                  </a:schemeClr>
-                </a:solidFill>
-              </a:rPr>
-              <a:t>Duncan </a:t>
-            </a:r>
-            <a:r>
-              <a:rPr lang="en-US" i="1" dirty="0">
-                <a:solidFill>
-                  <a:schemeClr val="bg1">
-                    <a:lumMod val="50000"/>
-                  </a:schemeClr>
-                </a:solidFill>
-              </a:rPr>
-              <a:t>Watson-</a:t>
-            </a:r>
-            <a:r>
-              <a:rPr lang="en-US" i="1" dirty="0" smtClean="0">
-                <a:solidFill>
-                  <a:schemeClr val="bg1">
-                    <a:lumMod val="50000"/>
-                  </a:schemeClr>
-                </a:solidFill>
-              </a:rPr>
-              <a:t>Parris, Nick </a:t>
-            </a:r>
-            <a:r>
-              <a:rPr lang="en-US" i="1" dirty="0" err="1" smtClean="0">
-                <a:solidFill>
-                  <a:schemeClr val="bg1">
-                    <a:lumMod val="50000"/>
-                  </a:schemeClr>
-                </a:solidFill>
-              </a:rPr>
-              <a:t>Schutgens</a:t>
-            </a:r>
-            <a:r>
-              <a:rPr lang="en-US" i="1" dirty="0" smtClean="0">
-                <a:solidFill>
-                  <a:schemeClr val="bg1">
-                    <a:lumMod val="50000"/>
-                  </a:schemeClr>
-                </a:solidFill>
-              </a:rPr>
-              <a:t>, Zak Kipling, and Philip </a:t>
-            </a:r>
-            <a:r>
-              <a:rPr lang="en-US" i="1" dirty="0" err="1" smtClean="0">
-                <a:solidFill>
-                  <a:schemeClr val="bg1">
-                    <a:lumMod val="50000"/>
-                  </a:schemeClr>
-                </a:solidFill>
-              </a:rPr>
-              <a:t>Stier</a:t>
-            </a:r>
-            <a:endParaRPr lang="en-US" i="1" dirty="0" smtClean="0">
-              <a:solidFill>
-                <a:schemeClr val="bg1">
-                  <a:lumMod val="50000"/>
-                </a:schemeClr>
-              </a:solidFill>
-            </a:endParaRPr>
-          </a:p>
-          <a:p>
-            <a:pPr lvl="0"/>
-            <a:r>
               <a:rPr lang="en-US" sz="2300" i="1" dirty="0">
                 <a:solidFill>
                   <a:schemeClr val="bg1">
@@ -16327,17 +16082,27 @@
                   </a:schemeClr>
                 </a:solidFill>
               </a:rPr>
-              <a:t>Department of Physics, University of </a:t>
-            </a:r>
-            <a:r>
-              <a:rPr lang="en-US" sz="2300" i="1" dirty="0" smtClean="0">
+              <a:t>Based on the Workshop Presentation in 2016 by the </a:t>
+            </a:r>
+            <a:r>
+              <a:rPr lang="en-US" sz="2300" i="1" dirty="0" err="1">
                 <a:solidFill>
                   <a:schemeClr val="bg1">
                     <a:lumMod val="50000"/>
                   </a:schemeClr>
                 </a:solidFill>
               </a:rPr>
-              <a:t>Oxford</a:t>
+              <a:t>CISTools</a:t>
+            </a:r>
+            <a:r>
+              <a:rPr lang="en-US" sz="2300" i="1" dirty="0">
+                <a:solidFill>
+                  <a:schemeClr val="bg1">
+                    <a:lumMod val="50000"/>
+                  </a:schemeClr>
+                </a:solidFill>
+              </a:rPr>
+              <a:t> Authors.</a:t>
             </a:r>
           </a:p>
         </p:txBody>
@@ -16467,13 +16232,6 @@
   <p:clrMapOvr>
     <a:masterClrMapping/>
   </p:clrMapOvr>
-  <p:timing>
-    <p:tnLst>
-      <p:par>
-        <p:cTn id="1" dur="indefinite" restart="never" nodeType="tmRoot"/>
-      </p:par>
-    </p:tnLst>
-  </p:timing>
 </p:sld>
 </file>
 
@@ -16512,10 +16270,9 @@
           <a:lstStyle/>
           <a:p>
             <a:r>
-              <a:rPr lang="en-US" dirty="0" smtClean="0"/>
+              <a:rPr lang="en-US" dirty="0"/>
               <a:t>Command line interface</a:t>
             </a:r>
-            <a:endParaRPr lang="en-US" dirty="0"/>
           </a:p>
         </p:txBody>
       </p:sp>
@@ -16535,18 +16292,14 @@
           <a:lstStyle/>
           <a:p>
             <a:r>
-              <a:rPr lang="en-US" dirty="0" smtClean="0"/>
+              <a:rPr lang="en-US" dirty="0"/>
               <a:t>Basic structure</a:t>
             </a:r>
           </a:p>
           <a:p>
             <a:r>
               <a:rPr lang="en-US" dirty="0"/>
-              <a:t>Variable </a:t>
-            </a:r>
-            <a:r>
-              <a:rPr lang="en-US" dirty="0" smtClean="0"/>
-              <a:t>wildcarding</a:t>
+              <a:t>Variable wildcarding</a:t>
             </a:r>
           </a:p>
           <a:p>
@@ -16554,27 +16307,25 @@
               <a:rPr lang="en-US" dirty="0"/>
               <a:t>Filename wildcarding</a:t>
             </a:r>
-            <a:endParaRPr lang="en-US" dirty="0" smtClean="0"/>
           </a:p>
           <a:p>
             <a:r>
-              <a:rPr lang="en-GB" dirty="0" smtClean="0"/>
+              <a:rPr lang="en-GB" dirty="0"/>
               <a:t>Much more detailed help can be found at: </a:t>
             </a:r>
             <a:r>
-              <a:rPr lang="en-GB" dirty="0" smtClean="0">
+              <a:rPr lang="en-GB" dirty="0">
                 <a:hlinkClick r:id="rId2"/>
               </a:rPr>
               <a:t>cis.readthedocs.org</a:t>
             </a:r>
             <a:r>
-              <a:rPr lang="en-GB" dirty="0" smtClean="0"/>
+              <a:rPr lang="en-GB" dirty="0"/>
               <a:t> </a:t>
             </a:r>
-            <a:endParaRPr lang="en-GB" dirty="0"/>
           </a:p>
           <a:p>
-            <a:endParaRPr lang="en-US" dirty="0" smtClean="0"/>
+            <a:endParaRPr lang="en-US" dirty="0"/>
           </a:p>
         </p:txBody>
       </p:sp>
@@ -16677,13 +16428,6 @@
   <p:clrMapOvr>
     <a:masterClrMapping/>
   </p:clrMapOvr>
-  <p:timing>
-    <p:tnLst>
-      <p:par>
-        <p:cTn id="1" dur="indefinite" restart="never" nodeType="tmRoot"/>
-      </p:par>
-    </p:tnLst>
-  </p:timing>
 </p:sld>
 </file>
 
@@ -16721,13 +16465,8 @@
           <a:p>
             <a:r>
               <a:rPr lang="en-GB" dirty="0"/>
-              <a:t>Hands-on with </a:t>
-            </a:r>
-            <a:r>
-              <a:rPr lang="en-GB" dirty="0" smtClean="0"/>
-              <a:t>CIS</a:t>
-            </a:r>
-            <a:endParaRPr lang="en-GB" dirty="0"/>
+              <a:t>Hands-on with CIS</a:t>
+            </a:r>
           </a:p>
         </p:txBody>
       </p:sp>
@@ -16849,13 +16588,6 @@
   <p:clrMapOvr>
     <a:masterClrMapping/>
   </p:clrMapOvr>
-  <p:timing>
-    <p:tnLst>
-      <p:par>
-        <p:cTn id="1" dur="indefinite" restart="never" nodeType="tmRoot"/>
-      </p:par>
-    </p:tnLst>
-  </p:timing>
 </p:sld>
 </file>
 
@@ -16896,10 +16628,9 @@
           <a:lstStyle/>
           <a:p>
             <a:r>
-              <a:rPr lang="en-GB" dirty="0" smtClean="0"/>
+              <a:rPr lang="en-GB" dirty="0"/>
               <a:t>Hands-on with CIS</a:t>
             </a:r>
-            <a:endParaRPr lang="en-GB" dirty="0"/>
           </a:p>
         </p:txBody>
       </p:sp>
@@ -17013,16 +16744,51 @@
           <a:lstStyle/>
           <a:p>
             <a:r>
-              <a:rPr lang="en-GB" dirty="0" smtClean="0"/>
-              <a:t>First unzip your example data to a folder you can easily find</a:t>
-            </a:r>
+              <a:rPr lang="en-GB" dirty="0"/>
+              <a:t>Install </a:t>
+            </a:r>
+            <a:r>
+              <a:rPr lang="en-GB" dirty="0" err="1"/>
+              <a:t>cistools</a:t>
+            </a:r>
+            <a:r>
+              <a:rPr lang="en-GB" dirty="0"/>
+              <a:t> with </a:t>
+            </a:r>
+            <a:r>
+              <a:rPr lang="en-GB" dirty="0" err="1"/>
+              <a:t>conda</a:t>
+            </a:r>
+            <a:r>
+              <a:rPr lang="en-GB" dirty="0"/>
+              <a:t>:</a:t>
+            </a:r>
+          </a:p>
+          <a:p>
+            <a:pPr marL="0" indent="0">
+              <a:buNone/>
+            </a:pPr>
+            <a:endParaRPr lang="en-GB" dirty="0"/>
           </a:p>
           <a:p>
             <a:endParaRPr lang="en-GB" dirty="0"/>
           </a:p>
           <a:p>
             <a:r>
-              <a:rPr lang="en-US" dirty="0" smtClean="0"/>
+              <a:rPr lang="en-US" dirty="0"/>
+              <a:t>And download the </a:t>
+            </a:r>
+            <a:r>
+              <a:rPr lang="en-US" dirty="0">
+                <a:hlinkClick r:id="rId5"/>
+              </a:rPr>
+              <a:t>test data</a:t>
+            </a:r>
+            <a:endParaRPr lang="en-US" dirty="0"/>
+          </a:p>
+          <a:p>
+            <a:r>
+              <a:rPr lang="en-US" dirty="0"/>
               <a:t>Then you can use CIS to get a feel for the contents of the files:</a:t>
             </a:r>
           </a:p>
@@ -17039,8 +16805,8 @@
         </p:nvSpPr>
         <p:spPr>
           <a:xfrm>
-            <a:off x="889893" y="4485712"/>
-            <a:ext cx="2793906" cy="369332"/>
+            <a:off x="889893" y="5091354"/>
+            <a:ext cx="2353850" cy="369332"/>
           </a:xfrm>
           <a:prstGeom prst="rect">
             <a:avLst/>
@@ -17056,11 +16822,11 @@
           <a:lstStyle/>
           <a:p>
             <a:r>
-              <a:rPr lang="en-US" dirty="0" smtClean="0"/>
-              <a:t>CIS  </a:t>
-            </a:r>
-            <a:r>
-              <a:rPr lang="en-US" dirty="0" smtClean="0">
+              <a:rPr lang="en-US" dirty="0"/>
+              <a:t>cis  </a:t>
+            </a:r>
+            <a:r>
+              <a:rPr lang="en-US" dirty="0">
                 <a:solidFill>
                   <a:schemeClr val="accent1"/>
                 </a:solidFill>
@@ -17068,20 +16834,91 @@
               <a:t>info </a:t>
             </a:r>
             <a:r>
-              <a:rPr lang="nb-NO" dirty="0" smtClean="0">
+              <a:rPr lang="nb-NO" dirty="0">
                 <a:solidFill>
                   <a:schemeClr val="accent2"/>
                 </a:solidFill>
               </a:rPr>
-              <a:t>ARCPAC_2008/*.</a:t>
-            </a:r>
-            <a:r>
-              <a:rPr lang="nb-NO" dirty="0" err="1" smtClean="0">
-                <a:solidFill>
-                  <a:schemeClr val="accent2"/>
-                </a:solidFill>
-              </a:rPr>
-              <a:t>nc</a:t>
+              <a:t>ARCPAC_2008</a:t>
+            </a:r>
+            <a:endParaRPr lang="en-US" dirty="0">
+              <a:solidFill>
+                <a:schemeClr val="accent4"/>
+              </a:solidFill>
+            </a:endParaRPr>
+          </a:p>
+        </p:txBody>
+      </p:sp>
+      <p:sp>
+        <p:nvSpPr>
+          <p:cNvPr id="8" name="TextBox 7">
+            <a:extLst>
+              <a:ext uri="{FF2B5EF4-FFF2-40B4-BE49-F238E27FC236}">
+                <a16:creationId xmlns:a16="http://schemas.microsoft.com/office/drawing/2014/main" id="{DF8EAEB3-A924-B846-89A9-1DC37D33D3A1}"/>
+              </a:ext>
+            </a:extLst>
+          </p:cNvPr>
+          <p:cNvSpPr txBox="1"/>
+          <p:nvPr/>
+        </p:nvSpPr>
+        <p:spPr>
+          <a:xfrm>
+            <a:off x="889893" y="2280746"/>
+            <a:ext cx="4084708" cy="923330"/>
+          </a:xfrm>
+          <a:prstGeom prst="rect">
+            <a:avLst/>
+          </a:prstGeom>
+          <a:solidFill>
+            <a:schemeClr val="bg2"/>
+          </a:solidFill>
+        </p:spPr>
+        <p:txBody>
+          <a:bodyPr wrap="none" rtlCol="0">
+            <a:spAutoFit/>
+          </a:bodyPr>
+          <a:lstStyle/>
+          <a:p>
+            <a:r>
+              <a:rPr lang="en-GB" dirty="0" err="1"/>
+              <a:t>conda</a:t>
+            </a:r>
+            <a:r>
+              <a:rPr lang="en-GB" dirty="0"/>
+              <a:t> create -c </a:t>
+            </a:r>
+            <a:r>
+              <a:rPr lang="en-GB" dirty="0" err="1"/>
+              <a:t>conda</a:t>
+            </a:r>
+            <a:r>
+              <a:rPr lang="en-GB" dirty="0"/>
+              <a:t>-forge -n </a:t>
+            </a:r>
+            <a:r>
+              <a:rPr lang="en-GB" dirty="0" err="1"/>
+              <a:t>cis_env</a:t>
+            </a:r>
+            <a:r>
+              <a:rPr lang="en-GB" dirty="0"/>
+              <a:t> cis</a:t>
+            </a:r>
+          </a:p>
+          <a:p>
+            <a:endParaRPr lang="en-GB" dirty="0">
+              <a:solidFill>
+                <a:schemeClr val="accent4"/>
+              </a:solidFill>
+            </a:endParaRPr>
+          </a:p>
+          <a:p>
+            <a:r>
+              <a:rPr lang="en-GB" dirty="0"/>
+              <a:t>source activate </a:t>
+            </a:r>
+            <a:r>
+              <a:rPr lang="en-GB" dirty="0" err="1"/>
+              <a:t>cis_env</a:t>
             </a:r>
             <a:endParaRPr lang="en-US" dirty="0">
               <a:solidFill>
@@ -17151,6 +16988,33 @@
                                   </p:childTnLst>
                                 </p:cTn>
                               </p:par>
+                              <p:par>
+                                <p:cTn id="7" presetID="1" presetClass="entr" presetSubtype="0" fill="hold" grpId="0" nodeType="withEffect">
+                                  <p:stCondLst>
+                                    <p:cond delay="0"/>
+                                  </p:stCondLst>
+                                  <p:childTnLst>
+                                    <p:set>
+                                      <p:cBhvr>
+                                        <p:cTn id="8" dur="1" fill="hold">
+                                          <p:stCondLst>
+                                            <p:cond delay="0"/>
+                                          </p:stCondLst>
+                                        </p:cTn>
+                                        <p:tgtEl>
+                                          <p:spTgt spid="8"/>
+                                        </p:tgtEl>
+                                        <p:attrNameLst>
+                                          <p:attrName>style.visibility</p:attrName>
+                                        </p:attrNameLst>
+                                      </p:cBhvr>
+                                      <p:to>
+                                        <p:strVal val="visible"/>
+                                      </p:to>
+                                    </p:set>
+                                  </p:childTnLst>
+                                </p:cTn>
+                              </p:par>
                             </p:childTnLst>
                           </p:cTn>
                         </p:par>
@@ -17180,6 +17044,7 @@
     </p:tnLst>
     <p:bldLst>
       <p:bldP spid="19" grpId="0" animBg="1"/>
+      <p:bldP spid="8" grpId="0" animBg="1"/>
     </p:bldLst>
   </p:timing>
 </p:sld>
@@ -17222,26 +17087,21 @@
           <a:lstStyle/>
           <a:p>
             <a:r>
-              <a:rPr lang="en-GB" dirty="0" err="1" smtClean="0"/>
+              <a:rPr lang="en-GB" dirty="0" err="1"/>
               <a:t>Lat</a:t>
             </a:r>
             <a:r>
-              <a:rPr lang="en-GB" dirty="0" smtClean="0"/>
+              <a:rPr lang="en-GB" dirty="0"/>
               <a:t>/</a:t>
             </a:r>
             <a:r>
-              <a:rPr lang="en-GB" dirty="0" err="1" smtClean="0"/>
+              <a:rPr lang="en-GB" dirty="0" err="1"/>
               <a:t>lon</a:t>
             </a:r>
             <a:r>
-              <a:rPr lang="en-GB" dirty="0" smtClean="0"/>
-              <a:t> </a:t>
-            </a:r>
-            <a:r>
-              <a:rPr lang="en-GB" dirty="0" smtClean="0"/>
-              <a:t>plots</a:t>
-            </a:r>
-            <a:endParaRPr lang="en-GB" dirty="0"/>
+              <a:rPr lang="en-GB" dirty="0"/>
+              <a:t> plots</a:t>
+            </a:r>
           </a:p>
         </p:txBody>
       </p:sp>
@@ -17357,10 +17217,9 @@
           <a:lstStyle/>
           <a:p>
             <a:r>
-              <a:rPr lang="en-US" dirty="0" smtClean="0"/>
+              <a:rPr lang="en-US" dirty="0"/>
               <a:t>Similarly we can plot the aircraft data:</a:t>
             </a:r>
-            <a:endParaRPr lang="en-US" dirty="0"/>
           </a:p>
         </p:txBody>
       </p:sp>
@@ -17387,10 +17246,9 @@
           <a:lstStyle/>
           <a:p>
             <a:r>
-              <a:rPr lang="en-US" dirty="0" smtClean="0"/>
+              <a:rPr lang="en-US" dirty="0"/>
               <a:t>Or, perhaps adding a nice background:</a:t>
             </a:r>
-            <a:endParaRPr lang="en-US" dirty="0"/>
           </a:p>
         </p:txBody>
       </p:sp>
@@ -17403,7 +17261,7 @@
         <p:spPr>
           <a:xfrm>
             <a:off x="560709" y="2050631"/>
-            <a:ext cx="4988738" cy="369332"/>
+            <a:ext cx="4941674" cy="369332"/>
           </a:xfrm>
           <a:prstGeom prst="rect">
             <a:avLst/>
@@ -17419,11 +17277,11 @@
           <a:lstStyle/>
           <a:p>
             <a:r>
-              <a:rPr lang="en-US" dirty="0" smtClean="0"/>
-              <a:t>CIS  </a:t>
-            </a:r>
-            <a:r>
-              <a:rPr lang="en-US" dirty="0" smtClean="0">
+              <a:rPr lang="en-US" dirty="0"/>
+              <a:t>cis  </a:t>
+            </a:r>
+            <a:r>
+              <a:rPr lang="en-US" dirty="0">
                 <a:solidFill>
                   <a:schemeClr val="accent1"/>
                 </a:solidFill>
@@ -17431,18 +17289,13 @@
               <a:t>plot </a:t>
             </a:r>
             <a:r>
-              <a:rPr lang="en-GB" dirty="0" smtClean="0">
+              <a:rPr lang="en-GB" dirty="0">
                 <a:solidFill>
                   <a:schemeClr val="accent2"/>
                 </a:solidFill>
               </a:rPr>
               <a:t>NUMBER_CONCENTRATION:ARCPAC_2008</a:t>
             </a:r>
-            <a:endParaRPr lang="en-GB" dirty="0">
-              <a:solidFill>
-                <a:schemeClr val="accent2"/>
-              </a:solidFill>
-            </a:endParaRPr>
           </a:p>
         </p:txBody>
       </p:sp>
@@ -17455,7 +17308,7 @@
         <p:spPr>
           <a:xfrm>
             <a:off x="560709" y="3383229"/>
-            <a:ext cx="6692730" cy="369332"/>
+            <a:ext cx="6645665" cy="369332"/>
           </a:xfrm>
           <a:prstGeom prst="rect">
             <a:avLst/>
@@ -17471,11 +17324,11 @@
           <a:lstStyle/>
           <a:p>
             <a:r>
-              <a:rPr lang="en-US" dirty="0" smtClean="0"/>
-              <a:t>CIS  </a:t>
-            </a:r>
-            <a:r>
-              <a:rPr lang="en-US" dirty="0" smtClean="0">
+              <a:rPr lang="en-US" dirty="0"/>
+              <a:t>cis  </a:t>
+            </a:r>
+            <a:r>
+              <a:rPr lang="en-US" dirty="0">
                 <a:solidFill>
                   <a:schemeClr val="accent1"/>
                 </a:solidFill>
@@ -17483,7 +17336,7 @@
               <a:t>plot </a:t>
             </a:r>
             <a:r>
-              <a:rPr lang="en-GB" dirty="0" smtClean="0">
+              <a:rPr lang="en-GB" dirty="0">
                 <a:solidFill>
                   <a:schemeClr val="accent2"/>
                 </a:solidFill>
@@ -17491,7 +17344,7 @@
               <a:t>NUMBER_CONCENTRATION:ARCPAC_2008 </a:t>
             </a:r>
             <a:r>
-              <a:rPr lang="en-GB" dirty="0" smtClean="0">
+              <a:rPr lang="en-GB" dirty="0">
                 <a:solidFill>
                   <a:schemeClr val="accent4"/>
                 </a:solidFill>
@@ -17499,7 +17352,7 @@
               <a:t>--</a:t>
             </a:r>
             <a:r>
-              <a:rPr lang="en-GB" dirty="0" err="1" smtClean="0">
+              <a:rPr lang="en-GB" dirty="0" err="1">
                 <a:solidFill>
                   <a:schemeClr val="accent4"/>
                 </a:solidFill>
@@ -17537,10 +17390,9 @@
           <a:lstStyle/>
           <a:p>
             <a:r>
-              <a:rPr lang="en-US" dirty="0" smtClean="0"/>
+              <a:rPr lang="en-US" dirty="0"/>
               <a:t>We can plot the satellite data too:</a:t>
             </a:r>
-            <a:endParaRPr lang="en-US" dirty="0"/>
           </a:p>
         </p:txBody>
       </p:sp>
@@ -17569,11 +17421,11 @@
           <a:lstStyle/>
           <a:p>
             <a:r>
-              <a:rPr lang="en-US" dirty="0" smtClean="0"/>
-              <a:t>CIS  </a:t>
-            </a:r>
-            <a:r>
-              <a:rPr lang="en-US" dirty="0" smtClean="0">
+              <a:rPr lang="en-US" dirty="0"/>
+              <a:t>cis  </a:t>
+            </a:r>
+            <a:r>
+              <a:rPr lang="en-US" dirty="0">
                 <a:solidFill>
                   <a:schemeClr val="accent1"/>
                 </a:solidFill>
@@ -17586,15 +17438,7 @@
                   <a:schemeClr val="accent2"/>
                 </a:solidFill>
               </a:rPr>
-              <a:t>AOD550:AerosolCCI/20080415*.</a:t>
-            </a:r>
-            <a:r>
-              <a:rPr lang="is-IS" dirty="0" smtClean="0">
-                <a:solidFill>
-                  <a:schemeClr val="accent2"/>
-                </a:solidFill>
-              </a:rPr>
-              <a:t>nc </a:t>
+              <a:t>AOD550:AerosolCCI/20080415*.nc </a:t>
             </a:r>
             <a:r>
               <a:rPr lang="en-US" dirty="0">
@@ -17980,10 +17824,2286 @@
           <a:lstStyle/>
           <a:p>
             <a:r>
-              <a:rPr lang="en-US" dirty="0" smtClean="0"/>
+              <a:rPr lang="en-GB" dirty="0"/>
+              <a:t>Global model plot</a:t>
+            </a:r>
+          </a:p>
+        </p:txBody>
+      </p:sp>
+      <p:pic>
+        <p:nvPicPr>
+          <p:cNvPr id="4" name="Picture 3" descr="CIS-logo-blue-horizontal.ai"/>
+          <p:cNvPicPr>
+            <a:picLocks noChangeAspect="1"/>
+          </p:cNvPicPr>
+          <p:nvPr/>
+        </p:nvPicPr>
+        <p:blipFill>
+          <a:blip r:embed="rId3">
+            <a:extLst>
+              <a:ext uri="{28A0092B-C50C-407E-A947-70E740481C1C}">
+                <a14:useLocalDpi xmlns:a14="http://schemas.microsoft.com/office/drawing/2010/main" val="0"/>
+              </a:ext>
+            </a:extLst>
+          </a:blip>
+          <a:stretch>
+            <a:fillRect/>
+          </a:stretch>
+        </p:blipFill>
+        <p:spPr>
+          <a:xfrm>
+            <a:off x="176581" y="6142613"/>
+            <a:ext cx="2874105" cy="704438"/>
+          </a:xfrm>
+          <a:prstGeom prst="rect">
+            <a:avLst/>
+          </a:prstGeom>
+        </p:spPr>
+      </p:pic>
+      <p:cxnSp>
+        <p:nvCxnSpPr>
+          <p:cNvPr id="5" name="Straight Connector 4"/>
+          <p:cNvCxnSpPr/>
+          <p:nvPr/>
+        </p:nvCxnSpPr>
+        <p:spPr>
+          <a:xfrm>
+            <a:off x="176581" y="6087484"/>
+            <a:ext cx="8650111" cy="0"/>
+          </a:xfrm>
+          <a:prstGeom prst="line">
+            <a:avLst/>
+          </a:prstGeom>
+          <a:ln>
+            <a:solidFill>
+              <a:srgbClr val="1D224C"/>
+            </a:solidFill>
+          </a:ln>
+        </p:spPr>
+        <p:style>
+          <a:lnRef idx="2">
+            <a:schemeClr val="accent1"/>
+          </a:lnRef>
+          <a:fillRef idx="0">
+            <a:schemeClr val="accent1"/>
+          </a:fillRef>
+          <a:effectRef idx="1">
+            <a:schemeClr val="accent1"/>
+          </a:effectRef>
+          <a:fontRef idx="minor">
+            <a:schemeClr val="tx1"/>
+          </a:fontRef>
+        </p:style>
+      </p:cxnSp>
+      <p:pic>
+        <p:nvPicPr>
+          <p:cNvPr id="6" name="Picture 5"/>
+          <p:cNvPicPr>
+            <a:picLocks noChangeAspect="1"/>
+          </p:cNvPicPr>
+          <p:nvPr/>
+        </p:nvPicPr>
+        <p:blipFill>
+          <a:blip r:embed="rId4"/>
+          <a:stretch>
+            <a:fillRect/>
+          </a:stretch>
+        </p:blipFill>
+        <p:spPr>
+          <a:xfrm>
+            <a:off x="7213914" y="6232976"/>
+            <a:ext cx="1612778" cy="523063"/>
+          </a:xfrm>
+          <a:prstGeom prst="rect">
+            <a:avLst/>
+          </a:prstGeom>
+        </p:spPr>
+      </p:pic>
+      <p:sp>
+        <p:nvSpPr>
+          <p:cNvPr id="13" name="TextBox 12"/>
+          <p:cNvSpPr txBox="1"/>
+          <p:nvPr/>
+        </p:nvSpPr>
+        <p:spPr>
+          <a:xfrm>
+            <a:off x="608210" y="5186152"/>
+            <a:ext cx="6573916" cy="646331"/>
+          </a:xfrm>
+          <a:prstGeom prst="rect">
+            <a:avLst/>
+          </a:prstGeom>
+          <a:solidFill>
+            <a:schemeClr val="bg2"/>
+          </a:solidFill>
+        </p:spPr>
+        <p:txBody>
+          <a:bodyPr wrap="none" rtlCol="0">
+            <a:spAutoFit/>
+          </a:bodyPr>
+          <a:lstStyle/>
+          <a:p>
+            <a:r>
+              <a:rPr lang="en-GB" dirty="0"/>
+              <a:t>cis  </a:t>
+            </a:r>
+            <a:r>
+              <a:rPr lang="en-GB" dirty="0">
+                <a:solidFill>
+                  <a:schemeClr val="accent1"/>
+                </a:solidFill>
+              </a:rPr>
+              <a:t>subset</a:t>
+            </a:r>
+            <a:r>
+              <a:rPr lang="en-GB" dirty="0"/>
+              <a:t>  </a:t>
+            </a:r>
+            <a:r>
+              <a:rPr lang="en-GB" dirty="0" err="1">
+                <a:solidFill>
+                  <a:schemeClr val="accent2"/>
+                </a:solidFill>
+              </a:rPr>
+              <a:t>tas:tas_average.nc</a:t>
+            </a:r>
+            <a:r>
+              <a:rPr lang="en-GB" dirty="0">
+                <a:solidFill>
+                  <a:schemeClr val="accent2"/>
+                </a:solidFill>
+              </a:rPr>
+              <a:t> </a:t>
+            </a:r>
+            <a:r>
+              <a:rPr lang="en-GB" dirty="0"/>
+              <a:t> </a:t>
+            </a:r>
+            <a:r>
+              <a:rPr lang="pt-BR" dirty="0" err="1">
+                <a:solidFill>
+                  <a:schemeClr val="accent6">
+                    <a:lumMod val="75000"/>
+                  </a:schemeClr>
+                </a:solidFill>
+              </a:rPr>
+              <a:t>x</a:t>
+            </a:r>
+            <a:r>
+              <a:rPr lang="pt-BR" dirty="0">
+                <a:solidFill>
+                  <a:schemeClr val="accent6">
+                    <a:lumMod val="75000"/>
+                  </a:schemeClr>
+                </a:solidFill>
+              </a:rPr>
+              <a:t>=[-0,50],</a:t>
+            </a:r>
+            <a:r>
+              <a:rPr lang="pt-BR" dirty="0" err="1">
+                <a:solidFill>
+                  <a:schemeClr val="accent6">
+                    <a:lumMod val="75000"/>
+                  </a:schemeClr>
+                </a:solidFill>
+              </a:rPr>
+              <a:t>y</a:t>
+            </a:r>
+            <a:r>
+              <a:rPr lang="pt-BR" dirty="0">
+                <a:solidFill>
+                  <a:schemeClr val="accent6">
+                    <a:lumMod val="75000"/>
+                  </a:schemeClr>
+                </a:solidFill>
+              </a:rPr>
+              <a:t>=[30,80] </a:t>
+            </a:r>
+            <a:r>
+              <a:rPr lang="en-GB" dirty="0">
+                <a:solidFill>
+                  <a:schemeClr val="accent6">
+                    <a:lumMod val="75000"/>
+                  </a:schemeClr>
+                </a:solidFill>
+              </a:rPr>
+              <a:t> </a:t>
+            </a:r>
+            <a:r>
+              <a:rPr lang="en-GB" dirty="0">
+                <a:solidFill>
+                  <a:schemeClr val="accent4"/>
+                </a:solidFill>
+              </a:rPr>
+              <a:t>--o </a:t>
+            </a:r>
+            <a:r>
+              <a:rPr lang="en-GB" dirty="0" err="1">
+                <a:solidFill>
+                  <a:schemeClr val="accent4"/>
+                </a:solidFill>
+              </a:rPr>
+              <a:t>tas_subset.nc</a:t>
+            </a:r>
+            <a:endParaRPr lang="en-GB" dirty="0">
+              <a:solidFill>
+                <a:schemeClr val="accent4"/>
+              </a:solidFill>
+            </a:endParaRPr>
+          </a:p>
+          <a:p>
+            <a:r>
+              <a:rPr lang="en-US" dirty="0"/>
+              <a:t>cis  </a:t>
+            </a:r>
+            <a:r>
+              <a:rPr lang="en-US" dirty="0">
+                <a:solidFill>
+                  <a:schemeClr val="accent1"/>
+                </a:solidFill>
+              </a:rPr>
+              <a:t>plot  </a:t>
+            </a:r>
+            <a:r>
+              <a:rPr lang="en-GB" dirty="0" err="1">
+                <a:solidFill>
+                  <a:schemeClr val="accent2"/>
+                </a:solidFill>
+              </a:rPr>
+              <a:t>tas:tas_subset.nc</a:t>
+            </a:r>
+            <a:endParaRPr lang="en-GB" dirty="0">
+              <a:solidFill>
+                <a:schemeClr val="accent4"/>
+              </a:solidFill>
+            </a:endParaRPr>
+          </a:p>
+        </p:txBody>
+      </p:sp>
+      <p:sp>
+        <p:nvSpPr>
+          <p:cNvPr id="7" name="TextBox 6"/>
+          <p:cNvSpPr txBox="1"/>
+          <p:nvPr/>
+        </p:nvSpPr>
+        <p:spPr>
+          <a:xfrm>
+            <a:off x="608210" y="2329163"/>
+            <a:ext cx="2324354" cy="369332"/>
+          </a:xfrm>
+          <a:prstGeom prst="rect">
+            <a:avLst/>
+          </a:prstGeom>
+          <a:noFill/>
+        </p:spPr>
+        <p:txBody>
+          <a:bodyPr wrap="none" rtlCol="0">
+            <a:spAutoFit/>
+          </a:bodyPr>
+          <a:lstStyle/>
+          <a:p>
+            <a:r>
+              <a:rPr lang="en-US" dirty="0"/>
+              <a:t>Taking a time average:</a:t>
+            </a:r>
+          </a:p>
+        </p:txBody>
+      </p:sp>
+      <p:sp>
+        <p:nvSpPr>
+          <p:cNvPr id="14" name="TextBox 13"/>
+          <p:cNvSpPr txBox="1"/>
+          <p:nvPr/>
+        </p:nvSpPr>
+        <p:spPr>
+          <a:xfrm>
+            <a:off x="608210" y="3512309"/>
+            <a:ext cx="1233030" cy="369332"/>
+          </a:xfrm>
+          <a:prstGeom prst="rect">
+            <a:avLst/>
+          </a:prstGeom>
+          <a:noFill/>
+        </p:spPr>
+        <p:txBody>
+          <a:bodyPr wrap="none" rtlCol="0">
+            <a:spAutoFit/>
+          </a:bodyPr>
+          <a:lstStyle/>
+          <a:p>
+            <a:r>
+              <a:rPr lang="en-US" dirty="0"/>
+              <a:t>And plot it:</a:t>
+            </a:r>
+          </a:p>
+        </p:txBody>
+      </p:sp>
+      <p:sp>
+        <p:nvSpPr>
+          <p:cNvPr id="15" name="TextBox 14"/>
+          <p:cNvSpPr txBox="1"/>
+          <p:nvPr/>
+        </p:nvSpPr>
+        <p:spPr>
+          <a:xfrm>
+            <a:off x="608210" y="4757935"/>
+            <a:ext cx="3063596" cy="369332"/>
+          </a:xfrm>
+          <a:prstGeom prst="rect">
+            <a:avLst/>
+          </a:prstGeom>
+          <a:noFill/>
+        </p:spPr>
+        <p:txBody>
+          <a:bodyPr wrap="none" rtlCol="0">
+            <a:spAutoFit/>
+          </a:bodyPr>
+          <a:lstStyle/>
+          <a:p>
+            <a:r>
+              <a:rPr lang="en-US" dirty="0"/>
+              <a:t>Take a subset and plot it again:</a:t>
+            </a:r>
+          </a:p>
+        </p:txBody>
+      </p:sp>
+      <p:sp>
+        <p:nvSpPr>
+          <p:cNvPr id="16" name="TextBox 15"/>
+          <p:cNvSpPr txBox="1"/>
+          <p:nvPr/>
+        </p:nvSpPr>
+        <p:spPr>
+          <a:xfrm>
+            <a:off x="608210" y="2763151"/>
+            <a:ext cx="4943405" cy="369332"/>
+          </a:xfrm>
+          <a:prstGeom prst="rect">
+            <a:avLst/>
+          </a:prstGeom>
+          <a:solidFill>
+            <a:schemeClr val="bg2"/>
+          </a:solidFill>
+        </p:spPr>
+        <p:txBody>
+          <a:bodyPr wrap="none" rtlCol="0">
+            <a:spAutoFit/>
+          </a:bodyPr>
+          <a:lstStyle/>
+          <a:p>
+            <a:r>
+              <a:rPr lang="en-US" dirty="0"/>
+              <a:t>cis  </a:t>
+            </a:r>
+            <a:r>
+              <a:rPr lang="en-US" dirty="0">
+                <a:solidFill>
+                  <a:schemeClr val="accent1"/>
+                </a:solidFill>
+              </a:rPr>
+              <a:t>aggregate </a:t>
+            </a:r>
+            <a:r>
+              <a:rPr lang="en-GB" dirty="0">
+                <a:solidFill>
+                  <a:schemeClr val="accent2"/>
+                </a:solidFill>
+              </a:rPr>
+              <a:t>tas:cmip5/</a:t>
+            </a:r>
+            <a:r>
+              <a:rPr lang="en-GB" dirty="0" err="1">
+                <a:solidFill>
+                  <a:schemeClr val="accent2"/>
+                </a:solidFill>
+              </a:rPr>
+              <a:t>tas.nc</a:t>
+            </a:r>
+            <a:r>
+              <a:rPr lang="en-GB" dirty="0">
+                <a:solidFill>
+                  <a:schemeClr val="accent2"/>
+                </a:solidFill>
+              </a:rPr>
+              <a:t> </a:t>
+            </a:r>
+            <a:r>
+              <a:rPr lang="en-GB" dirty="0">
+                <a:solidFill>
+                  <a:schemeClr val="accent6">
+                    <a:lumMod val="75000"/>
+                  </a:schemeClr>
+                </a:solidFill>
+              </a:rPr>
+              <a:t>t </a:t>
+            </a:r>
+            <a:r>
+              <a:rPr lang="en-GB" dirty="0">
+                <a:solidFill>
+                  <a:schemeClr val="accent4"/>
+                </a:solidFill>
+              </a:rPr>
+              <a:t> -o </a:t>
+            </a:r>
+            <a:r>
+              <a:rPr lang="en-GB" dirty="0" err="1">
+                <a:solidFill>
+                  <a:schemeClr val="accent4"/>
+                </a:solidFill>
+              </a:rPr>
+              <a:t>tas_average.nc</a:t>
+            </a:r>
+            <a:endParaRPr lang="en-GB" dirty="0">
+              <a:solidFill>
+                <a:schemeClr val="accent4"/>
+              </a:solidFill>
+            </a:endParaRPr>
+          </a:p>
+        </p:txBody>
+      </p:sp>
+      <p:sp>
+        <p:nvSpPr>
+          <p:cNvPr id="10" name="TextBox 9"/>
+          <p:cNvSpPr txBox="1"/>
+          <p:nvPr/>
+        </p:nvSpPr>
+        <p:spPr>
+          <a:xfrm>
+            <a:off x="608210" y="3906153"/>
+            <a:ext cx="2747099" cy="369332"/>
+          </a:xfrm>
+          <a:prstGeom prst="rect">
+            <a:avLst/>
+          </a:prstGeom>
+          <a:solidFill>
+            <a:schemeClr val="bg2"/>
+          </a:solidFill>
+        </p:spPr>
+        <p:txBody>
+          <a:bodyPr wrap="none" rtlCol="0">
+            <a:spAutoFit/>
+          </a:bodyPr>
+          <a:lstStyle/>
+          <a:p>
+            <a:r>
+              <a:rPr lang="en-US" dirty="0"/>
+              <a:t>cis  </a:t>
+            </a:r>
+            <a:r>
+              <a:rPr lang="en-US" dirty="0">
+                <a:solidFill>
+                  <a:schemeClr val="accent1"/>
+                </a:solidFill>
+              </a:rPr>
+              <a:t>plot  </a:t>
+            </a:r>
+            <a:r>
+              <a:rPr lang="en-GB" dirty="0" err="1">
+                <a:solidFill>
+                  <a:schemeClr val="accent2"/>
+                </a:solidFill>
+              </a:rPr>
+              <a:t>tas:tas_average.nc</a:t>
+            </a:r>
+            <a:endParaRPr lang="en-GB" dirty="0">
+              <a:solidFill>
+                <a:schemeClr val="accent4"/>
+              </a:solidFill>
+            </a:endParaRPr>
+          </a:p>
+        </p:txBody>
+      </p:sp>
+      <p:sp>
+        <p:nvSpPr>
+          <p:cNvPr id="17" name="TextBox 16">
+            <a:extLst>
+              <a:ext uri="{FF2B5EF4-FFF2-40B4-BE49-F238E27FC236}">
+                <a16:creationId xmlns:a16="http://schemas.microsoft.com/office/drawing/2014/main" id="{57473942-105B-2B4F-96D1-95511F56F58D}"/>
+              </a:ext>
+            </a:extLst>
+          </p:cNvPr>
+          <p:cNvSpPr txBox="1"/>
+          <p:nvPr/>
+        </p:nvSpPr>
+        <p:spPr>
+          <a:xfrm>
+            <a:off x="608210" y="1245887"/>
+            <a:ext cx="3886385" cy="369332"/>
+          </a:xfrm>
+          <a:prstGeom prst="rect">
+            <a:avLst/>
+          </a:prstGeom>
+          <a:noFill/>
+        </p:spPr>
+        <p:txBody>
+          <a:bodyPr wrap="none" rtlCol="0">
+            <a:spAutoFit/>
+          </a:bodyPr>
+          <a:lstStyle/>
+          <a:p>
+            <a:r>
+              <a:rPr lang="en-US" dirty="0"/>
+              <a:t>Show the variables in a CMIP5 data file:</a:t>
+            </a:r>
+          </a:p>
+        </p:txBody>
+      </p:sp>
+      <p:sp>
+        <p:nvSpPr>
+          <p:cNvPr id="19" name="TextBox 18">
+            <a:extLst>
+              <a:ext uri="{FF2B5EF4-FFF2-40B4-BE49-F238E27FC236}">
+                <a16:creationId xmlns:a16="http://schemas.microsoft.com/office/drawing/2014/main" id="{711B7CA4-BE5D-AC47-AE4D-EADB8B39EE4E}"/>
+              </a:ext>
+            </a:extLst>
+          </p:cNvPr>
+          <p:cNvSpPr txBox="1"/>
+          <p:nvPr/>
+        </p:nvSpPr>
+        <p:spPr>
+          <a:xfrm>
+            <a:off x="701234" y="1593890"/>
+            <a:ext cx="2160143" cy="646331"/>
+          </a:xfrm>
+          <a:prstGeom prst="rect">
+            <a:avLst/>
+          </a:prstGeom>
+          <a:solidFill>
+            <a:schemeClr val="bg2"/>
+          </a:solidFill>
+        </p:spPr>
+        <p:txBody>
+          <a:bodyPr wrap="none" rtlCol="0">
+            <a:spAutoFit/>
+          </a:bodyPr>
+          <a:lstStyle/>
+          <a:p>
+            <a:r>
+              <a:rPr lang="en-US" dirty="0"/>
+              <a:t>cis  </a:t>
+            </a:r>
+            <a:r>
+              <a:rPr lang="en-US" dirty="0">
+                <a:solidFill>
+                  <a:schemeClr val="accent1"/>
+                </a:solidFill>
+              </a:rPr>
+              <a:t>info </a:t>
+            </a:r>
+            <a:r>
+              <a:rPr lang="en-GB" dirty="0">
+                <a:solidFill>
+                  <a:schemeClr val="accent2"/>
+                </a:solidFill>
+              </a:rPr>
+              <a:t>cmip5/</a:t>
+            </a:r>
+            <a:r>
+              <a:rPr lang="en-GB" dirty="0" err="1">
+                <a:solidFill>
+                  <a:schemeClr val="accent2"/>
+                </a:solidFill>
+              </a:rPr>
+              <a:t>tas.nc</a:t>
+            </a:r>
+            <a:endParaRPr lang="en-GB" dirty="0">
+              <a:solidFill>
+                <a:schemeClr val="accent2"/>
+              </a:solidFill>
+            </a:endParaRPr>
+          </a:p>
+          <a:p>
+            <a:endParaRPr lang="en-GB" dirty="0">
+              <a:solidFill>
+                <a:schemeClr val="accent4"/>
+              </a:solidFill>
+            </a:endParaRPr>
+          </a:p>
+        </p:txBody>
+      </p:sp>
+    </p:spTree>
+    <p:extLst>
+      <p:ext uri="{BB962C8B-B14F-4D97-AF65-F5344CB8AC3E}">
+        <p14:creationId xmlns:p14="http://schemas.microsoft.com/office/powerpoint/2010/main" val="1389567820"/>
+      </p:ext>
+    </p:extLst>
+  </p:cSld>
+  <p:clrMapOvr>
+    <a:masterClrMapping/>
+  </p:clrMapOvr>
+  <p:timing>
+    <p:tnLst>
+      <p:par>
+        <p:cTn id="1" dur="indefinite" restart="never" nodeType="tmRoot">
+          <p:childTnLst>
+            <p:seq concurrent="1" nextAc="seek">
+              <p:cTn id="2" dur="indefinite" nodeType="mainSeq">
+                <p:childTnLst>
+                  <p:par>
+                    <p:cTn id="3" fill="hold">
+                      <p:stCondLst>
+                        <p:cond delay="indefinite"/>
+                      </p:stCondLst>
+                      <p:childTnLst>
+                        <p:par>
+                          <p:cTn id="4" fill="hold">
+                            <p:stCondLst>
+                              <p:cond delay="0"/>
+                            </p:stCondLst>
+                            <p:childTnLst>
+                              <p:par>
+                                <p:cTn id="5" presetID="1" presetClass="entr" presetSubtype="0" fill="hold" grpId="0" nodeType="clickEffect">
+                                  <p:stCondLst>
+                                    <p:cond delay="0"/>
+                                  </p:stCondLst>
+                                  <p:childTnLst>
+                                    <p:set>
+                                      <p:cBhvr>
+                                        <p:cTn id="6" dur="1" fill="hold">
+                                          <p:stCondLst>
+                                            <p:cond delay="0"/>
+                                          </p:stCondLst>
+                                        </p:cTn>
+                                        <p:tgtEl>
+                                          <p:spTgt spid="7"/>
+                                        </p:tgtEl>
+                                        <p:attrNameLst>
+                                          <p:attrName>style.visibility</p:attrName>
+                                        </p:attrNameLst>
+                                      </p:cBhvr>
+                                      <p:to>
+                                        <p:strVal val="visible"/>
+                                      </p:to>
+                                    </p:set>
+                                  </p:childTnLst>
+                                </p:cTn>
+                              </p:par>
+                              <p:par>
+                                <p:cTn id="7" presetID="1" presetClass="entr" presetSubtype="0" fill="hold" grpId="0" nodeType="withEffect">
+                                  <p:stCondLst>
+                                    <p:cond delay="0"/>
+                                  </p:stCondLst>
+                                  <p:childTnLst>
+                                    <p:set>
+                                      <p:cBhvr>
+                                        <p:cTn id="8" dur="1" fill="hold">
+                                          <p:stCondLst>
+                                            <p:cond delay="0"/>
+                                          </p:stCondLst>
+                                        </p:cTn>
+                                        <p:tgtEl>
+                                          <p:spTgt spid="16"/>
+                                        </p:tgtEl>
+                                        <p:attrNameLst>
+                                          <p:attrName>style.visibility</p:attrName>
+                                        </p:attrNameLst>
+                                      </p:cBhvr>
+                                      <p:to>
+                                        <p:strVal val="visible"/>
+                                      </p:to>
+                                    </p:set>
+                                  </p:childTnLst>
+                                </p:cTn>
+                              </p:par>
+                            </p:childTnLst>
+                          </p:cTn>
+                        </p:par>
+                      </p:childTnLst>
+                    </p:cTn>
+                  </p:par>
+                  <p:par>
+                    <p:cTn id="9" fill="hold">
+                      <p:stCondLst>
+                        <p:cond delay="indefinite"/>
+                      </p:stCondLst>
+                      <p:childTnLst>
+                        <p:par>
+                          <p:cTn id="10" fill="hold">
+                            <p:stCondLst>
+                              <p:cond delay="0"/>
+                            </p:stCondLst>
+                            <p:childTnLst>
+                              <p:par>
+                                <p:cTn id="11" presetID="1" presetClass="entr" presetSubtype="0" fill="hold" grpId="0" nodeType="clickEffect">
+                                  <p:stCondLst>
+                                    <p:cond delay="0"/>
+                                  </p:stCondLst>
+                                  <p:childTnLst>
+                                    <p:set>
+                                      <p:cBhvr>
+                                        <p:cTn id="12" dur="1" fill="hold">
+                                          <p:stCondLst>
+                                            <p:cond delay="0"/>
+                                          </p:stCondLst>
+                                        </p:cTn>
+                                        <p:tgtEl>
+                                          <p:spTgt spid="14"/>
+                                        </p:tgtEl>
+                                        <p:attrNameLst>
+                                          <p:attrName>style.visibility</p:attrName>
+                                        </p:attrNameLst>
+                                      </p:cBhvr>
+                                      <p:to>
+                                        <p:strVal val="visible"/>
+                                      </p:to>
+                                    </p:set>
+                                  </p:childTnLst>
+                                </p:cTn>
+                              </p:par>
+                              <p:par>
+                                <p:cTn id="13" presetID="1" presetClass="entr" presetSubtype="0" fill="hold" grpId="0" nodeType="withEffect">
+                                  <p:stCondLst>
+                                    <p:cond delay="0"/>
+                                  </p:stCondLst>
+                                  <p:childTnLst>
+                                    <p:set>
+                                      <p:cBhvr>
+                                        <p:cTn id="14" dur="1" fill="hold">
+                                          <p:stCondLst>
+                                            <p:cond delay="0"/>
+                                          </p:stCondLst>
+                                        </p:cTn>
+                                        <p:tgtEl>
+                                          <p:spTgt spid="10"/>
+                                        </p:tgtEl>
+                                        <p:attrNameLst>
+                                          <p:attrName>style.visibility</p:attrName>
+                                        </p:attrNameLst>
+                                      </p:cBhvr>
+                                      <p:to>
+                                        <p:strVal val="visible"/>
+                                      </p:to>
+                                    </p:set>
+                                  </p:childTnLst>
+                                </p:cTn>
+                              </p:par>
+                            </p:childTnLst>
+                          </p:cTn>
+                        </p:par>
+                        <p:par>
+                          <p:cTn id="15" fill="hold">
+                            <p:stCondLst>
+                              <p:cond delay="0"/>
+                            </p:stCondLst>
+                            <p:childTnLst>
+                              <p:par>
+                                <p:cTn id="16" presetID="1" presetClass="entr" presetSubtype="0" fill="hold" grpId="0" nodeType="afterEffect">
+                                  <p:stCondLst>
+                                    <p:cond delay="0"/>
+                                  </p:stCondLst>
+                                  <p:childTnLst>
+                                    <p:set>
+                                      <p:cBhvr>
+                                        <p:cTn id="17" dur="1" fill="hold">
+                                          <p:stCondLst>
+                                            <p:cond delay="0"/>
+                                          </p:stCondLst>
+                                        </p:cTn>
+                                        <p:tgtEl>
+                                          <p:spTgt spid="13"/>
+                                        </p:tgtEl>
+                                        <p:attrNameLst>
+                                          <p:attrName>style.visibility</p:attrName>
+                                        </p:attrNameLst>
+                                      </p:cBhvr>
+                                      <p:to>
+                                        <p:strVal val="visible"/>
+                                      </p:to>
+                                    </p:set>
+                                  </p:childTnLst>
+                                </p:cTn>
+                              </p:par>
+                              <p:par>
+                                <p:cTn id="18" presetID="1" presetClass="entr" presetSubtype="0" fill="hold" grpId="0" nodeType="withEffect">
+                                  <p:stCondLst>
+                                    <p:cond delay="0"/>
+                                  </p:stCondLst>
+                                  <p:childTnLst>
+                                    <p:set>
+                                      <p:cBhvr>
+                                        <p:cTn id="19" dur="1" fill="hold">
+                                          <p:stCondLst>
+                                            <p:cond delay="0"/>
+                                          </p:stCondLst>
+                                        </p:cTn>
+                                        <p:tgtEl>
+                                          <p:spTgt spid="15"/>
+                                        </p:tgtEl>
+                                        <p:attrNameLst>
+                                          <p:attrName>style.visibility</p:attrName>
+                                        </p:attrNameLst>
+                                      </p:cBhvr>
+                                      <p:to>
+                                        <p:strVal val="visible"/>
+                                      </p:to>
+                                    </p:set>
+                                  </p:childTnLst>
+                                </p:cTn>
+                              </p:par>
+                            </p:childTnLst>
+                          </p:cTn>
+                        </p:par>
+                      </p:childTnLst>
+                    </p:cTn>
+                  </p:par>
+                  <p:par>
+                    <p:cTn id="20" fill="hold">
+                      <p:stCondLst>
+                        <p:cond delay="indefinite"/>
+                      </p:stCondLst>
+                      <p:childTnLst>
+                        <p:par>
+                          <p:cTn id="21" fill="hold">
+                            <p:stCondLst>
+                              <p:cond delay="0"/>
+                            </p:stCondLst>
+                            <p:childTnLst>
+                              <p:par>
+                                <p:cTn id="22" presetID="1" presetClass="entr" presetSubtype="0" fill="hold" grpId="0" nodeType="clickEffect">
+                                  <p:stCondLst>
+                                    <p:cond delay="0"/>
+                                  </p:stCondLst>
+                                  <p:childTnLst>
+                                    <p:set>
+                                      <p:cBhvr>
+                                        <p:cTn id="23" dur="1" fill="hold">
+                                          <p:stCondLst>
+                                            <p:cond delay="0"/>
+                                          </p:stCondLst>
+                                        </p:cTn>
+                                        <p:tgtEl>
+                                          <p:spTgt spid="17"/>
+                                        </p:tgtEl>
+                                        <p:attrNameLst>
+                                          <p:attrName>style.visibility</p:attrName>
+                                        </p:attrNameLst>
+                                      </p:cBhvr>
+                                      <p:to>
+                                        <p:strVal val="visible"/>
+                                      </p:to>
+                                    </p:set>
+                                  </p:childTnLst>
+                                </p:cTn>
+                              </p:par>
+                              <p:par>
+                                <p:cTn id="24" presetID="1" presetClass="entr" presetSubtype="0" fill="hold" grpId="0" nodeType="withEffect">
+                                  <p:stCondLst>
+                                    <p:cond delay="0"/>
+                                  </p:stCondLst>
+                                  <p:childTnLst>
+                                    <p:set>
+                                      <p:cBhvr>
+                                        <p:cTn id="25" dur="1" fill="hold">
+                                          <p:stCondLst>
+                                            <p:cond delay="0"/>
+                                          </p:stCondLst>
+                                        </p:cTn>
+                                        <p:tgtEl>
+                                          <p:spTgt spid="19"/>
+                                        </p:tgtEl>
+                                        <p:attrNameLst>
+                                          <p:attrName>style.visibility</p:attrName>
+                                        </p:attrNameLst>
+                                      </p:cBhvr>
+                                      <p:to>
+                                        <p:strVal val="visible"/>
+                                      </p:to>
+                                    </p:set>
+                                  </p:childTnLst>
+                                </p:cTn>
+                              </p:par>
+                            </p:childTnLst>
+                          </p:cTn>
+                        </p:par>
+                      </p:childTnLst>
+                    </p:cTn>
+                  </p:par>
+                </p:childTnLst>
+              </p:cTn>
+              <p:prevCondLst>
+                <p:cond evt="onPrev" delay="0">
+                  <p:tgtEl>
+                    <p:sldTgt/>
+                  </p:tgtEl>
+                </p:cond>
+              </p:prevCondLst>
+              <p:nextCondLst>
+                <p:cond evt="onNext" delay="0">
+                  <p:tgtEl>
+                    <p:sldTgt/>
+                  </p:tgtEl>
+                </p:cond>
+              </p:nextCondLst>
+            </p:seq>
+          </p:childTnLst>
+        </p:cTn>
+      </p:par>
+    </p:tnLst>
+    <p:bldLst>
+      <p:bldP spid="13" grpId="0" animBg="1"/>
+      <p:bldP spid="7" grpId="0"/>
+      <p:bldP spid="14" grpId="0"/>
+      <p:bldP spid="15" grpId="0"/>
+      <p:bldP spid="16" grpId="0" animBg="1"/>
+      <p:bldP spid="10" grpId="0" animBg="1"/>
+      <p:bldP spid="17" grpId="0"/>
+      <p:bldP spid="19" grpId="0" animBg="1"/>
+    </p:bldLst>
+  </p:timing>
+</p:sld>
+</file>
+
+<file path=ppt/slides/slide15.xml><?xml version="1.0" encoding="utf-8"?>
+<p:sld xmlns:a="http://schemas.openxmlformats.org/drawingml/2006/main" xmlns:r="http://schemas.openxmlformats.org/officeDocument/2006/relationships" xmlns:p="http://schemas.openxmlformats.org/presentationml/2006/main">
+  <p:cSld>
+    <p:spTree>
+      <p:nvGrpSpPr>
+        <p:cNvPr id="1" name=""/>
+        <p:cNvGrpSpPr/>
+        <p:nvPr/>
+      </p:nvGrpSpPr>
+      <p:grpSpPr>
+        <a:xfrm>
+          <a:off x="0" y="0"/>
+          <a:ext cx="0" cy="0"/>
+          <a:chOff x="0" y="0"/>
+          <a:chExt cx="0" cy="0"/>
+        </a:xfrm>
+      </p:grpSpPr>
+      <p:sp>
+        <p:nvSpPr>
+          <p:cNvPr id="2" name="Title 1">
+            <a:extLst>
+              <a:ext uri="{FF2B5EF4-FFF2-40B4-BE49-F238E27FC236}">
+                <a16:creationId xmlns:a16="http://schemas.microsoft.com/office/drawing/2014/main" id="{B817DABF-ED26-7D41-BD98-546A44D2913A}"/>
+              </a:ext>
+            </a:extLst>
+          </p:cNvPr>
+          <p:cNvSpPr>
+            <a:spLocks noGrp="1"/>
+          </p:cNvSpPr>
+          <p:nvPr>
+            <p:ph type="title"/>
+          </p:nvPr>
+        </p:nvSpPr>
+        <p:spPr/>
+        <p:txBody>
+          <a:bodyPr/>
+          <a:lstStyle/>
+          <a:p>
+            <a:r>
+              <a:rPr lang="en-US" dirty="0"/>
+              <a:t>Comments from the Author</a:t>
+            </a:r>
+          </a:p>
+        </p:txBody>
+      </p:sp>
+      <p:sp>
+        <p:nvSpPr>
+          <p:cNvPr id="3" name="Content Placeholder 2">
+            <a:extLst>
+              <a:ext uri="{FF2B5EF4-FFF2-40B4-BE49-F238E27FC236}">
+                <a16:creationId xmlns:a16="http://schemas.microsoft.com/office/drawing/2014/main" id="{BB430939-B30A-7945-B328-8A4E3809D9F8}"/>
+              </a:ext>
+            </a:extLst>
+          </p:cNvPr>
+          <p:cNvSpPr>
+            <a:spLocks noGrp="1"/>
+          </p:cNvSpPr>
+          <p:nvPr>
+            <p:ph idx="1"/>
+          </p:nvPr>
+        </p:nvSpPr>
+        <p:spPr/>
+        <p:txBody>
+          <a:bodyPr>
+            <a:normAutofit lnSpcReduction="10000"/>
+          </a:bodyPr>
+          <a:lstStyle/>
+          <a:p>
+            <a:r>
+              <a:rPr lang="en-GB" dirty="0"/>
+              <a:t>CDO for observational data</a:t>
+            </a:r>
+          </a:p>
+          <a:p>
+            <a:r>
+              <a:rPr lang="en-GB" dirty="0"/>
+              <a:t>started as a command line tool but is mostly used as a Python library now</a:t>
+            </a:r>
+          </a:p>
+          <a:p>
+            <a:r>
+              <a:rPr lang="en-GB" dirty="0"/>
+              <a:t>builds on </a:t>
+            </a:r>
+            <a:r>
+              <a:rPr lang="en-GB" dirty="0">
+                <a:hlinkClick r:id="rId2"/>
+              </a:rPr>
+              <a:t>Iris</a:t>
+            </a:r>
+            <a:r>
+              <a:rPr lang="en-GB" dirty="0"/>
+              <a:t> (</a:t>
+            </a:r>
+            <a:r>
+              <a:rPr lang="en-GB" dirty="0" err="1"/>
+              <a:t>MetOffice</a:t>
+            </a:r>
+            <a:r>
+              <a:rPr lang="en-GB" dirty="0"/>
+              <a:t>)</a:t>
+            </a:r>
+          </a:p>
+          <a:p>
+            <a:r>
+              <a:rPr lang="en-GB" dirty="0"/>
+              <a:t>main selling point is reading weird and wonderful satellite and in-situ (and model!)  data into an Iris Cube-like object, and allowing easy </a:t>
+            </a:r>
+            <a:r>
+              <a:rPr lang="en-GB" dirty="0" err="1"/>
+              <a:t>spatio</a:t>
+            </a:r>
+            <a:r>
+              <a:rPr lang="en-GB" dirty="0"/>
+              <a:t>-temporal collocation between them</a:t>
+            </a:r>
+          </a:p>
+          <a:p>
+            <a:endParaRPr lang="en-US" dirty="0"/>
+          </a:p>
+        </p:txBody>
+      </p:sp>
+    </p:spTree>
+    <p:extLst>
+      <p:ext uri="{BB962C8B-B14F-4D97-AF65-F5344CB8AC3E}">
+        <p14:creationId xmlns:p14="http://schemas.microsoft.com/office/powerpoint/2010/main" val="3604761402"/>
+      </p:ext>
+    </p:extLst>
+  </p:cSld>
+  <p:clrMapOvr>
+    <a:masterClrMapping/>
+  </p:clrMapOvr>
+</p:sld>
+</file>
+
+<file path=ppt/slides/slide16.xml><?xml version="1.0" encoding="utf-8"?>
+<p:sld xmlns:a="http://schemas.openxmlformats.org/drawingml/2006/main" xmlns:r="http://schemas.openxmlformats.org/officeDocument/2006/relationships" xmlns:p="http://schemas.openxmlformats.org/presentationml/2006/main">
+  <p:cSld>
+    <p:spTree>
+      <p:nvGrpSpPr>
+        <p:cNvPr id="1" name=""/>
+        <p:cNvGrpSpPr/>
+        <p:nvPr/>
+      </p:nvGrpSpPr>
+      <p:grpSpPr>
+        <a:xfrm>
+          <a:off x="0" y="0"/>
+          <a:ext cx="0" cy="0"/>
+          <a:chOff x="0" y="0"/>
+          <a:chExt cx="0" cy="0"/>
+        </a:xfrm>
+      </p:grpSpPr>
+      <p:sp>
+        <p:nvSpPr>
+          <p:cNvPr id="2" name="Title 1">
+            <a:extLst>
+              <a:ext uri="{FF2B5EF4-FFF2-40B4-BE49-F238E27FC236}">
+                <a16:creationId xmlns:a16="http://schemas.microsoft.com/office/drawing/2014/main" id="{0202821F-7628-CC41-8746-93B32077E1CD}"/>
+              </a:ext>
+            </a:extLst>
+          </p:cNvPr>
+          <p:cNvSpPr>
+            <a:spLocks noGrp="1"/>
+          </p:cNvSpPr>
+          <p:nvPr>
+            <p:ph type="title"/>
+          </p:nvPr>
+        </p:nvSpPr>
+        <p:spPr/>
+        <p:txBody>
+          <a:bodyPr/>
+          <a:lstStyle/>
+          <a:p>
+            <a:r>
+              <a:rPr lang="en-US" dirty="0"/>
+              <a:t>Community and Future Plans?</a:t>
+            </a:r>
+          </a:p>
+        </p:txBody>
+      </p:sp>
+      <p:sp>
+        <p:nvSpPr>
+          <p:cNvPr id="3" name="Content Placeholder 2">
+            <a:extLst>
+              <a:ext uri="{FF2B5EF4-FFF2-40B4-BE49-F238E27FC236}">
+                <a16:creationId xmlns:a16="http://schemas.microsoft.com/office/drawing/2014/main" id="{9A85F440-018B-A94B-A776-61785BFACFDF}"/>
+              </a:ext>
+            </a:extLst>
+          </p:cNvPr>
+          <p:cNvSpPr>
+            <a:spLocks noGrp="1"/>
+          </p:cNvSpPr>
+          <p:nvPr>
+            <p:ph idx="1"/>
+          </p:nvPr>
+        </p:nvSpPr>
+        <p:spPr/>
+        <p:txBody>
+          <a:bodyPr>
+            <a:normAutofit fontScale="92500"/>
+          </a:bodyPr>
+          <a:lstStyle/>
+          <a:p>
+            <a:r>
+              <a:rPr lang="en-GB" dirty="0"/>
+              <a:t>There are lots of downloads (20k+) and it appears to have a healthy user base</a:t>
+            </a:r>
+          </a:p>
+          <a:p>
+            <a:r>
+              <a:rPr lang="en-GB" dirty="0"/>
+              <a:t>Currently only me developing it in my spare time</a:t>
+            </a:r>
+          </a:p>
+          <a:p>
+            <a:r>
+              <a:rPr lang="en-GB" dirty="0"/>
+              <a:t>Our future plans are mostly around making the most of </a:t>
+            </a:r>
+            <a:r>
+              <a:rPr lang="en-GB" dirty="0" err="1"/>
+              <a:t>dask</a:t>
+            </a:r>
+            <a:r>
+              <a:rPr lang="en-GB" dirty="0"/>
+              <a:t>. Moving to </a:t>
+            </a:r>
+            <a:r>
+              <a:rPr lang="en-GB" dirty="0" err="1"/>
+              <a:t>Dask</a:t>
+            </a:r>
+            <a:r>
+              <a:rPr lang="en-GB" dirty="0"/>
+              <a:t>/</a:t>
+            </a:r>
+            <a:r>
+              <a:rPr lang="en-GB" dirty="0" err="1"/>
+              <a:t>xarray</a:t>
+            </a:r>
+            <a:r>
+              <a:rPr lang="en-GB" dirty="0"/>
+              <a:t> with version 2.0 in 2019.</a:t>
+            </a:r>
+          </a:p>
+          <a:p>
+            <a:r>
+              <a:rPr lang="en-GB" dirty="0"/>
+              <a:t>In touch with the </a:t>
+            </a:r>
+            <a:r>
+              <a:rPr lang="en-GB" dirty="0" err="1"/>
+              <a:t>ESMValTool</a:t>
+            </a:r>
+            <a:r>
+              <a:rPr lang="en-GB" dirty="0"/>
+              <a:t> team about using CIS for reading observational data directly into their analysis code</a:t>
+            </a:r>
+          </a:p>
+          <a:p>
+            <a:endParaRPr lang="en-GB" dirty="0"/>
+          </a:p>
+          <a:p>
+            <a:endParaRPr lang="en-GB" dirty="0"/>
+          </a:p>
+          <a:p>
+            <a:endParaRPr lang="en-GB" dirty="0"/>
+          </a:p>
+          <a:p>
+            <a:endParaRPr lang="en-US" dirty="0"/>
+          </a:p>
+        </p:txBody>
+      </p:sp>
+    </p:spTree>
+    <p:extLst>
+      <p:ext uri="{BB962C8B-B14F-4D97-AF65-F5344CB8AC3E}">
+        <p14:creationId xmlns:p14="http://schemas.microsoft.com/office/powerpoint/2010/main" val="1302299908"/>
+      </p:ext>
+    </p:extLst>
+  </p:cSld>
+  <p:clrMapOvr>
+    <a:masterClrMapping/>
+  </p:clrMapOvr>
+</p:sld>
+</file>
+
+<file path=ppt/slides/slide17.xml><?xml version="1.0" encoding="utf-8"?>
+<p:sld xmlns:a="http://schemas.openxmlformats.org/drawingml/2006/main" xmlns:r="http://schemas.openxmlformats.org/officeDocument/2006/relationships" xmlns:p="http://schemas.openxmlformats.org/presentationml/2006/main">
+  <p:cSld>
+    <p:spTree>
+      <p:nvGrpSpPr>
+        <p:cNvPr id="1" name=""/>
+        <p:cNvGrpSpPr/>
+        <p:nvPr/>
+      </p:nvGrpSpPr>
+      <p:grpSpPr>
+        <a:xfrm>
+          <a:off x="0" y="0"/>
+          <a:ext cx="0" cy="0"/>
+          <a:chOff x="0" y="0"/>
+          <a:chExt cx="0" cy="0"/>
+        </a:xfrm>
+      </p:grpSpPr>
+      <p:pic>
+        <p:nvPicPr>
+          <p:cNvPr id="5" name="Picture 4"/>
+          <p:cNvPicPr>
+            <a:picLocks noChangeAspect="1"/>
+          </p:cNvPicPr>
+          <p:nvPr/>
+        </p:nvPicPr>
+        <p:blipFill>
+          <a:blip r:embed="rId3">
+            <a:extLst>
+              <a:ext uri="{28A0092B-C50C-407E-A947-70E740481C1C}">
+                <a14:useLocalDpi xmlns:a14="http://schemas.microsoft.com/office/drawing/2010/main" val="0"/>
+              </a:ext>
+            </a:extLst>
+          </a:blip>
+          <a:stretch>
+            <a:fillRect/>
+          </a:stretch>
+        </p:blipFill>
+        <p:spPr>
+          <a:xfrm>
+            <a:off x="6253589" y="3856613"/>
+            <a:ext cx="2286000" cy="2286000"/>
+          </a:xfrm>
+          <a:prstGeom prst="rect">
+            <a:avLst/>
+          </a:prstGeom>
+        </p:spPr>
+      </p:pic>
+      <p:sp>
+        <p:nvSpPr>
+          <p:cNvPr id="2" name="Title 1"/>
+          <p:cNvSpPr>
+            <a:spLocks noGrp="1"/>
+          </p:cNvSpPr>
+          <p:nvPr>
+            <p:ph type="title"/>
+          </p:nvPr>
+        </p:nvSpPr>
+        <p:spPr>
+          <a:xfrm>
+            <a:off x="457200" y="148289"/>
+            <a:ext cx="8229600" cy="1143000"/>
+          </a:xfrm>
+        </p:spPr>
+        <p:txBody>
+          <a:bodyPr>
+            <a:normAutofit/>
+          </a:bodyPr>
+          <a:lstStyle/>
+          <a:p>
+            <a:r>
+              <a:rPr lang="en-US" dirty="0"/>
+              <a:t>Summary</a:t>
+            </a:r>
+            <a:endParaRPr lang="en-GB" dirty="0"/>
+          </a:p>
+        </p:txBody>
+      </p:sp>
+      <p:sp>
+        <p:nvSpPr>
+          <p:cNvPr id="3" name="Content Placeholder 2"/>
+          <p:cNvSpPr>
+            <a:spLocks noGrp="1"/>
+          </p:cNvSpPr>
+          <p:nvPr>
+            <p:ph idx="1"/>
+          </p:nvPr>
+        </p:nvSpPr>
+        <p:spPr>
+          <a:xfrm>
+            <a:off x="457200" y="1448244"/>
+            <a:ext cx="8229600" cy="2544636"/>
+          </a:xfrm>
+        </p:spPr>
+        <p:txBody>
+          <a:bodyPr>
+            <a:normAutofit fontScale="77500" lnSpcReduction="20000"/>
+          </a:bodyPr>
+          <a:lstStyle/>
+          <a:p>
+            <a:r>
+              <a:rPr lang="en-GB" dirty="0"/>
+              <a:t>CIS is an open source python toolbox for reading, analysing and visualising earth sciences data</a:t>
+            </a:r>
+            <a:endParaRPr lang="en-GB" sz="1900" dirty="0"/>
+          </a:p>
+          <a:p>
+            <a:r>
+              <a:rPr lang="en-GB" dirty="0"/>
+              <a:t>Lots of support for community developed plugins</a:t>
+            </a:r>
+          </a:p>
+          <a:p>
+            <a:r>
+              <a:rPr lang="en-GB" dirty="0"/>
+              <a:t>There is also a Python API available</a:t>
+            </a:r>
+          </a:p>
+          <a:p>
+            <a:r>
+              <a:rPr lang="en-GB" dirty="0"/>
+              <a:t>Future work:</a:t>
+            </a:r>
+          </a:p>
+          <a:p>
+            <a:pPr lvl="1"/>
+            <a:r>
+              <a:rPr lang="en-GB" dirty="0"/>
+              <a:t>Support for ‘hybrid’ semi-gridded data types</a:t>
+            </a:r>
+          </a:p>
+          <a:p>
+            <a:pPr lvl="1"/>
+            <a:r>
+              <a:rPr lang="en-GB" dirty="0"/>
+              <a:t>Vector plots… and more!</a:t>
+            </a:r>
+          </a:p>
+        </p:txBody>
+      </p:sp>
+      <p:pic>
+        <p:nvPicPr>
+          <p:cNvPr id="7" name="Picture 6" descr="CIS-logo-blue-horizontal.ai"/>
+          <p:cNvPicPr>
+            <a:picLocks noChangeAspect="1"/>
+          </p:cNvPicPr>
+          <p:nvPr/>
+        </p:nvPicPr>
+        <p:blipFill>
+          <a:blip r:embed="rId4">
+            <a:extLst>
+              <a:ext uri="{28A0092B-C50C-407E-A947-70E740481C1C}">
+                <a14:useLocalDpi xmlns:a14="http://schemas.microsoft.com/office/drawing/2010/main" val="0"/>
+              </a:ext>
+            </a:extLst>
+          </a:blip>
+          <a:stretch>
+            <a:fillRect/>
+          </a:stretch>
+        </p:blipFill>
+        <p:spPr>
+          <a:xfrm>
+            <a:off x="176581" y="6142613"/>
+            <a:ext cx="2874105" cy="704438"/>
+          </a:xfrm>
+          <a:prstGeom prst="rect">
+            <a:avLst/>
+          </a:prstGeom>
+        </p:spPr>
+      </p:pic>
+      <p:cxnSp>
+        <p:nvCxnSpPr>
+          <p:cNvPr id="8" name="Straight Connector 7"/>
+          <p:cNvCxnSpPr/>
+          <p:nvPr/>
+        </p:nvCxnSpPr>
+        <p:spPr>
+          <a:xfrm>
+            <a:off x="176581" y="6087484"/>
+            <a:ext cx="8650111" cy="0"/>
+          </a:xfrm>
+          <a:prstGeom prst="line">
+            <a:avLst/>
+          </a:prstGeom>
+          <a:ln>
+            <a:solidFill>
+              <a:srgbClr val="1D224C"/>
+            </a:solidFill>
+          </a:ln>
+        </p:spPr>
+        <p:style>
+          <a:lnRef idx="2">
+            <a:schemeClr val="accent1"/>
+          </a:lnRef>
+          <a:fillRef idx="0">
+            <a:schemeClr val="accent1"/>
+          </a:fillRef>
+          <a:effectRef idx="1">
+            <a:schemeClr val="accent1"/>
+          </a:effectRef>
+          <a:fontRef idx="minor">
+            <a:schemeClr val="tx1"/>
+          </a:fontRef>
+        </p:style>
+      </p:cxnSp>
+      <p:pic>
+        <p:nvPicPr>
+          <p:cNvPr id="10" name="Picture 9"/>
+          <p:cNvPicPr>
+            <a:picLocks noChangeAspect="1"/>
+          </p:cNvPicPr>
+          <p:nvPr/>
+        </p:nvPicPr>
+        <p:blipFill>
+          <a:blip r:embed="rId5"/>
+          <a:stretch>
+            <a:fillRect/>
+          </a:stretch>
+        </p:blipFill>
+        <p:spPr>
+          <a:xfrm>
+            <a:off x="7213914" y="6232976"/>
+            <a:ext cx="1612778" cy="523063"/>
+          </a:xfrm>
+          <a:prstGeom prst="rect">
+            <a:avLst/>
+          </a:prstGeom>
+        </p:spPr>
+      </p:pic>
+      <p:sp>
+        <p:nvSpPr>
+          <p:cNvPr id="4" name="TextBox 3"/>
+          <p:cNvSpPr txBox="1"/>
+          <p:nvPr/>
+        </p:nvSpPr>
+        <p:spPr>
+          <a:xfrm>
+            <a:off x="1051231" y="4174430"/>
+            <a:ext cx="5324278" cy="1791260"/>
+          </a:xfrm>
+          <a:prstGeom prst="rect">
+            <a:avLst/>
+          </a:prstGeom>
+          <a:noFill/>
+        </p:spPr>
+        <p:txBody>
+          <a:bodyPr wrap="none" rtlCol="0">
+            <a:spAutoFit/>
+          </a:bodyPr>
+          <a:lstStyle/>
+          <a:p>
+            <a:pPr lvl="0" algn="ctr">
+              <a:spcBef>
+                <a:spcPct val="20000"/>
+              </a:spcBef>
+            </a:pPr>
+            <a:r>
+              <a:rPr lang="en-GB" sz="4200" dirty="0">
+                <a:solidFill>
+                  <a:prstClr val="black"/>
+                </a:solidFill>
+              </a:rPr>
+              <a:t>Join us at </a:t>
+            </a:r>
+            <a:r>
+              <a:rPr lang="en-GB" sz="4200" dirty="0">
+                <a:solidFill>
+                  <a:prstClr val="black"/>
+                </a:solidFill>
+                <a:hlinkClick r:id="rId6"/>
+              </a:rPr>
+              <a:t>cistools.net</a:t>
+            </a:r>
+            <a:endParaRPr lang="en-GB" sz="4200" dirty="0">
+              <a:solidFill>
+                <a:prstClr val="black"/>
+              </a:solidFill>
+            </a:endParaRPr>
+          </a:p>
+          <a:p>
+            <a:pPr lvl="0" algn="ctr">
+              <a:spcBef>
+                <a:spcPct val="20000"/>
+              </a:spcBef>
+            </a:pPr>
+            <a:r>
+              <a:rPr lang="en-GB" sz="4200" dirty="0">
+                <a:solidFill>
+                  <a:prstClr val="black"/>
+                </a:solidFill>
+              </a:rPr>
+              <a:t>Follow us @</a:t>
+            </a:r>
+            <a:r>
+              <a:rPr lang="en-GB" sz="4200" dirty="0" err="1">
+                <a:solidFill>
+                  <a:prstClr val="black"/>
+                </a:solidFill>
+              </a:rPr>
+              <a:t>cistoolsnet</a:t>
+            </a:r>
+            <a:r>
+              <a:rPr lang="en-GB" sz="4200" dirty="0">
+                <a:solidFill>
+                  <a:prstClr val="black"/>
+                </a:solidFill>
+              </a:rPr>
+              <a:t> </a:t>
+            </a:r>
+          </a:p>
+          <a:p>
+            <a:pPr algn="ctr"/>
+            <a:endParaRPr lang="en-GB" dirty="0"/>
+          </a:p>
+        </p:txBody>
+      </p:sp>
+    </p:spTree>
+    <p:extLst>
+      <p:ext uri="{BB962C8B-B14F-4D97-AF65-F5344CB8AC3E}">
+        <p14:creationId xmlns:p14="http://schemas.microsoft.com/office/powerpoint/2010/main" val="296141683"/>
+      </p:ext>
+    </p:extLst>
+  </p:cSld>
+  <p:clrMapOvr>
+    <a:masterClrMapping/>
+  </p:clrMapOvr>
+</p:sld>
+</file>
+
+<file path=ppt/slides/slide18.xml><?xml version="1.0" encoding="utf-8"?>
+<p:sld xmlns:a="http://schemas.openxmlformats.org/drawingml/2006/main" xmlns:r="http://schemas.openxmlformats.org/officeDocument/2006/relationships" xmlns:p="http://schemas.openxmlformats.org/presentationml/2006/main">
+  <p:cSld>
+    <p:spTree>
+      <p:nvGrpSpPr>
+        <p:cNvPr id="1" name=""/>
+        <p:cNvGrpSpPr/>
+        <p:nvPr/>
+      </p:nvGrpSpPr>
+      <p:grpSpPr>
+        <a:xfrm>
+          <a:off x="0" y="0"/>
+          <a:ext cx="0" cy="0"/>
+          <a:chOff x="0" y="0"/>
+          <a:chExt cx="0" cy="0"/>
+        </a:xfrm>
+      </p:grpSpPr>
+      <p:sp>
+        <p:nvSpPr>
+          <p:cNvPr id="2" name="Title 1">
+            <a:extLst>
+              <a:ext uri="{FF2B5EF4-FFF2-40B4-BE49-F238E27FC236}">
+                <a16:creationId xmlns:a16="http://schemas.microsoft.com/office/drawing/2014/main" id="{FF61A1EC-1B31-1B41-A6FF-7618B7B2598A}"/>
+              </a:ext>
+            </a:extLst>
+          </p:cNvPr>
+          <p:cNvSpPr>
+            <a:spLocks noGrp="1"/>
+          </p:cNvSpPr>
+          <p:nvPr>
+            <p:ph type="title"/>
+          </p:nvPr>
+        </p:nvSpPr>
+        <p:spPr/>
+        <p:txBody>
+          <a:bodyPr/>
+          <a:lstStyle/>
+          <a:p>
+            <a:r>
+              <a:rPr lang="en-US" dirty="0"/>
+              <a:t>Resources</a:t>
+            </a:r>
+          </a:p>
+        </p:txBody>
+      </p:sp>
+      <p:sp>
+        <p:nvSpPr>
+          <p:cNvPr id="3" name="Content Placeholder 2">
+            <a:extLst>
+              <a:ext uri="{FF2B5EF4-FFF2-40B4-BE49-F238E27FC236}">
+                <a16:creationId xmlns:a16="http://schemas.microsoft.com/office/drawing/2014/main" id="{176D6746-D5D0-8D4E-BDF7-72A344776DFA}"/>
+              </a:ext>
+            </a:extLst>
+          </p:cNvPr>
+          <p:cNvSpPr>
+            <a:spLocks noGrp="1"/>
+          </p:cNvSpPr>
+          <p:nvPr>
+            <p:ph idx="1"/>
+          </p:nvPr>
+        </p:nvSpPr>
+        <p:spPr/>
+        <p:txBody>
+          <a:bodyPr/>
+          <a:lstStyle/>
+          <a:p>
+            <a:r>
+              <a:rPr lang="en-US" dirty="0"/>
+              <a:t>Homepage: </a:t>
+            </a:r>
+            <a:r>
+              <a:rPr lang="en-US" dirty="0">
+                <a:hlinkClick r:id="rId2"/>
+              </a:rPr>
+              <a:t>http://cistools.net/</a:t>
+            </a:r>
+            <a:r>
+              <a:rPr lang="en-US" dirty="0"/>
+              <a:t> </a:t>
+            </a:r>
+          </a:p>
+          <a:p>
+            <a:r>
+              <a:rPr lang="en-US" dirty="0">
+                <a:hlinkClick r:id="rId3"/>
+              </a:rPr>
+              <a:t>CIS Workshop in 2016</a:t>
+            </a:r>
+            <a:endParaRPr lang="en-US" dirty="0"/>
+          </a:p>
+          <a:p>
+            <a:r>
+              <a:rPr lang="en-US" dirty="0">
+                <a:hlinkClick r:id="rId4"/>
+              </a:rPr>
+              <a:t>Jupyter Notebook</a:t>
+            </a:r>
+            <a:endParaRPr lang="en-US" dirty="0"/>
+          </a:p>
+          <a:p>
+            <a:r>
+              <a:rPr lang="en-US" dirty="0">
+                <a:hlinkClick r:id="rId5"/>
+              </a:rPr>
+              <a:t>Example Data</a:t>
+            </a:r>
+            <a:endParaRPr lang="en-US" dirty="0"/>
+          </a:p>
+          <a:p>
+            <a:r>
+              <a:rPr lang="en-US" dirty="0">
+                <a:hlinkClick r:id="rId6"/>
+              </a:rPr>
+              <a:t>CIS Paper</a:t>
+            </a:r>
+            <a:endParaRPr lang="en-US" dirty="0"/>
+          </a:p>
+        </p:txBody>
+      </p:sp>
+    </p:spTree>
+    <p:extLst>
+      <p:ext uri="{BB962C8B-B14F-4D97-AF65-F5344CB8AC3E}">
+        <p14:creationId xmlns:p14="http://schemas.microsoft.com/office/powerpoint/2010/main" val="2760846264"/>
+      </p:ext>
+    </p:extLst>
+  </p:cSld>
+  <p:clrMapOvr>
+    <a:masterClrMapping/>
+  </p:clrMapOvr>
+</p:sld>
+</file>
+
+<file path=ppt/slides/slide19.xml><?xml version="1.0" encoding="utf-8"?>
+<p:sld xmlns:a="http://schemas.openxmlformats.org/drawingml/2006/main" xmlns:r="http://schemas.openxmlformats.org/officeDocument/2006/relationships" xmlns:p="http://schemas.openxmlformats.org/presentationml/2006/main">
+  <p:cSld>
+    <p:spTree>
+      <p:nvGrpSpPr>
+        <p:cNvPr id="1" name=""/>
+        <p:cNvGrpSpPr/>
+        <p:nvPr/>
+      </p:nvGrpSpPr>
+      <p:grpSpPr>
+        <a:xfrm>
+          <a:off x="0" y="0"/>
+          <a:ext cx="0" cy="0"/>
+          <a:chOff x="0" y="0"/>
+          <a:chExt cx="0" cy="0"/>
+        </a:xfrm>
+      </p:grpSpPr>
+      <p:sp>
+        <p:nvSpPr>
+          <p:cNvPr id="2" name="Title 1"/>
+          <p:cNvSpPr>
+            <a:spLocks noGrp="1"/>
+          </p:cNvSpPr>
+          <p:nvPr>
+            <p:ph type="title"/>
+          </p:nvPr>
+        </p:nvSpPr>
+        <p:spPr/>
+        <p:txBody>
+          <a:bodyPr>
+            <a:normAutofit/>
+          </a:bodyPr>
+          <a:lstStyle/>
+          <a:p>
+            <a:r>
+              <a:rPr lang="en-US" dirty="0"/>
+              <a:t>Spare slides</a:t>
+            </a:r>
+            <a:endParaRPr lang="en-GB" dirty="0"/>
+          </a:p>
+        </p:txBody>
+      </p:sp>
+      <p:sp>
+        <p:nvSpPr>
+          <p:cNvPr id="4" name="Text Placeholder 3"/>
+          <p:cNvSpPr>
+            <a:spLocks noGrp="1"/>
+          </p:cNvSpPr>
+          <p:nvPr>
+            <p:ph type="body" idx="1"/>
+          </p:nvPr>
+        </p:nvSpPr>
+        <p:spPr/>
+        <p:txBody>
+          <a:bodyPr/>
+          <a:lstStyle/>
+          <a:p>
+            <a:endParaRPr lang="en-GB"/>
+          </a:p>
+        </p:txBody>
+      </p:sp>
+      <p:pic>
+        <p:nvPicPr>
+          <p:cNvPr id="7" name="Picture 6" descr="CIS-logo-blue-horizontal.ai"/>
+          <p:cNvPicPr>
+            <a:picLocks noChangeAspect="1"/>
+          </p:cNvPicPr>
+          <p:nvPr/>
+        </p:nvPicPr>
+        <p:blipFill>
+          <a:blip r:embed="rId2">
+            <a:extLst>
+              <a:ext uri="{28A0092B-C50C-407E-A947-70E740481C1C}">
+                <a14:useLocalDpi xmlns:a14="http://schemas.microsoft.com/office/drawing/2010/main" val="0"/>
+              </a:ext>
+            </a:extLst>
+          </a:blip>
+          <a:stretch>
+            <a:fillRect/>
+          </a:stretch>
+        </p:blipFill>
+        <p:spPr>
+          <a:xfrm>
+            <a:off x="176581" y="6142613"/>
+            <a:ext cx="2874105" cy="704438"/>
+          </a:xfrm>
+          <a:prstGeom prst="rect">
+            <a:avLst/>
+          </a:prstGeom>
+        </p:spPr>
+      </p:pic>
+      <p:cxnSp>
+        <p:nvCxnSpPr>
+          <p:cNvPr id="8" name="Straight Connector 7"/>
+          <p:cNvCxnSpPr/>
+          <p:nvPr/>
+        </p:nvCxnSpPr>
+        <p:spPr>
+          <a:xfrm>
+            <a:off x="176581" y="6087484"/>
+            <a:ext cx="8650111" cy="0"/>
+          </a:xfrm>
+          <a:prstGeom prst="line">
+            <a:avLst/>
+          </a:prstGeom>
+          <a:ln>
+            <a:solidFill>
+              <a:srgbClr val="1D224C"/>
+            </a:solidFill>
+          </a:ln>
+        </p:spPr>
+        <p:style>
+          <a:lnRef idx="2">
+            <a:schemeClr val="accent1"/>
+          </a:lnRef>
+          <a:fillRef idx="0">
+            <a:schemeClr val="accent1"/>
+          </a:fillRef>
+          <a:effectRef idx="1">
+            <a:schemeClr val="accent1"/>
+          </a:effectRef>
+          <a:fontRef idx="minor">
+            <a:schemeClr val="tx1"/>
+          </a:fontRef>
+        </p:style>
+      </p:cxnSp>
+      <p:pic>
+        <p:nvPicPr>
+          <p:cNvPr id="10" name="Picture 9"/>
+          <p:cNvPicPr>
+            <a:picLocks noChangeAspect="1"/>
+          </p:cNvPicPr>
+          <p:nvPr/>
+        </p:nvPicPr>
+        <p:blipFill>
+          <a:blip r:embed="rId3"/>
+          <a:stretch>
+            <a:fillRect/>
+          </a:stretch>
+        </p:blipFill>
+        <p:spPr>
+          <a:xfrm>
+            <a:off x="7213914" y="6232976"/>
+            <a:ext cx="1612778" cy="523063"/>
+          </a:xfrm>
+          <a:prstGeom prst="rect">
+            <a:avLst/>
+          </a:prstGeom>
+        </p:spPr>
+      </p:pic>
+    </p:spTree>
+    <p:extLst>
+      <p:ext uri="{BB962C8B-B14F-4D97-AF65-F5344CB8AC3E}">
+        <p14:creationId xmlns:p14="http://schemas.microsoft.com/office/powerpoint/2010/main" val="3982240163"/>
+      </p:ext>
+    </p:extLst>
+  </p:cSld>
+  <p:clrMapOvr>
+    <a:masterClrMapping/>
+  </p:clrMapOvr>
+</p:sld>
+</file>
+
+<file path=ppt/slides/slide2.xml><?xml version="1.0" encoding="utf-8"?>
+<p:sld xmlns:a="http://schemas.openxmlformats.org/drawingml/2006/main" xmlns:r="http://schemas.openxmlformats.org/officeDocument/2006/relationships" xmlns:p="http://schemas.openxmlformats.org/presentationml/2006/main">
+  <p:cSld>
+    <p:spTree>
+      <p:nvGrpSpPr>
+        <p:cNvPr id="1" name=""/>
+        <p:cNvGrpSpPr/>
+        <p:nvPr/>
+      </p:nvGrpSpPr>
+      <p:grpSpPr>
+        <a:xfrm>
+          <a:off x="0" y="0"/>
+          <a:ext cx="0" cy="0"/>
+          <a:chOff x="0" y="0"/>
+          <a:chExt cx="0" cy="0"/>
+        </a:xfrm>
+      </p:grpSpPr>
+      <p:sp>
+        <p:nvSpPr>
+          <p:cNvPr id="4" name="Title 1"/>
+          <p:cNvSpPr txBox="1">
+            <a:spLocks/>
+          </p:cNvSpPr>
+          <p:nvPr/>
+        </p:nvSpPr>
+        <p:spPr>
+          <a:xfrm>
+            <a:off x="386836" y="197996"/>
+            <a:ext cx="8229600" cy="656003"/>
+          </a:xfrm>
+          <a:prstGeom prst="rect">
+            <a:avLst/>
+          </a:prstGeom>
+        </p:spPr>
+        <p:txBody>
+          <a:bodyPr vert="horz" lIns="91440" tIns="45720" rIns="91440" bIns="45720" rtlCol="0" anchor="b">
+            <a:normAutofit fontScale="75000" lnSpcReduction="20000"/>
+          </a:bodyPr>
+          <a:lstStyle>
+            <a:lvl1pPr algn="ctr" defTabSz="914400" rtl="0" eaLnBrk="1" latinLnBrk="0" hangingPunct="1">
+              <a:lnSpc>
+                <a:spcPct val="90000"/>
+              </a:lnSpc>
+              <a:spcBef>
+                <a:spcPct val="0"/>
+              </a:spcBef>
+              <a:buNone/>
+              <a:defRPr sz="6000" kern="1200">
+                <a:solidFill>
+                  <a:schemeClr val="tx1"/>
+                </a:solidFill>
+                <a:latin typeface="+mj-lt"/>
+                <a:ea typeface="+mj-ea"/>
+                <a:cs typeface="+mj-cs"/>
+              </a:defRPr>
+            </a:lvl1pPr>
+          </a:lstStyle>
+          <a:p>
+            <a:r>
+              <a:rPr lang="en-US" dirty="0"/>
+              <a:t>What is CIS?</a:t>
+            </a:r>
+            <a:endParaRPr lang="en-GB" dirty="0"/>
+          </a:p>
+        </p:txBody>
+      </p:sp>
+      <p:pic>
+        <p:nvPicPr>
+          <p:cNvPr id="5" name="Picture 4" descr="CIS-logo-blue-horizontal.ai"/>
+          <p:cNvPicPr>
+            <a:picLocks noChangeAspect="1"/>
+          </p:cNvPicPr>
+          <p:nvPr/>
+        </p:nvPicPr>
+        <p:blipFill>
+          <a:blip r:embed="rId3" cstate="screen">
+            <a:extLst>
+              <a:ext uri="{28A0092B-C50C-407E-A947-70E740481C1C}">
+                <a14:useLocalDpi xmlns:a14="http://schemas.microsoft.com/office/drawing/2010/main"/>
+              </a:ext>
+            </a:extLst>
+          </a:blip>
+          <a:stretch>
+            <a:fillRect/>
+          </a:stretch>
+        </p:blipFill>
+        <p:spPr>
+          <a:xfrm>
+            <a:off x="176581" y="6142613"/>
+            <a:ext cx="2874105" cy="704438"/>
+          </a:xfrm>
+          <a:prstGeom prst="rect">
+            <a:avLst/>
+          </a:prstGeom>
+        </p:spPr>
+      </p:pic>
+      <p:cxnSp>
+        <p:nvCxnSpPr>
+          <p:cNvPr id="6" name="Straight Connector 5"/>
+          <p:cNvCxnSpPr/>
+          <p:nvPr/>
+        </p:nvCxnSpPr>
+        <p:spPr>
+          <a:xfrm>
+            <a:off x="176581" y="6087484"/>
+            <a:ext cx="8650111" cy="0"/>
+          </a:xfrm>
+          <a:prstGeom prst="line">
+            <a:avLst/>
+          </a:prstGeom>
+          <a:ln>
+            <a:solidFill>
+              <a:srgbClr val="1D224C"/>
+            </a:solidFill>
+          </a:ln>
+        </p:spPr>
+        <p:style>
+          <a:lnRef idx="2">
+            <a:schemeClr val="accent1"/>
+          </a:lnRef>
+          <a:fillRef idx="0">
+            <a:schemeClr val="accent1"/>
+          </a:fillRef>
+          <a:effectRef idx="1">
+            <a:schemeClr val="accent1"/>
+          </a:effectRef>
+          <a:fontRef idx="minor">
+            <a:schemeClr val="tx1"/>
+          </a:fontRef>
+        </p:style>
+      </p:cxnSp>
+      <p:pic>
+        <p:nvPicPr>
+          <p:cNvPr id="7" name="Picture 6"/>
+          <p:cNvPicPr>
+            <a:picLocks noChangeAspect="1"/>
+          </p:cNvPicPr>
+          <p:nvPr/>
+        </p:nvPicPr>
+        <p:blipFill>
+          <a:blip r:embed="rId4"/>
+          <a:stretch>
+            <a:fillRect/>
+          </a:stretch>
+        </p:blipFill>
+        <p:spPr>
+          <a:xfrm>
+            <a:off x="7213914" y="6232976"/>
+            <a:ext cx="1612778" cy="523063"/>
+          </a:xfrm>
+          <a:prstGeom prst="rect">
+            <a:avLst/>
+          </a:prstGeom>
+        </p:spPr>
+      </p:pic>
+      <p:graphicFrame>
+        <p:nvGraphicFramePr>
+          <p:cNvPr id="8" name="Diagram 7"/>
+          <p:cNvGraphicFramePr/>
+          <p:nvPr>
+            <p:extLst/>
+          </p:nvPr>
+        </p:nvGraphicFramePr>
+        <p:xfrm>
+          <a:off x="264568" y="1467463"/>
+          <a:ext cx="1938540" cy="4064000"/>
+        </p:xfrm>
+        <a:graphic>
+          <a:graphicData uri="http://schemas.openxmlformats.org/drawingml/2006/diagram">
+            <dgm:relIds xmlns:dgm="http://schemas.openxmlformats.org/drawingml/2006/diagram" xmlns:r="http://schemas.openxmlformats.org/officeDocument/2006/relationships" r:dm="rId5" r:lo="rId6" r:qs="rId7" r:cs="rId8"/>
+          </a:graphicData>
+        </a:graphic>
+      </p:graphicFrame>
+      <p:pic>
+        <p:nvPicPr>
+          <p:cNvPr id="9" name="Picture 8"/>
+          <p:cNvPicPr>
+            <a:picLocks noChangeAspect="1"/>
+          </p:cNvPicPr>
+          <p:nvPr/>
+        </p:nvPicPr>
+        <p:blipFill rotWithShape="1">
+          <a:blip r:embed="rId10" cstate="screen">
+            <a:extLst>
+              <a:ext uri="{28A0092B-C50C-407E-A947-70E740481C1C}">
+                <a14:useLocalDpi xmlns:a14="http://schemas.microsoft.com/office/drawing/2010/main"/>
+              </a:ext>
+            </a:extLst>
+          </a:blip>
+          <a:srcRect/>
+          <a:stretch/>
+        </p:blipFill>
+        <p:spPr>
+          <a:xfrm>
+            <a:off x="2873047" y="1265897"/>
+            <a:ext cx="2500998" cy="1491702"/>
+          </a:xfrm>
+          <a:prstGeom prst="rect">
+            <a:avLst/>
+          </a:prstGeom>
+        </p:spPr>
+      </p:pic>
+      <p:pic>
+        <p:nvPicPr>
+          <p:cNvPr id="10" name="Picture 9"/>
+          <p:cNvPicPr>
+            <a:picLocks noChangeAspect="1"/>
+          </p:cNvPicPr>
+          <p:nvPr/>
+        </p:nvPicPr>
+        <p:blipFill rotWithShape="1">
+          <a:blip r:embed="rId11" cstate="screen">
+            <a:extLst>
+              <a:ext uri="{28A0092B-C50C-407E-A947-70E740481C1C}">
+                <a14:useLocalDpi xmlns:a14="http://schemas.microsoft.com/office/drawing/2010/main"/>
+              </a:ext>
+            </a:extLst>
+          </a:blip>
+          <a:srcRect/>
+          <a:stretch/>
+        </p:blipFill>
+        <p:spPr>
+          <a:xfrm>
+            <a:off x="2898057" y="2757599"/>
+            <a:ext cx="2475988" cy="1483728"/>
+          </a:xfrm>
+          <a:prstGeom prst="rect">
+            <a:avLst/>
+          </a:prstGeom>
+        </p:spPr>
+      </p:pic>
+      <p:pic>
+        <p:nvPicPr>
+          <p:cNvPr id="11" name="Picture 10"/>
+          <p:cNvPicPr>
+            <a:picLocks noChangeAspect="1"/>
+          </p:cNvPicPr>
+          <p:nvPr/>
+        </p:nvPicPr>
+        <p:blipFill rotWithShape="1">
+          <a:blip r:embed="rId12" cstate="screen">
+            <a:extLst>
+              <a:ext uri="{28A0092B-C50C-407E-A947-70E740481C1C}">
+                <a14:useLocalDpi xmlns:a14="http://schemas.microsoft.com/office/drawing/2010/main"/>
+              </a:ext>
+            </a:extLst>
+          </a:blip>
+          <a:srcRect/>
+          <a:stretch/>
+        </p:blipFill>
+        <p:spPr>
+          <a:xfrm>
+            <a:off x="2898057" y="4317580"/>
+            <a:ext cx="2501618" cy="1491894"/>
+          </a:xfrm>
+          <a:prstGeom prst="rect">
+            <a:avLst/>
+          </a:prstGeom>
+        </p:spPr>
+      </p:pic>
+      <p:sp>
+        <p:nvSpPr>
+          <p:cNvPr id="12" name="TextBox 11"/>
+          <p:cNvSpPr txBox="1"/>
+          <p:nvPr/>
+        </p:nvSpPr>
+        <p:spPr>
+          <a:xfrm>
+            <a:off x="5740400" y="1827082"/>
+            <a:ext cx="1600053" cy="369332"/>
+          </a:xfrm>
+          <a:prstGeom prst="rect">
+            <a:avLst/>
+          </a:prstGeom>
+          <a:noFill/>
+        </p:spPr>
+        <p:txBody>
+          <a:bodyPr wrap="none" rtlCol="0">
+            <a:spAutoFit/>
+          </a:bodyPr>
+          <a:lstStyle/>
+          <a:p>
+            <a:r>
+              <a:rPr lang="en-US" dirty="0"/>
+              <a:t>Read your data</a:t>
+            </a:r>
+          </a:p>
+        </p:txBody>
+      </p:sp>
+      <p:sp>
+        <p:nvSpPr>
+          <p:cNvPr id="13" name="TextBox 12"/>
+          <p:cNvSpPr txBox="1"/>
+          <p:nvPr/>
+        </p:nvSpPr>
+        <p:spPr>
+          <a:xfrm>
+            <a:off x="5740399" y="3169497"/>
+            <a:ext cx="1856790" cy="369332"/>
+          </a:xfrm>
+          <a:prstGeom prst="rect">
+            <a:avLst/>
+          </a:prstGeom>
+          <a:noFill/>
+        </p:spPr>
+        <p:txBody>
+          <a:bodyPr wrap="none" rtlCol="0">
+            <a:spAutoFit/>
+          </a:bodyPr>
+          <a:lstStyle/>
+          <a:p>
+            <a:r>
+              <a:rPr lang="en-US" dirty="0" err="1"/>
+              <a:t>Analyse</a:t>
+            </a:r>
+            <a:r>
+              <a:rPr lang="en-US" dirty="0"/>
+              <a:t> your data</a:t>
+            </a:r>
+          </a:p>
+        </p:txBody>
+      </p:sp>
+      <p:sp>
+        <p:nvSpPr>
+          <p:cNvPr id="14" name="TextBox 13"/>
+          <p:cNvSpPr txBox="1"/>
+          <p:nvPr/>
+        </p:nvSpPr>
+        <p:spPr>
+          <a:xfrm>
+            <a:off x="5740399" y="4878861"/>
+            <a:ext cx="1948610" cy="369332"/>
+          </a:xfrm>
+          <a:prstGeom prst="rect">
+            <a:avLst/>
+          </a:prstGeom>
+          <a:noFill/>
+        </p:spPr>
+        <p:txBody>
+          <a:bodyPr wrap="none" rtlCol="0">
+            <a:spAutoFit/>
+          </a:bodyPr>
+          <a:lstStyle/>
+          <a:p>
+            <a:r>
+              <a:rPr lang="en-US" dirty="0" err="1"/>
+              <a:t>Visualise</a:t>
+            </a:r>
+            <a:r>
+              <a:rPr lang="en-US" dirty="0"/>
+              <a:t> your data</a:t>
+            </a:r>
+          </a:p>
+        </p:txBody>
+      </p:sp>
+      <p:sp>
+        <p:nvSpPr>
+          <p:cNvPr id="15" name="TextBox 14">
+            <a:extLst>
+              <a:ext uri="{FF2B5EF4-FFF2-40B4-BE49-F238E27FC236}">
+                <a16:creationId xmlns:a16="http://schemas.microsoft.com/office/drawing/2014/main" id="{ABCE078D-B910-9F45-8B20-6F15307ED61B}"/>
+              </a:ext>
+            </a:extLst>
+          </p:cNvPr>
+          <p:cNvSpPr txBox="1"/>
+          <p:nvPr/>
+        </p:nvSpPr>
+        <p:spPr>
+          <a:xfrm>
+            <a:off x="176581" y="713729"/>
+            <a:ext cx="8860541" cy="523220"/>
+          </a:xfrm>
+          <a:prstGeom prst="rect">
+            <a:avLst/>
+          </a:prstGeom>
+          <a:noFill/>
+        </p:spPr>
+        <p:txBody>
+          <a:bodyPr wrap="square" rtlCol="0">
+            <a:spAutoFit/>
+          </a:bodyPr>
+          <a:lstStyle/>
+          <a:p>
+            <a:r>
+              <a:rPr lang="en-US" sz="2800" i="1" dirty="0"/>
+              <a:t>“CDO for Observational Data”: Satellite, in-situ and model. </a:t>
+            </a:r>
+          </a:p>
+        </p:txBody>
+      </p:sp>
+    </p:spTree>
+    <p:extLst>
+      <p:ext uri="{BB962C8B-B14F-4D97-AF65-F5344CB8AC3E}">
+        <p14:creationId xmlns:p14="http://schemas.microsoft.com/office/powerpoint/2010/main" val="2042305627"/>
+      </p:ext>
+    </p:extLst>
+  </p:cSld>
+  <p:clrMapOvr>
+    <a:masterClrMapping/>
+  </p:clrMapOvr>
+</p:sld>
+</file>
+
+<file path=ppt/slides/slide20.xml><?xml version="1.0" encoding="utf-8"?>
+<p:sld xmlns:a="http://schemas.openxmlformats.org/drawingml/2006/main" xmlns:r="http://schemas.openxmlformats.org/officeDocument/2006/relationships" xmlns:p="http://schemas.openxmlformats.org/presentationml/2006/main">
+  <p:cSld>
+    <p:spTree>
+      <p:nvGrpSpPr>
+        <p:cNvPr id="1" name=""/>
+        <p:cNvGrpSpPr/>
+        <p:nvPr/>
+      </p:nvGrpSpPr>
+      <p:grpSpPr>
+        <a:xfrm>
+          <a:off x="0" y="0"/>
+          <a:ext cx="0" cy="0"/>
+          <a:chOff x="0" y="0"/>
+          <a:chExt cx="0" cy="0"/>
+        </a:xfrm>
+      </p:grpSpPr>
+      <p:sp>
+        <p:nvSpPr>
+          <p:cNvPr id="2" name="Title 1"/>
+          <p:cNvSpPr>
+            <a:spLocks noGrp="1"/>
+          </p:cNvSpPr>
+          <p:nvPr>
+            <p:ph type="title"/>
+          </p:nvPr>
+        </p:nvSpPr>
+        <p:spPr>
+          <a:noFill/>
+        </p:spPr>
+        <p:txBody>
+          <a:bodyPr>
+            <a:normAutofit/>
+          </a:bodyPr>
+          <a:lstStyle/>
+          <a:p>
+            <a:r>
+              <a:rPr lang="en-US" dirty="0"/>
               <a:t>Collocation command</a:t>
             </a:r>
-            <a:endParaRPr lang="en-US" dirty="0"/>
           </a:p>
         </p:txBody>
       </p:sp>
@@ -18175,10 +20295,9 @@
           <a:lstStyle/>
           <a:p>
             <a:r>
-              <a:rPr lang="en-US" sz="1400" dirty="0" smtClean="0"/>
+              <a:rPr lang="en-US" sz="1400" dirty="0"/>
               <a:t>Data that will be remapped</a:t>
             </a:r>
-            <a:endParaRPr lang="en-US" sz="1400" dirty="0"/>
           </a:p>
         </p:txBody>
       </p:sp>
@@ -18206,21 +20325,16 @@
           <a:p>
             <a:r>
               <a:rPr lang="en-US" sz="1400" dirty="0"/>
-              <a:t>N</a:t>
-            </a:r>
-            <a:r>
-              <a:rPr lang="en-US" sz="1400" dirty="0" smtClean="0"/>
-              <a:t>ew </a:t>
-            </a:r>
-            <a:r>
-              <a:rPr lang="en-US" sz="1400" dirty="0" err="1" smtClean="0"/>
+              <a:t>New </a:t>
+            </a:r>
+            <a:r>
+              <a:rPr lang="en-US" sz="1400" dirty="0" err="1"/>
               <a:t>spatio</a:t>
             </a:r>
             <a:r>
-              <a:rPr lang="en-US" sz="1400" dirty="0" smtClean="0"/>
+              <a:rPr lang="en-US" sz="1400" dirty="0"/>
               <a:t>-temporal sampling</a:t>
             </a:r>
-            <a:endParaRPr lang="en-US" sz="1400" dirty="0"/>
           </a:p>
         </p:txBody>
       </p:sp>
@@ -18249,16 +20363,8 @@
           <a:lstStyle/>
           <a:p>
             <a:r>
-              <a:rPr lang="en-US" sz="2400" dirty="0" smtClean="0"/>
+              <a:rPr lang="en-US" sz="2400" dirty="0"/>
               <a:t>CIS  </a:t>
-            </a:r>
-            <a:r>
-              <a:rPr lang="en-US" sz="2400" dirty="0" smtClean="0">
-                <a:solidFill>
-                  <a:schemeClr val="accent1"/>
-                </a:solidFill>
-              </a:rPr>
-              <a:t>col </a:t>
             </a:r>
             <a:r>
               <a:rPr lang="en-US" sz="2400" dirty="0">
@@ -18266,25 +20372,15 @@
                   <a:schemeClr val="accent1"/>
                 </a:solidFill>
               </a:rPr>
-              <a:t> </a:t>
-            </a:r>
-            <a:r>
-              <a:rPr lang="en-US" sz="2400" dirty="0" smtClean="0">
+              <a:t>col  </a:t>
+            </a:r>
+            <a:r>
+              <a:rPr lang="en-US" sz="2400" dirty="0">
                 <a:solidFill>
                   <a:schemeClr val="accent2"/>
                 </a:solidFill>
               </a:rPr>
               <a:t>&lt;source&gt; </a:t>
-            </a:r>
-            <a:r>
-              <a:rPr lang="en-US" sz="2400" dirty="0" smtClean="0">
-                <a:solidFill>
-                  <a:schemeClr val="accent6">
-                    <a:lumMod val="75000"/>
-                  </a:schemeClr>
-                </a:solidFill>
-              </a:rPr>
-              <a:t> </a:t>
             </a:r>
             <a:r>
               <a:rPr lang="en-US" sz="2400" dirty="0">
@@ -18294,24 +20390,14 @@
                   </a:schemeClr>
                 </a:solidFill>
               </a:rPr>
-              <a:t>&lt;</a:t>
-            </a:r>
-            <a:r>
-              <a:rPr lang="en-US" sz="2400" dirty="0" smtClean="0">
-                <a:solidFill>
-                  <a:schemeClr val="accent6">
-                    <a:lumMod val="75000"/>
-                  </a:schemeClr>
-                </a:solidFill>
-              </a:rPr>
-              <a:t>sample&gt;</a:t>
-            </a:r>
-            <a:r>
-              <a:rPr lang="en-US" sz="2400" dirty="0" smtClean="0"/>
+              <a:t> &lt;sample&gt;</a:t>
+            </a:r>
+            <a:r>
+              <a:rPr lang="en-US" sz="2400" dirty="0"/>
               <a:t>:</a:t>
             </a:r>
             <a:r>
-              <a:rPr lang="en-US" sz="2400" dirty="0" smtClean="0">
+              <a:rPr lang="en-US" sz="2400" dirty="0">
                 <a:solidFill>
                   <a:schemeClr val="accent3">
                     <a:lumMod val="50000"/>
@@ -18321,7 +20407,7 @@
               <a:t>&lt;options&gt;</a:t>
             </a:r>
             <a:r>
-              <a:rPr lang="en-US" sz="2400" dirty="0" smtClean="0">
+              <a:rPr lang="en-US" sz="2400" dirty="0">
                 <a:solidFill>
                   <a:schemeClr val="accent3">
                     <a:lumMod val="75000"/>
@@ -18331,18 +20417,13 @@
               <a:t> </a:t>
             </a:r>
             <a:r>
-              <a:rPr lang="en-US" sz="2400" dirty="0" smtClean="0">
+              <a:rPr lang="en-US" sz="2400" dirty="0">
                 <a:solidFill>
                   <a:schemeClr val="accent4"/>
                 </a:solidFill>
               </a:rPr>
               <a:t>-o &lt;output&gt;</a:t>
             </a:r>
-            <a:endParaRPr lang="en-US" sz="2400" dirty="0">
-              <a:solidFill>
-                <a:schemeClr val="accent4"/>
-              </a:solidFill>
-            </a:endParaRPr>
           </a:p>
         </p:txBody>
       </p:sp>
@@ -18371,11 +20452,11 @@
           <a:lstStyle/>
           <a:p>
             <a:r>
-              <a:rPr lang="en-US" dirty="0" smtClean="0"/>
+              <a:rPr lang="en-US" dirty="0"/>
               <a:t>CIS  </a:t>
             </a:r>
             <a:r>
-              <a:rPr lang="en-US" dirty="0" smtClean="0">
+              <a:rPr lang="en-US" dirty="0">
                 <a:solidFill>
                   <a:schemeClr val="accent1"/>
                 </a:solidFill>
@@ -18383,7 +20464,7 @@
               <a:t>col  </a:t>
             </a:r>
             <a:r>
-              <a:rPr lang="en-US" dirty="0" smtClean="0">
+              <a:rPr lang="en-US" dirty="0">
                 <a:solidFill>
                   <a:schemeClr val="accent2"/>
                 </a:solidFill>
@@ -18391,7 +20472,7 @@
               <a:t>&lt;variable&gt;:&lt;model data&gt; </a:t>
             </a:r>
             <a:r>
-              <a:rPr lang="en-US" dirty="0" smtClean="0">
+              <a:rPr lang="en-US" dirty="0">
                 <a:solidFill>
                   <a:schemeClr val="accent5"/>
                 </a:solidFill>
@@ -18399,7 +20480,7 @@
               <a:t> </a:t>
             </a:r>
             <a:r>
-              <a:rPr lang="en-US" dirty="0" smtClean="0">
+              <a:rPr lang="en-US" dirty="0">
                 <a:solidFill>
                   <a:schemeClr val="accent6"/>
                 </a:solidFill>
@@ -18407,7 +20488,7 @@
               <a:t>&lt;</a:t>
             </a:r>
             <a:r>
-              <a:rPr lang="en-US" dirty="0" err="1" smtClean="0">
+              <a:rPr lang="en-US" dirty="0" err="1">
                 <a:solidFill>
                   <a:schemeClr val="accent6"/>
                 </a:solidFill>
@@ -18415,7 +20496,7 @@
               <a:t>obs</a:t>
             </a:r>
             <a:r>
-              <a:rPr lang="en-US" dirty="0" smtClean="0">
+              <a:rPr lang="en-US" dirty="0">
                 <a:solidFill>
                   <a:schemeClr val="accent6"/>
                 </a:solidFill>
@@ -18423,11 +20504,11 @@
               <a:t> data&gt;</a:t>
             </a:r>
             <a:r>
-              <a:rPr lang="en-US" dirty="0" smtClean="0"/>
+              <a:rPr lang="en-US" dirty="0"/>
               <a:t>:</a:t>
             </a:r>
             <a:r>
-              <a:rPr lang="en-US" dirty="0" err="1" smtClean="0">
+              <a:rPr lang="en-US" dirty="0" err="1">
                 <a:solidFill>
                   <a:schemeClr val="accent3">
                     <a:lumMod val="50000"/>
@@ -18437,7 +20518,7 @@
               <a:t>collocator</a:t>
             </a:r>
             <a:r>
-              <a:rPr lang="en-US" dirty="0" smtClean="0">
+              <a:rPr lang="en-US" dirty="0">
                 <a:solidFill>
                   <a:schemeClr val="accent3">
                     <a:lumMod val="50000"/>
@@ -18447,7 +20528,7 @@
               <a:t>=</a:t>
             </a:r>
             <a:r>
-              <a:rPr lang="en-US" dirty="0" err="1" smtClean="0">
+              <a:rPr lang="en-US" dirty="0" err="1">
                 <a:solidFill>
                   <a:schemeClr val="accent3">
                     <a:lumMod val="50000"/>
@@ -18491,11 +20572,11 @@
           <a:lstStyle/>
           <a:p>
             <a:r>
-              <a:rPr lang="en-US" dirty="0" smtClean="0"/>
+              <a:rPr lang="en-US" dirty="0"/>
               <a:t>CIS  </a:t>
             </a:r>
             <a:r>
-              <a:rPr lang="en-US" dirty="0" smtClean="0">
+              <a:rPr lang="en-US" dirty="0">
                 <a:solidFill>
                   <a:schemeClr val="accent1"/>
                 </a:solidFill>
@@ -18503,7 +20584,7 @@
               <a:t>col  </a:t>
             </a:r>
             <a:r>
-              <a:rPr lang="en-US" dirty="0" smtClean="0">
+              <a:rPr lang="en-US" dirty="0">
                 <a:solidFill>
                   <a:schemeClr val="accent2"/>
                 </a:solidFill>
@@ -18511,7 +20592,7 @@
               <a:t>&lt;variable&gt;:&lt;</a:t>
             </a:r>
             <a:r>
-              <a:rPr lang="en-US" dirty="0" err="1" smtClean="0">
+              <a:rPr lang="en-US" dirty="0" err="1">
                 <a:solidFill>
                   <a:schemeClr val="accent2"/>
                 </a:solidFill>
@@ -18519,7 +20600,7 @@
               <a:t>obs</a:t>
             </a:r>
             <a:r>
-              <a:rPr lang="en-US" dirty="0" smtClean="0">
+              <a:rPr lang="en-US" dirty="0">
                 <a:solidFill>
                   <a:schemeClr val="accent2"/>
                 </a:solidFill>
@@ -18527,7 +20608,7 @@
               <a:t> data&gt; </a:t>
             </a:r>
             <a:r>
-              <a:rPr lang="en-US" dirty="0" smtClean="0">
+              <a:rPr lang="en-US" dirty="0">
                 <a:solidFill>
                   <a:schemeClr val="accent5"/>
                 </a:solidFill>
@@ -18535,7 +20616,7 @@
               <a:t> </a:t>
             </a:r>
             <a:r>
-              <a:rPr lang="en-US" dirty="0" smtClean="0">
+              <a:rPr lang="en-US" dirty="0">
                 <a:solidFill>
                   <a:schemeClr val="accent6"/>
                 </a:solidFill>
@@ -18543,11 +20624,11 @@
               <a:t>&lt;model data&gt;</a:t>
             </a:r>
             <a:r>
-              <a:rPr lang="en-US" dirty="0" smtClean="0"/>
+              <a:rPr lang="en-US" dirty="0"/>
               <a:t>:</a:t>
             </a:r>
             <a:r>
-              <a:rPr lang="en-US" dirty="0" err="1" smtClean="0">
+              <a:rPr lang="en-US" dirty="0" err="1">
                 <a:solidFill>
                   <a:schemeClr val="accent3">
                     <a:lumMod val="50000"/>
@@ -18557,7 +20638,7 @@
               <a:t>collocator</a:t>
             </a:r>
             <a:r>
-              <a:rPr lang="en-US" dirty="0" smtClean="0">
+              <a:rPr lang="en-US" dirty="0">
                 <a:solidFill>
                   <a:schemeClr val="accent3">
                     <a:lumMod val="50000"/>
@@ -18567,7 +20648,7 @@
               <a:t>=</a:t>
             </a:r>
             <a:r>
-              <a:rPr lang="en-US" dirty="0" err="1" smtClean="0">
+              <a:rPr lang="en-US" dirty="0" err="1">
                 <a:solidFill>
                   <a:schemeClr val="accent3">
                     <a:lumMod val="50000"/>
@@ -18577,7 +20658,7 @@
               <a:t>bin,kernel</a:t>
             </a:r>
             <a:r>
-              <a:rPr lang="en-US" dirty="0" smtClean="0">
+              <a:rPr lang="en-US" dirty="0">
                 <a:solidFill>
                   <a:schemeClr val="accent3">
                     <a:lumMod val="50000"/>
@@ -18586,13 +20667,6 @@
               </a:rPr>
               <a:t>=mean</a:t>
             </a:r>
-            <a:endParaRPr lang="en-US" dirty="0">
-              <a:solidFill>
-                <a:schemeClr val="accent3">
-                  <a:lumMod val="50000"/>
-                </a:schemeClr>
-              </a:solidFill>
-            </a:endParaRPr>
           </a:p>
         </p:txBody>
       </p:sp>
@@ -18621,11 +20695,11 @@
           <a:lstStyle/>
           <a:p>
             <a:r>
-              <a:rPr lang="en-US" dirty="0" smtClean="0"/>
+              <a:rPr lang="en-US" dirty="0"/>
               <a:t>CIS  </a:t>
             </a:r>
             <a:r>
-              <a:rPr lang="en-US" dirty="0" smtClean="0">
+              <a:rPr lang="en-US" dirty="0">
                 <a:solidFill>
                   <a:schemeClr val="accent1"/>
                 </a:solidFill>
@@ -18633,7 +20707,7 @@
               <a:t>col  </a:t>
             </a:r>
             <a:r>
-              <a:rPr lang="en-US" dirty="0" smtClean="0">
+              <a:rPr lang="en-US" dirty="0">
                 <a:solidFill>
                   <a:schemeClr val="accent2"/>
                 </a:solidFill>
@@ -18641,7 +20715,7 @@
               <a:t>&lt;variable&gt;:&lt;model data&gt; </a:t>
             </a:r>
             <a:r>
-              <a:rPr lang="en-US" dirty="0" smtClean="0">
+              <a:rPr lang="en-US" dirty="0">
                 <a:solidFill>
                   <a:schemeClr val="accent5"/>
                 </a:solidFill>
@@ -18649,7 +20723,7 @@
               <a:t> </a:t>
             </a:r>
             <a:r>
-              <a:rPr lang="en-US" dirty="0" smtClean="0">
+              <a:rPr lang="en-US" dirty="0">
                 <a:solidFill>
                   <a:schemeClr val="accent6">
                     <a:lumMod val="75000"/>
@@ -18659,7 +20733,7 @@
               <a:t>&lt;model data&gt;:</a:t>
             </a:r>
             <a:r>
-              <a:rPr lang="en-US" dirty="0" err="1" smtClean="0">
+              <a:rPr lang="en-US" dirty="0" err="1">
                 <a:solidFill>
                   <a:schemeClr val="accent3">
                     <a:lumMod val="50000"/>
@@ -18669,7 +20743,7 @@
               <a:t>collocator</a:t>
             </a:r>
             <a:r>
-              <a:rPr lang="en-US" dirty="0" smtClean="0">
+              <a:rPr lang="en-US" dirty="0">
                 <a:solidFill>
                   <a:schemeClr val="accent3">
                     <a:lumMod val="50000"/>
@@ -18679,7 +20753,7 @@
               <a:t>=</a:t>
             </a:r>
             <a:r>
-              <a:rPr lang="en-US" dirty="0" err="1" smtClean="0">
+              <a:rPr lang="en-US" dirty="0" err="1">
                 <a:solidFill>
                   <a:schemeClr val="accent3">
                     <a:lumMod val="50000"/>
@@ -18723,11 +20797,11 @@
           <a:lstStyle/>
           <a:p>
             <a:r>
-              <a:rPr lang="en-US" dirty="0" smtClean="0"/>
+              <a:rPr lang="en-US" dirty="0"/>
               <a:t>CIS  </a:t>
             </a:r>
             <a:r>
-              <a:rPr lang="en-US" dirty="0" smtClean="0">
+              <a:rPr lang="en-US" dirty="0">
                 <a:solidFill>
                   <a:schemeClr val="accent1"/>
                 </a:solidFill>
@@ -18735,7 +20809,7 @@
               <a:t>col  </a:t>
             </a:r>
             <a:r>
-              <a:rPr lang="en-US" dirty="0" smtClean="0">
+              <a:rPr lang="en-US" dirty="0">
                 <a:solidFill>
                   <a:schemeClr val="accent2"/>
                 </a:solidFill>
@@ -18743,7 +20817,7 @@
               <a:t>&lt;variable&gt;:&lt;</a:t>
             </a:r>
             <a:r>
-              <a:rPr lang="en-US" dirty="0" err="1" smtClean="0">
+              <a:rPr lang="en-US" dirty="0" err="1">
                 <a:solidFill>
                   <a:schemeClr val="accent2"/>
                 </a:solidFill>
@@ -18751,7 +20825,7 @@
               <a:t>obs</a:t>
             </a:r>
             <a:r>
-              <a:rPr lang="en-US" dirty="0" smtClean="0">
+              <a:rPr lang="en-US" dirty="0">
                 <a:solidFill>
                   <a:schemeClr val="accent2"/>
                 </a:solidFill>
@@ -18759,7 +20833,7 @@
               <a:t> data&gt; </a:t>
             </a:r>
             <a:r>
-              <a:rPr lang="en-US" dirty="0" smtClean="0">
+              <a:rPr lang="en-US" dirty="0">
                 <a:solidFill>
                   <a:schemeClr val="accent5"/>
                 </a:solidFill>
@@ -18767,7 +20841,7 @@
               <a:t> </a:t>
             </a:r>
             <a:r>
-              <a:rPr lang="en-US" dirty="0" smtClean="0">
+              <a:rPr lang="en-US" dirty="0">
                 <a:solidFill>
                   <a:schemeClr val="accent6"/>
                 </a:solidFill>
@@ -18775,7 +20849,7 @@
               <a:t>&lt;other </a:t>
             </a:r>
             <a:r>
-              <a:rPr lang="en-US" dirty="0" err="1" smtClean="0">
+              <a:rPr lang="en-US" dirty="0" err="1">
                 <a:solidFill>
                   <a:schemeClr val="accent6"/>
                 </a:solidFill>
@@ -18783,7 +20857,7 @@
               <a:t>obs</a:t>
             </a:r>
             <a:r>
-              <a:rPr lang="en-US" dirty="0" smtClean="0">
+              <a:rPr lang="en-US" dirty="0">
                 <a:solidFill>
                   <a:schemeClr val="accent6"/>
                 </a:solidFill>
@@ -18791,11 +20865,11 @@
               <a:t> data&gt;</a:t>
             </a:r>
             <a:r>
-              <a:rPr lang="en-US" dirty="0" smtClean="0"/>
+              <a:rPr lang="en-US" dirty="0"/>
               <a:t>:</a:t>
             </a:r>
             <a:r>
-              <a:rPr lang="en-US" dirty="0" err="1" smtClean="0">
+              <a:rPr lang="en-US" dirty="0" err="1">
                 <a:solidFill>
                   <a:schemeClr val="accent3">
                     <a:lumMod val="50000"/>
@@ -18805,7 +20879,7 @@
               <a:t>collocator</a:t>
             </a:r>
             <a:r>
-              <a:rPr lang="en-US" dirty="0" smtClean="0">
+              <a:rPr lang="en-US" dirty="0">
                 <a:solidFill>
                   <a:schemeClr val="accent3">
                     <a:lumMod val="50000"/>
@@ -18814,13 +20888,6 @@
               </a:rPr>
               <a:t>=box[&lt;options&gt;]</a:t>
             </a:r>
-            <a:endParaRPr lang="en-US" dirty="0">
-              <a:solidFill>
-                <a:schemeClr val="accent3">
-                  <a:lumMod val="50000"/>
-                </a:schemeClr>
-              </a:solidFill>
-            </a:endParaRPr>
           </a:p>
         </p:txBody>
       </p:sp>
@@ -18834,17 +20901,10 @@
   <p:clrMapOvr>
     <a:masterClrMapping/>
   </p:clrMapOvr>
-  <p:timing>
-    <p:tnLst>
-      <p:par>
-        <p:cTn id="1" dur="indefinite" restart="never" nodeType="tmRoot"/>
-      </p:par>
-    </p:tnLst>
-  </p:timing>
 </p:sld>
 </file>
 
-<file path=ppt/slides/slide15.xml><?xml version="1.0" encoding="utf-8"?>
+<file path=ppt/slides/slide21.xml><?xml version="1.0" encoding="utf-8"?>
 <p:sld xmlns:a="http://schemas.openxmlformats.org/drawingml/2006/main" xmlns:r="http://schemas.openxmlformats.org/officeDocument/2006/relationships" xmlns:p="http://schemas.openxmlformats.org/presentationml/2006/main">
   <p:cSld>
     <p:spTree>
@@ -18881,10 +20941,9 @@
           <a:lstStyle/>
           <a:p>
             <a:r>
-              <a:rPr lang="en-US" dirty="0" smtClean="0"/>
+              <a:rPr lang="en-US" dirty="0"/>
               <a:t>Collocation options</a:t>
             </a:r>
-            <a:endParaRPr lang="en-US" dirty="0"/>
           </a:p>
         </p:txBody>
       </p:sp>
@@ -19002,9 +21061,27 @@
                 <a:tableStyleId>{5C22544A-7EE6-4342-B048-85BDC9FD1C3A}</a:tableStyleId>
               </a:tblPr>
               <a:tblGrid>
-                <a:gridCol w="2032000"/>
-                <a:gridCol w="2032000"/>
-                <a:gridCol w="2032000"/>
+                <a:gridCol w="2032000">
+                  <a:extLst>
+                    <a:ext uri="{9D8B030D-6E8A-4147-A177-3AD203B41FA5}">
+                      <a16:colId xmlns:a16="http://schemas.microsoft.com/office/drawing/2014/main" val="20000"/>
+                    </a:ext>
+                  </a:extLst>
+                </a:gridCol>
+                <a:gridCol w="2032000">
+                  <a:extLst>
+                    <a:ext uri="{9D8B030D-6E8A-4147-A177-3AD203B41FA5}">
+                      <a16:colId xmlns:a16="http://schemas.microsoft.com/office/drawing/2014/main" val="20001"/>
+                    </a:ext>
+                  </a:extLst>
+                </a:gridCol>
+                <a:gridCol w="2032000">
+                  <a:extLst>
+                    <a:ext uri="{9D8B030D-6E8A-4147-A177-3AD203B41FA5}">
+                      <a16:colId xmlns:a16="http://schemas.microsoft.com/office/drawing/2014/main" val="20002"/>
+                    </a:ext>
+                  </a:extLst>
+                </a:gridCol>
               </a:tblGrid>
               <a:tr h="370840">
                 <a:tc>
@@ -19023,10 +21100,9 @@
                     <a:lstStyle/>
                     <a:p>
                       <a:r>
-                        <a:rPr lang="en-US" sz="2400" dirty="0" smtClean="0"/>
+                        <a:rPr lang="en-US" sz="2400" dirty="0"/>
                         <a:t>gridded</a:t>
                       </a:r>
-                      <a:endParaRPr lang="en-US" sz="2400" dirty="0"/>
                     </a:p>
                   </a:txBody>
                   <a:tcPr/>
@@ -19037,7 +21113,7 @@
                     <a:lstStyle/>
                     <a:p>
                       <a:r>
-                        <a:rPr lang="en-US" sz="2400" dirty="0" err="1" smtClean="0"/>
+                        <a:rPr lang="en-US" sz="2400" dirty="0" err="1"/>
                         <a:t>ungridded</a:t>
                       </a:r>
                       <a:endParaRPr lang="en-US" sz="2400" dirty="0"/>
@@ -19045,6 +21121,11 @@
                   </a:txBody>
                   <a:tcPr/>
                 </a:tc>
+                <a:extLst>
+                  <a:ext uri="{0D108BD9-81ED-4DB2-BD59-A6C34878D82A}">
+                    <a16:rowId xmlns:a16="http://schemas.microsoft.com/office/drawing/2014/main" val="10000"/>
+                  </a:ext>
+                </a:extLst>
               </a:tr>
               <a:tr h="370840">
                 <a:tc>
@@ -19053,10 +21134,9 @@
                     <a:lstStyle/>
                     <a:p>
                       <a:r>
-                        <a:rPr lang="en-US" sz="2400" dirty="0" smtClean="0"/>
+                        <a:rPr lang="en-US" sz="2400" dirty="0"/>
                         <a:t>gridded</a:t>
                       </a:r>
-                      <a:endParaRPr lang="en-US" sz="2400" dirty="0"/>
                     </a:p>
                   </a:txBody>
                   <a:tcPr/>
@@ -19067,22 +21147,21 @@
                     <a:lstStyle/>
                     <a:p>
                       <a:r>
-                        <a:rPr lang="en-US" sz="2400" b="1" i="1" dirty="0" err="1" smtClean="0"/>
+                        <a:rPr lang="en-US" sz="2400" b="1" i="1" dirty="0" err="1"/>
                         <a:t>lin</a:t>
                       </a:r>
                       <a:r>
-                        <a:rPr lang="en-US" sz="2400" dirty="0" smtClean="0"/>
+                        <a:rPr lang="en-US" sz="2400" dirty="0"/>
                         <a:t>, </a:t>
                       </a:r>
                       <a:r>
-                        <a:rPr lang="en-US" sz="2400" dirty="0" err="1" smtClean="0"/>
+                        <a:rPr lang="en-US" sz="2400" dirty="0" err="1"/>
                         <a:t>nn</a:t>
                       </a:r>
                       <a:r>
-                        <a:rPr lang="en-US" sz="2400" dirty="0" smtClean="0"/>
+                        <a:rPr lang="en-US" sz="2400" dirty="0"/>
                         <a:t>, box</a:t>
                       </a:r>
-                      <a:endParaRPr lang="en-US" sz="2400" dirty="0"/>
                     </a:p>
                   </a:txBody>
                   <a:tcPr/>
@@ -19093,15 +21172,15 @@
                     <a:lstStyle/>
                     <a:p>
                       <a:r>
-                        <a:rPr lang="en-US" sz="2400" dirty="0" err="1" smtClean="0"/>
+                        <a:rPr lang="en-US" sz="2400" dirty="0" err="1"/>
                         <a:t>lin</a:t>
                       </a:r>
                       <a:r>
-                        <a:rPr lang="en-US" sz="2400" dirty="0" smtClean="0"/>
+                        <a:rPr lang="en-US" sz="2400" dirty="0"/>
                         <a:t>, </a:t>
                       </a:r>
                       <a:r>
-                        <a:rPr lang="en-US" sz="2400" b="1" i="1" dirty="0" err="1" smtClean="0"/>
+                        <a:rPr lang="en-US" sz="2400" b="1" i="1" dirty="0" err="1"/>
                         <a:t>nn</a:t>
                       </a:r>
                       <a:endParaRPr lang="en-US" sz="2400" b="1" dirty="0"/>
@@ -19109,6 +21188,11 @@
                   </a:txBody>
                   <a:tcPr/>
                 </a:tc>
+                <a:extLst>
+                  <a:ext uri="{0D108BD9-81ED-4DB2-BD59-A6C34878D82A}">
+                    <a16:rowId xmlns:a16="http://schemas.microsoft.com/office/drawing/2014/main" val="10001"/>
+                  </a:ext>
+                </a:extLst>
               </a:tr>
               <a:tr h="370840">
                 <a:tc>
@@ -19117,7 +21201,7 @@
                     <a:lstStyle/>
                     <a:p>
                       <a:r>
-                        <a:rPr lang="en-US" sz="2400" dirty="0" err="1" smtClean="0"/>
+                        <a:rPr lang="en-US" sz="2400" dirty="0" err="1"/>
                         <a:t>ungridded</a:t>
                       </a:r>
                       <a:endParaRPr lang="en-US" sz="2400" dirty="0"/>
@@ -19131,11 +21215,11 @@
                     <a:lstStyle/>
                     <a:p>
                       <a:r>
-                        <a:rPr lang="en-US" sz="2400" dirty="0" smtClean="0"/>
+                        <a:rPr lang="en-US" sz="2400" dirty="0"/>
                         <a:t>box, </a:t>
                       </a:r>
                       <a:r>
-                        <a:rPr lang="en-US" sz="2400" b="1" i="1" dirty="0" smtClean="0"/>
+                        <a:rPr lang="en-US" sz="2400" b="1" i="1" dirty="0"/>
                         <a:t>bin</a:t>
                       </a:r>
                       <a:endParaRPr lang="en-US" sz="2400" b="1" dirty="0"/>
@@ -19149,14 +21233,18 @@
                     <a:lstStyle/>
                     <a:p>
                       <a:r>
-                        <a:rPr lang="en-US" sz="2400" b="1" i="1" dirty="0" smtClean="0"/>
+                        <a:rPr lang="en-US" sz="2400" b="1" i="1" dirty="0"/>
                         <a:t>box</a:t>
                       </a:r>
-                      <a:endParaRPr lang="en-US" sz="2400" b="1" i="1" dirty="0"/>
                     </a:p>
                   </a:txBody>
                   <a:tcPr/>
                 </a:tc>
+                <a:extLst>
+                  <a:ext uri="{0D108BD9-81ED-4DB2-BD59-A6C34878D82A}">
+                    <a16:rowId xmlns:a16="http://schemas.microsoft.com/office/drawing/2014/main" val="10002"/>
+                  </a:ext>
+                </a:extLst>
               </a:tr>
             </a:tbl>
           </a:graphicData>
@@ -19185,10 +21273,9 @@
           <a:lstStyle/>
           <a:p>
             <a:r>
-              <a:rPr lang="en-US" sz="2400" dirty="0" smtClean="0"/>
+              <a:rPr lang="en-US" sz="2400" dirty="0"/>
               <a:t>sample</a:t>
             </a:r>
-            <a:endParaRPr lang="en-US" sz="2400" dirty="0"/>
           </a:p>
         </p:txBody>
       </p:sp>
@@ -19215,10 +21302,9 @@
           <a:lstStyle/>
           <a:p>
             <a:r>
-              <a:rPr lang="en-US" sz="2400" dirty="0" smtClean="0"/>
+              <a:rPr lang="en-US" sz="2400" dirty="0"/>
               <a:t>source</a:t>
             </a:r>
-            <a:endParaRPr lang="en-US" sz="2400" dirty="0"/>
           </a:p>
         </p:txBody>
       </p:sp>
@@ -19245,82 +21331,82 @@
           <a:lstStyle/>
           <a:p>
             <a:r>
-              <a:rPr lang="en-US" dirty="0" err="1" smtClean="0"/>
+              <a:rPr lang="en-US" dirty="0" err="1"/>
               <a:t>lin</a:t>
             </a:r>
             <a:r>
-              <a:rPr lang="en-US" dirty="0" smtClean="0"/>
+              <a:rPr lang="en-US" dirty="0"/>
               <a:t>	: 	linear interpolation in space and time</a:t>
             </a:r>
           </a:p>
           <a:p>
             <a:r>
-              <a:rPr lang="en-US" dirty="0" err="1" smtClean="0"/>
+              <a:rPr lang="en-US" dirty="0" err="1"/>
               <a:t>nn</a:t>
             </a:r>
             <a:r>
-              <a:rPr lang="en-US" dirty="0" smtClean="0"/>
+              <a:rPr lang="en-US" dirty="0"/>
               <a:t>	:	Nearest </a:t>
             </a:r>
             <a:r>
-              <a:rPr lang="en-US" dirty="0" err="1" smtClean="0"/>
+              <a:rPr lang="en-US" dirty="0" err="1"/>
               <a:t>Neighbour</a:t>
             </a:r>
-            <a:endParaRPr lang="en-US" dirty="0" smtClean="0"/>
+            <a:endParaRPr lang="en-US" dirty="0"/>
           </a:p>
           <a:p>
             <a:r>
-              <a:rPr lang="en-US" dirty="0" smtClean="0"/>
+              <a:rPr lang="en-US" dirty="0"/>
               <a:t>bin	:	operates </a:t>
             </a:r>
             <a:r>
-              <a:rPr lang="en-US" i="1" dirty="0" smtClean="0"/>
+              <a:rPr lang="en-US" i="1" dirty="0"/>
               <a:t>kernel</a:t>
             </a:r>
             <a:r>
-              <a:rPr lang="en-US" dirty="0" smtClean="0"/>
+              <a:rPr lang="en-US" dirty="0"/>
               <a:t> on all </a:t>
             </a:r>
             <a:r>
-              <a:rPr lang="en-US" i="1" dirty="0" smtClean="0"/>
+              <a:rPr lang="en-US" i="1" dirty="0"/>
               <a:t>source </a:t>
             </a:r>
             <a:r>
-              <a:rPr lang="en-US" dirty="0" smtClean="0"/>
+              <a:rPr lang="en-US" dirty="0"/>
               <a:t>data in </a:t>
             </a:r>
             <a:r>
-              <a:rPr lang="en-US" i="1" dirty="0" smtClean="0"/>
+              <a:rPr lang="en-US" i="1" dirty="0"/>
               <a:t>sample </a:t>
             </a:r>
             <a:r>
-              <a:rPr lang="en-US" dirty="0" smtClean="0"/>
+              <a:rPr lang="en-US" dirty="0"/>
               <a:t>bounds</a:t>
             </a:r>
           </a:p>
           <a:p>
             <a:r>
-              <a:rPr lang="en-US" dirty="0" smtClean="0"/>
+              <a:rPr lang="en-US" dirty="0"/>
               <a:t>box	:	operates </a:t>
             </a:r>
             <a:r>
-              <a:rPr lang="en-US" i="1" dirty="0" smtClean="0"/>
+              <a:rPr lang="en-US" i="1" dirty="0"/>
               <a:t>kernel</a:t>
             </a:r>
             <a:r>
-              <a:rPr lang="en-US" dirty="0" smtClean="0"/>
+              <a:rPr lang="en-US" dirty="0"/>
               <a:t> on all </a:t>
             </a:r>
             <a:r>
-              <a:rPr lang="en-US" i="1" dirty="0" smtClean="0"/>
+              <a:rPr lang="en-US" i="1" dirty="0"/>
               <a:t>source </a:t>
             </a:r>
             <a:r>
-              <a:rPr lang="en-US" dirty="0" smtClean="0"/>
+              <a:rPr lang="en-US" dirty="0"/>
               <a:t>data in user-defined box on </a:t>
             </a:r>
             <a:r>
-              <a:rPr lang="en-US" i="1" dirty="0" smtClean="0"/>
+              <a:rPr lang="en-US" i="1" dirty="0"/>
               <a:t>sample </a:t>
             </a:r>
             <a:endParaRPr lang="en-US" dirty="0"/>
@@ -19337,17 +21423,10 @@
   <p:clrMapOvr>
     <a:masterClrMapping/>
   </p:clrMapOvr>
-  <p:timing>
-    <p:tnLst>
-      <p:par>
-        <p:cTn id="1" dur="indefinite" restart="never" nodeType="tmRoot"/>
-      </p:par>
-    </p:tnLst>
-  </p:timing>
 </p:sld>
 </file>
 
-<file path=ppt/slides/slide16.xml><?xml version="1.0" encoding="utf-8"?>
+<file path=ppt/slides/slide22.xml><?xml version="1.0" encoding="utf-8"?>
 <p:sld xmlns:a="http://schemas.openxmlformats.org/drawingml/2006/main" xmlns:r="http://schemas.openxmlformats.org/officeDocument/2006/relationships" xmlns:p="http://schemas.openxmlformats.org/presentationml/2006/main">
   <p:cSld>
     <p:spTree>
@@ -19384,10 +21463,9 @@
           <a:lstStyle/>
           <a:p>
             <a:r>
-              <a:rPr lang="en-US" dirty="0" smtClean="0"/>
+              <a:rPr lang="en-US" dirty="0"/>
               <a:t>bin/box use in collocation</a:t>
             </a:r>
-            <a:endParaRPr lang="en-US" dirty="0"/>
           </a:p>
         </p:txBody>
       </p:sp>
@@ -19737,10 +21815,9 @@
           <a:lstStyle/>
           <a:p>
             <a:r>
-              <a:rPr lang="en-US" sz="1400" dirty="0" smtClean="0"/>
+              <a:rPr lang="en-US" sz="1400" dirty="0"/>
               <a:t>time</a:t>
             </a:r>
-            <a:endParaRPr lang="en-US" sz="1400" dirty="0"/>
           </a:p>
         </p:txBody>
       </p:sp>
@@ -19767,10 +21844,9 @@
           <a:lstStyle/>
           <a:p>
             <a:r>
-              <a:rPr lang="en-US" sz="1400" dirty="0" smtClean="0"/>
+              <a:rPr lang="en-US" sz="1400" dirty="0"/>
               <a:t>latitude</a:t>
             </a:r>
-            <a:endParaRPr lang="en-US" sz="1400" dirty="0"/>
           </a:p>
         </p:txBody>
       </p:sp>
@@ -19797,10 +21873,9 @@
           <a:lstStyle/>
           <a:p>
             <a:r>
-              <a:rPr lang="en-US" sz="1400" dirty="0" smtClean="0"/>
+              <a:rPr lang="en-US" sz="1400" dirty="0"/>
               <a:t>longitude</a:t>
             </a:r>
-            <a:endParaRPr lang="en-US" sz="1400" dirty="0"/>
           </a:p>
         </p:txBody>
       </p:sp>
@@ -21915,10 +23990,9 @@
           <a:lstStyle/>
           <a:p>
             <a:r>
-              <a:rPr lang="en-US" dirty="0" smtClean="0"/>
+              <a:rPr lang="en-US" dirty="0"/>
               <a:t>source data</a:t>
             </a:r>
-            <a:endParaRPr lang="en-US" dirty="0"/>
           </a:p>
         </p:txBody>
       </p:sp>
@@ -21945,10 +24019,9 @@
           <a:lstStyle/>
           <a:p>
             <a:r>
-              <a:rPr lang="en-US" dirty="0" smtClean="0"/>
+              <a:rPr lang="en-US" dirty="0"/>
               <a:t>sample data</a:t>
             </a:r>
-            <a:endParaRPr lang="en-US" dirty="0"/>
           </a:p>
         </p:txBody>
       </p:sp>
@@ -22012,10 +24085,9 @@
           <a:lstStyle/>
           <a:p>
             <a:r>
-              <a:rPr lang="en-US" dirty="0" smtClean="0"/>
+              <a:rPr lang="en-US" dirty="0"/>
               <a:t>user-defined box</a:t>
             </a:r>
-            <a:endParaRPr lang="en-US" dirty="0"/>
           </a:p>
         </p:txBody>
       </p:sp>
@@ -22249,10 +24321,9 @@
           <a:lstStyle/>
           <a:p>
             <a:r>
-              <a:rPr lang="en-US" dirty="0" smtClean="0"/>
+              <a:rPr lang="en-US" dirty="0"/>
               <a:t>resampled data</a:t>
             </a:r>
-            <a:endParaRPr lang="en-US" dirty="0"/>
           </a:p>
         </p:txBody>
       </p:sp>
@@ -22388,7 +24459,7 @@
 </p:sld>
 </file>
 
-<file path=ppt/slides/slide17.xml><?xml version="1.0" encoding="utf-8"?>
+<file path=ppt/slides/slide23.xml><?xml version="1.0" encoding="utf-8"?>
 <p:sld xmlns:a="http://schemas.openxmlformats.org/drawingml/2006/main" xmlns:r="http://schemas.openxmlformats.org/officeDocument/2006/relationships" xmlns:p="http://schemas.openxmlformats.org/presentationml/2006/main">
   <p:cSld>
     <p:spTree>
@@ -22762,17 +24833,10 @@
   <p:clrMapOvr>
     <a:masterClrMapping/>
   </p:clrMapOvr>
-  <p:timing>
-    <p:tnLst>
-      <p:par>
-        <p:cTn id="1" dur="indefinite" restart="never" nodeType="tmRoot"/>
-      </p:par>
-    </p:tnLst>
-  </p:timing>
 </p:sld>
 </file>
 
-<file path=ppt/slides/slide18.xml><?xml version="1.0" encoding="utf-8"?>
+<file path=ppt/slides/slide24.xml><?xml version="1.0" encoding="utf-8"?>
 <p:sld xmlns:a="http://schemas.openxmlformats.org/drawingml/2006/main" xmlns:r="http://schemas.openxmlformats.org/officeDocument/2006/relationships" xmlns:p="http://schemas.openxmlformats.org/presentationml/2006/main">
   <p:cSld>
     <p:spTree>
@@ -22814,11 +24878,11 @@
           <a:lstStyle/>
           <a:p>
             <a:r>
-              <a:rPr lang="en-GB" dirty="0" smtClean="0"/>
+              <a:rPr lang="en-GB" dirty="0"/>
               <a:t>CIS  </a:t>
             </a:r>
             <a:r>
-              <a:rPr lang="en-GB" dirty="0" smtClean="0">
+              <a:rPr lang="en-GB" dirty="0">
                 <a:solidFill>
                   <a:schemeClr val="accent1"/>
                 </a:solidFill>
@@ -22826,7 +24890,7 @@
               <a:t>subset</a:t>
             </a:r>
             <a:r>
-              <a:rPr lang="en-GB" dirty="0" smtClean="0"/>
+              <a:rPr lang="en-GB" dirty="0"/>
               <a:t>  </a:t>
             </a:r>
             <a:r>
@@ -22838,7 +24902,7 @@
               <a:t>AOD*:</a:t>
             </a:r>
             <a:r>
-              <a:rPr lang="en-GB" dirty="0" err="1" smtClean="0">
+              <a:rPr lang="en-GB" dirty="0" err="1">
                 <a:solidFill>
                   <a:schemeClr val="accent2"/>
                 </a:solidFill>
@@ -22846,7 +24910,7 @@
               <a:t>AerosolCCI</a:t>
             </a:r>
             <a:r>
-              <a:rPr lang="en-GB" dirty="0" smtClean="0">
+              <a:rPr lang="en-GB" dirty="0">
                 <a:solidFill>
                   <a:schemeClr val="accent2"/>
                 </a:solidFill>
@@ -22854,7 +24918,7 @@
               <a:t> </a:t>
             </a:r>
             <a:r>
-              <a:rPr lang="en-GB" dirty="0" smtClean="0"/>
+              <a:rPr lang="en-GB" dirty="0"/>
               <a:t> </a:t>
             </a:r>
             <a:r>
@@ -22895,20 +24959,10 @@
                   </a:schemeClr>
                 </a:solidFill>
               </a:rPr>
-              <a:t>=[35,80</a:t>
-            </a:r>
-            <a:r>
-              <a:rPr lang="pt-BR" dirty="0" smtClean="0">
-                <a:solidFill>
-                  <a:schemeClr val="accent6">
-                    <a:lumMod val="75000"/>
-                  </a:schemeClr>
-                </a:solidFill>
-              </a:rPr>
-              <a:t>] </a:t>
-            </a:r>
-            <a:r>
-              <a:rPr lang="en-GB" dirty="0" smtClean="0">
+              <a:t>=[35,80] </a:t>
+            </a:r>
+            <a:r>
+              <a:rPr lang="en-GB" dirty="0">
                 <a:solidFill>
                   <a:schemeClr val="accent6">
                     <a:lumMod val="75000"/>
@@ -22926,7 +24980,7 @@
               <a:t>--o </a:t>
             </a:r>
             <a:r>
-              <a:rPr lang="en-GB" dirty="0" err="1" smtClean="0">
+              <a:rPr lang="en-GB" dirty="0" err="1">
                 <a:solidFill>
                   <a:schemeClr val="accent4"/>
                 </a:solidFill>
@@ -23139,11 +25193,11 @@
           <a:lstStyle/>
           <a:p>
             <a:r>
-              <a:rPr lang="en-GB" dirty="0" smtClean="0"/>
+              <a:rPr lang="en-GB" dirty="0"/>
               <a:t>CIS  </a:t>
             </a:r>
             <a:r>
-              <a:rPr lang="en-GB" dirty="0" smtClean="0">
+              <a:rPr lang="en-GB" dirty="0">
                 <a:solidFill>
                   <a:schemeClr val="accent1"/>
                 </a:solidFill>
@@ -23151,16 +25205,8 @@
               <a:t>col</a:t>
             </a:r>
             <a:r>
-              <a:rPr lang="en-GB" dirty="0" smtClean="0"/>
+              <a:rPr lang="en-GB" dirty="0"/>
               <a:t>  </a:t>
-            </a:r>
-            <a:r>
-              <a:rPr lang="en-GB" dirty="0" smtClean="0">
-                <a:solidFill>
-                  <a:schemeClr val="accent2"/>
-                </a:solidFill>
-              </a:rPr>
-              <a:t>NUMBER_CONCENTRATION,SUPERSATURATION:ARCPAC_2008</a:t>
             </a:r>
             <a:r>
               <a:rPr lang="en-GB" dirty="0">
@@ -23168,7 +25214,7 @@
                   <a:schemeClr val="accent2"/>
                 </a:solidFill>
               </a:rPr>
-              <a:t>/*.</a:t>
+              <a:t>NUMBER_CONCENTRATION,SUPERSATURATION:ARCPAC_2008/*.</a:t>
             </a:r>
             <a:r>
               <a:rPr lang="en-GB" dirty="0" err="1">
@@ -23182,19 +25228,14 @@
               <a:rPr lang="en-GB" dirty="0"/>
               <a:t> </a:t>
             </a:r>
-            <a:endParaRPr lang="en-GB" dirty="0" smtClean="0"/>
           </a:p>
           <a:p>
             <a:r>
               <a:rPr lang="en-GB" dirty="0"/>
-              <a:t> </a:t>
-            </a:r>
-            <a:r>
-              <a:rPr lang="en-GB" dirty="0" smtClean="0"/>
-              <a:t>         </a:t>
-            </a:r>
-            <a:r>
-              <a:rPr lang="en-GB" dirty="0" err="1" smtClean="0">
+              <a:t>          </a:t>
+            </a:r>
+            <a:r>
+              <a:rPr lang="en-GB" dirty="0" err="1">
                 <a:solidFill>
                   <a:schemeClr val="accent6">
                     <a:lumMod val="75000"/>
@@ -23204,7 +25245,7 @@
               <a:t>cis-aerosol_cci_subset_US.nc</a:t>
             </a:r>
             <a:r>
-              <a:rPr lang="en-GB" dirty="0" err="1" smtClean="0">
+              <a:rPr lang="en-GB" dirty="0" err="1">
                 <a:solidFill>
                   <a:schemeClr val="accent6"/>
                 </a:solidFill>
@@ -23212,7 +25253,7 @@
               <a:t>:</a:t>
             </a:r>
             <a:r>
-              <a:rPr lang="en-GB" dirty="0" err="1" smtClean="0">
+              <a:rPr lang="en-GB" dirty="0" err="1">
                 <a:solidFill>
                   <a:schemeClr val="accent3">
                     <a:lumMod val="50000"/>
@@ -23222,7 +25263,7 @@
               <a:t>variable</a:t>
             </a:r>
             <a:r>
-              <a:rPr lang="en-GB" dirty="0" smtClean="0">
+              <a:rPr lang="en-GB" dirty="0">
                 <a:solidFill>
                   <a:schemeClr val="accent3">
                     <a:lumMod val="50000"/>
@@ -23232,7 +25273,7 @@
               <a:t>=AOD550,collocator=box[</a:t>
             </a:r>
             <a:r>
-              <a:rPr lang="en-GB" dirty="0" err="1" smtClean="0">
+              <a:rPr lang="en-GB" dirty="0" err="1">
                 <a:solidFill>
                   <a:schemeClr val="accent3">
                     <a:lumMod val="50000"/>
@@ -23242,16 +25283,6 @@
               <a:t>h_sep</a:t>
             </a:r>
             <a:r>
-              <a:rPr lang="en-GB" dirty="0" smtClean="0">
-                <a:solidFill>
-                  <a:schemeClr val="accent3">
-                    <a:lumMod val="50000"/>
-                  </a:schemeClr>
-                </a:solidFill>
-              </a:rPr>
-              <a:t>=10,t_sep=P1D</a:t>
-            </a:r>
-            <a:r>
               <a:rPr lang="en-GB" dirty="0">
                 <a:solidFill>
                   <a:schemeClr val="accent3">
@@ -23259,7 +25290,7 @@
                   </a:schemeClr>
                 </a:solidFill>
               </a:rPr>
-              <a:t>]</a:t>
+              <a:t>=10,t_sep=P1D]</a:t>
             </a:r>
             <a:r>
               <a:rPr lang="en-GB" dirty="0">
@@ -23269,28 +25300,11 @@
               </a:rPr>
               <a:t> </a:t>
             </a:r>
-            <a:endParaRPr lang="en-GB" dirty="0" smtClean="0">
-              <a:solidFill>
-                <a:schemeClr val="accent5"/>
-              </a:solidFill>
-            </a:endParaRPr>
           </a:p>
           <a:p>
             <a:r>
               <a:rPr lang="en-GB" dirty="0"/>
-              <a:t> </a:t>
-            </a:r>
-            <a:r>
-              <a:rPr lang="en-GB" dirty="0" smtClean="0"/>
-              <a:t>         </a:t>
-            </a:r>
-            <a:r>
-              <a:rPr lang="en-GB" dirty="0" smtClean="0">
-                <a:solidFill>
-                  <a:schemeClr val="accent4"/>
-                </a:solidFill>
-              </a:rPr>
-              <a:t>-</a:t>
+              <a:t>          </a:t>
             </a:r>
             <a:r>
               <a:rPr lang="en-GB" dirty="0">
@@ -23298,7 +25312,7 @@
                   <a:schemeClr val="accent4"/>
                 </a:solidFill>
               </a:rPr>
-              <a:t>o collocated_ccn_AOD550</a:t>
+              <a:t>-o collocated_ccn_AOD550</a:t>
             </a:r>
           </a:p>
         </p:txBody>
@@ -23327,17 +25341,12 @@
           <a:p>
             <a:r>
               <a:rPr lang="en-GB" dirty="0"/>
-              <a:t>First subset the </a:t>
-            </a:r>
-            <a:r>
-              <a:rPr lang="en-GB" dirty="0" smtClean="0"/>
-              <a:t>satellite data</a:t>
-            </a:r>
-            <a:r>
-              <a:rPr lang="en-US" dirty="0" smtClean="0"/>
+              <a:t>First subset the satellite data</a:t>
+            </a:r>
+            <a:r>
+              <a:rPr lang="en-US" dirty="0"/>
               <a:t>:</a:t>
             </a:r>
-            <a:endParaRPr lang="en-US" dirty="0"/>
           </a:p>
         </p:txBody>
       </p:sp>
@@ -23364,10 +25373,9 @@
           <a:lstStyle/>
           <a:p>
             <a:r>
-              <a:rPr lang="en-GB" dirty="0" smtClean="0"/>
+              <a:rPr lang="en-GB" dirty="0"/>
               <a:t>We now have a much reduced dataset:</a:t>
             </a:r>
-            <a:endParaRPr lang="en-GB" dirty="0"/>
           </a:p>
         </p:txBody>
       </p:sp>
@@ -23394,10 +25402,9 @@
           <a:lstStyle/>
           <a:p>
             <a:r>
-              <a:rPr lang="en-US" dirty="0" smtClean="0"/>
+              <a:rPr lang="en-US" dirty="0"/>
               <a:t>Now we do the collocation:</a:t>
             </a:r>
-            <a:endParaRPr lang="en-US" dirty="0"/>
           </a:p>
         </p:txBody>
       </p:sp>
@@ -23697,7 +25704,7 @@
 </p:sld>
 </file>
 
-<file path=ppt/slides/slide19.xml><?xml version="1.0" encoding="utf-8"?>
+<file path=ppt/slides/slide25.xml><?xml version="1.0" encoding="utf-8"?>
 <p:sld xmlns:a="http://schemas.openxmlformats.org/drawingml/2006/main" xmlns:r="http://schemas.openxmlformats.org/officeDocument/2006/relationships" xmlns:p="http://schemas.openxmlformats.org/presentationml/2006/main">
   <p:cSld>
     <p:spTree>
@@ -23739,15 +25746,15 @@
           <a:lstStyle/>
           <a:p>
             <a:r>
-              <a:rPr lang="en-GB" dirty="0" smtClean="0"/>
+              <a:rPr lang="en-GB" dirty="0"/>
               <a:t>CIS </a:t>
             </a:r>
             <a:r>
-              <a:rPr lang="en-US" dirty="0" smtClean="0"/>
+              <a:rPr lang="en-US" dirty="0"/>
               <a:t> </a:t>
             </a:r>
             <a:r>
-              <a:rPr lang="en-US" dirty="0" smtClean="0">
+              <a:rPr lang="en-US" dirty="0">
                 <a:solidFill>
                   <a:schemeClr val="accent1"/>
                 </a:solidFill>
@@ -23755,11 +25762,11 @@
               <a:t>plot</a:t>
             </a:r>
             <a:r>
-              <a:rPr lang="en-US" dirty="0" smtClean="0"/>
+              <a:rPr lang="en-US" dirty="0"/>
               <a:t>  </a:t>
             </a:r>
             <a:r>
-              <a:rPr lang="en-US" dirty="0" smtClean="0">
+              <a:rPr lang="en-US" dirty="0">
                 <a:solidFill>
                   <a:schemeClr val="accent2"/>
                 </a:solidFill>
@@ -23767,21 +25774,17 @@
               <a:t>NUMBER_CONCENTRATION:cis-ccn_collocated_to_AOD550.nc</a:t>
             </a:r>
             <a:r>
-              <a:rPr lang="en-US" dirty="0" smtClean="0"/>
+              <a:rPr lang="en-US" dirty="0"/>
               <a:t> </a:t>
             </a:r>
           </a:p>
           <a:p>
             <a:r>
               <a:rPr lang="en-US" dirty="0"/>
-              <a:t> </a:t>
-            </a:r>
-            <a:r>
-              <a:rPr lang="en-US" dirty="0" smtClean="0"/>
-              <a:t>                </a:t>
-            </a:r>
-            <a:r>
-              <a:rPr lang="en-US" dirty="0" smtClean="0">
+              <a:t>                 </a:t>
+            </a:r>
+            <a:r>
+              <a:rPr lang="en-US" dirty="0">
                 <a:solidFill>
                   <a:schemeClr val="accent2"/>
                 </a:solidFill>
@@ -23792,19 +25795,7 @@
           <a:p>
             <a:r>
               <a:rPr lang="en-US" dirty="0"/>
-              <a:t> </a:t>
-            </a:r>
-            <a:r>
-              <a:rPr lang="en-US" dirty="0" smtClean="0"/>
-              <a:t>                </a:t>
-            </a:r>
-            <a:r>
-              <a:rPr lang="en-US" dirty="0" smtClean="0">
-                <a:solidFill>
-                  <a:schemeClr val="accent4"/>
-                </a:solidFill>
-              </a:rPr>
-              <a:t>--</a:t>
+              <a:t>                 </a:t>
             </a:r>
             <a:r>
               <a:rPr lang="en-US" dirty="0">
@@ -23812,7 +25803,7 @@
                   <a:schemeClr val="accent4"/>
                 </a:solidFill>
               </a:rPr>
-              <a:t>type </a:t>
+              <a:t>--type </a:t>
             </a:r>
             <a:r>
               <a:rPr lang="en-US" dirty="0" err="1">
@@ -23888,18 +25879,10 @@
                   <a:schemeClr val="accent1"/>
                 </a:solidFill>
               </a:rPr>
-              <a:t>plot </a:t>
-            </a:r>
-            <a:r>
-              <a:rPr lang="en-GB" dirty="0" smtClean="0">
-                <a:solidFill>
-                  <a:schemeClr val="accent1"/>
-                </a:solidFill>
-              </a:rPr>
-              <a:t> </a:t>
-            </a:r>
-            <a:r>
-              <a:rPr lang="en-GB" dirty="0" smtClean="0">
+              <a:t>plot  </a:t>
+            </a:r>
+            <a:r>
+              <a:rPr lang="en-GB" dirty="0">
                 <a:solidFill>
                   <a:schemeClr val="accent2"/>
                 </a:solidFill>
@@ -23907,7 +25890,7 @@
               <a:t>NUMBER_CONCENTRATION:cis-ccn_collocated_to_AOD550.nc</a:t>
             </a:r>
             <a:r>
-              <a:rPr lang="en-GB" dirty="0" smtClean="0"/>
+              <a:rPr lang="en-GB" dirty="0"/>
               <a:t> </a:t>
             </a:r>
             <a:r>
@@ -23919,7 +25902,7 @@
               <a:t>--</a:t>
             </a:r>
             <a:r>
-              <a:rPr lang="en-GB" dirty="0" err="1" smtClean="0">
+              <a:rPr lang="en-GB" dirty="0" err="1">
                 <a:solidFill>
                   <a:schemeClr val="accent4"/>
                 </a:solidFill>
@@ -23927,18 +25910,13 @@
               <a:t>itemwidth</a:t>
             </a:r>
             <a:r>
-              <a:rPr lang="en-GB" dirty="0" smtClean="0">
+              <a:rPr lang="en-GB" dirty="0">
                 <a:solidFill>
                   <a:schemeClr val="accent4"/>
                 </a:solidFill>
               </a:rPr>
               <a:t>=4</a:t>
             </a:r>
-            <a:endParaRPr lang="en-GB" dirty="0">
-              <a:solidFill>
-                <a:schemeClr val="accent4"/>
-              </a:solidFill>
-            </a:endParaRPr>
           </a:p>
         </p:txBody>
       </p:sp>
@@ -24056,11 +26034,11 @@
           <a:lstStyle/>
           <a:p>
             <a:r>
-              <a:rPr lang="en-GB" dirty="0" smtClean="0"/>
+              <a:rPr lang="en-GB" dirty="0"/>
               <a:t>CIS  </a:t>
             </a:r>
             <a:r>
-              <a:rPr lang="en-GB" dirty="0" smtClean="0">
+              <a:rPr lang="en-GB" dirty="0">
                 <a:solidFill>
                   <a:schemeClr val="accent1"/>
                 </a:solidFill>
@@ -24068,11 +26046,11 @@
               <a:t>stats</a:t>
             </a:r>
             <a:r>
-              <a:rPr lang="en-GB" dirty="0" smtClean="0"/>
+              <a:rPr lang="en-GB" dirty="0"/>
               <a:t>  </a:t>
             </a:r>
             <a:r>
-              <a:rPr lang="en-GB" dirty="0" smtClean="0">
+              <a:rPr lang="en-GB" dirty="0">
                 <a:solidFill>
                   <a:schemeClr val="accent2"/>
                 </a:solidFill>
@@ -24080,32 +26058,23 @@
               <a:t>NUMBER_CONCENTRATION:cis-collocated_ccn_AOD550.nc</a:t>
             </a:r>
             <a:r>
-              <a:rPr lang="en-GB" dirty="0" smtClean="0"/>
+              <a:rPr lang="en-GB" dirty="0"/>
               <a:t> </a:t>
             </a:r>
           </a:p>
           <a:p>
             <a:r>
               <a:rPr lang="en-GB" dirty="0"/>
-              <a:t> </a:t>
-            </a:r>
-            <a:r>
-              <a:rPr lang="en-GB" dirty="0" smtClean="0"/>
-              <a:t>                 </a:t>
-            </a:r>
-            <a:r>
-              <a:rPr lang="en-GB" dirty="0" smtClean="0">
+              <a:t>                  </a:t>
+            </a:r>
+            <a:r>
+              <a:rPr lang="en-GB" dirty="0">
                 <a:solidFill>
                   <a:schemeClr val="accent2"/>
                 </a:solidFill>
               </a:rPr>
               <a:t>AOD550:cis-aerosol_cci_subset_US.nc</a:t>
             </a:r>
-            <a:endParaRPr lang="en-GB" dirty="0">
-              <a:solidFill>
-                <a:schemeClr val="accent2"/>
-              </a:solidFill>
-            </a:endParaRPr>
           </a:p>
         </p:txBody>
       </p:sp>
@@ -24132,14 +26101,13 @@
           <a:lstStyle/>
           <a:p>
             <a:r>
-              <a:rPr lang="en-GB" dirty="0" smtClean="0"/>
+              <a:rPr lang="en-GB" dirty="0"/>
               <a:t>Now we can do a comparison plot</a:t>
             </a:r>
             <a:r>
-              <a:rPr lang="en-US" dirty="0" smtClean="0"/>
+              <a:rPr lang="en-US" dirty="0"/>
               <a:t>:</a:t>
             </a:r>
-            <a:endParaRPr lang="en-US" dirty="0"/>
           </a:p>
         </p:txBody>
       </p:sp>
@@ -24166,10 +26134,9 @@
           <a:lstStyle/>
           <a:p>
             <a:r>
-              <a:rPr lang="en-GB" dirty="0" smtClean="0"/>
+              <a:rPr lang="en-GB" dirty="0"/>
               <a:t>Or just plot the collocated data:</a:t>
             </a:r>
-            <a:endParaRPr lang="en-GB" dirty="0"/>
           </a:p>
         </p:txBody>
       </p:sp>
@@ -24196,10 +26163,9 @@
           <a:lstStyle/>
           <a:p>
             <a:r>
-              <a:rPr lang="en-US" dirty="0" smtClean="0"/>
+              <a:rPr lang="en-US" dirty="0"/>
               <a:t>Lets look at the correlation for these few points:</a:t>
             </a:r>
-            <a:endParaRPr lang="en-US" dirty="0"/>
           </a:p>
         </p:txBody>
       </p:sp>
@@ -24499,1650 +26465,7 @@
 </p:sld>
 </file>
 
-<file path=ppt/slides/slide2.xml><?xml version="1.0" encoding="utf-8"?>
-<p:sld xmlns:a="http://schemas.openxmlformats.org/drawingml/2006/main" xmlns:r="http://schemas.openxmlformats.org/officeDocument/2006/relationships" xmlns:p="http://schemas.openxmlformats.org/presentationml/2006/main">
-  <p:cSld>
-    <p:spTree>
-      <p:nvGrpSpPr>
-        <p:cNvPr id="1" name=""/>
-        <p:cNvGrpSpPr/>
-        <p:nvPr/>
-      </p:nvGrpSpPr>
-      <p:grpSpPr>
-        <a:xfrm>
-          <a:off x="0" y="0"/>
-          <a:ext cx="0" cy="0"/>
-          <a:chOff x="0" y="0"/>
-          <a:chExt cx="0" cy="0"/>
-        </a:xfrm>
-      </p:grpSpPr>
-      <p:sp>
-        <p:nvSpPr>
-          <p:cNvPr id="4" name="Title 1"/>
-          <p:cNvSpPr txBox="1">
-            <a:spLocks/>
-          </p:cNvSpPr>
-          <p:nvPr/>
-        </p:nvSpPr>
-        <p:spPr>
-          <a:xfrm>
-            <a:off x="386836" y="197996"/>
-            <a:ext cx="8229600" cy="656003"/>
-          </a:xfrm>
-          <a:prstGeom prst="rect">
-            <a:avLst/>
-          </a:prstGeom>
-        </p:spPr>
-        <p:txBody>
-          <a:bodyPr vert="horz" lIns="91440" tIns="45720" rIns="91440" bIns="45720" rtlCol="0" anchor="b">
-            <a:normAutofit fontScale="82500" lnSpcReduction="20000"/>
-          </a:bodyPr>
-          <a:lstStyle>
-            <a:lvl1pPr algn="ctr" defTabSz="914400" rtl="0" eaLnBrk="1" latinLnBrk="0" hangingPunct="1">
-              <a:lnSpc>
-                <a:spcPct val="90000"/>
-              </a:lnSpc>
-              <a:spcBef>
-                <a:spcPct val="0"/>
-              </a:spcBef>
-              <a:buNone/>
-              <a:defRPr sz="6000" kern="1200">
-                <a:solidFill>
-                  <a:schemeClr val="tx1"/>
-                </a:solidFill>
-                <a:latin typeface="+mj-lt"/>
-                <a:ea typeface="+mj-ea"/>
-                <a:cs typeface="+mj-cs"/>
-              </a:defRPr>
-            </a:lvl1pPr>
-          </a:lstStyle>
-          <a:p>
-            <a:r>
-              <a:rPr lang="en-US" dirty="0" smtClean="0"/>
-              <a:t>What is CIS?</a:t>
-            </a:r>
-            <a:endParaRPr lang="en-GB" dirty="0"/>
-          </a:p>
-        </p:txBody>
-      </p:sp>
-      <p:pic>
-        <p:nvPicPr>
-          <p:cNvPr id="5" name="Picture 4" descr="CIS-logo-blue-horizontal.ai"/>
-          <p:cNvPicPr>
-            <a:picLocks noChangeAspect="1"/>
-          </p:cNvPicPr>
-          <p:nvPr/>
-        </p:nvPicPr>
-        <p:blipFill>
-          <a:blip r:embed="rId3" cstate="screen">
-            <a:extLst>
-              <a:ext uri="{28A0092B-C50C-407E-A947-70E740481C1C}">
-                <a14:useLocalDpi xmlns:a14="http://schemas.microsoft.com/office/drawing/2010/main"/>
-              </a:ext>
-            </a:extLst>
-          </a:blip>
-          <a:stretch>
-            <a:fillRect/>
-          </a:stretch>
-        </p:blipFill>
-        <p:spPr>
-          <a:xfrm>
-            <a:off x="176581" y="6142613"/>
-            <a:ext cx="2874105" cy="704438"/>
-          </a:xfrm>
-          <a:prstGeom prst="rect">
-            <a:avLst/>
-          </a:prstGeom>
-        </p:spPr>
-      </p:pic>
-      <p:cxnSp>
-        <p:nvCxnSpPr>
-          <p:cNvPr id="6" name="Straight Connector 5"/>
-          <p:cNvCxnSpPr/>
-          <p:nvPr/>
-        </p:nvCxnSpPr>
-        <p:spPr>
-          <a:xfrm>
-            <a:off x="176581" y="6087484"/>
-            <a:ext cx="8650111" cy="0"/>
-          </a:xfrm>
-          <a:prstGeom prst="line">
-            <a:avLst/>
-          </a:prstGeom>
-          <a:ln>
-            <a:solidFill>
-              <a:srgbClr val="1D224C"/>
-            </a:solidFill>
-          </a:ln>
-        </p:spPr>
-        <p:style>
-          <a:lnRef idx="2">
-            <a:schemeClr val="accent1"/>
-          </a:lnRef>
-          <a:fillRef idx="0">
-            <a:schemeClr val="accent1"/>
-          </a:fillRef>
-          <a:effectRef idx="1">
-            <a:schemeClr val="accent1"/>
-          </a:effectRef>
-          <a:fontRef idx="minor">
-            <a:schemeClr val="tx1"/>
-          </a:fontRef>
-        </p:style>
-      </p:cxnSp>
-      <p:pic>
-        <p:nvPicPr>
-          <p:cNvPr id="7" name="Picture 6"/>
-          <p:cNvPicPr>
-            <a:picLocks noChangeAspect="1"/>
-          </p:cNvPicPr>
-          <p:nvPr/>
-        </p:nvPicPr>
-        <p:blipFill>
-          <a:blip r:embed="rId4"/>
-          <a:stretch>
-            <a:fillRect/>
-          </a:stretch>
-        </p:blipFill>
-        <p:spPr>
-          <a:xfrm>
-            <a:off x="7213914" y="6232976"/>
-            <a:ext cx="1612778" cy="523063"/>
-          </a:xfrm>
-          <a:prstGeom prst="rect">
-            <a:avLst/>
-          </a:prstGeom>
-        </p:spPr>
-      </p:pic>
-      <p:graphicFrame>
-        <p:nvGraphicFramePr>
-          <p:cNvPr id="8" name="Diagram 7"/>
-          <p:cNvGraphicFramePr/>
-          <p:nvPr>
-            <p:extLst/>
-          </p:nvPr>
-        </p:nvGraphicFramePr>
-        <p:xfrm>
-          <a:off x="264568" y="1467463"/>
-          <a:ext cx="1938540" cy="4064000"/>
-        </p:xfrm>
-        <a:graphic>
-          <a:graphicData uri="http://schemas.openxmlformats.org/drawingml/2006/diagram">
-            <dgm:relIds xmlns:dgm="http://schemas.openxmlformats.org/drawingml/2006/diagram" xmlns:r="http://schemas.openxmlformats.org/officeDocument/2006/relationships" r:dm="rId5" r:lo="rId6" r:qs="rId7" r:cs="rId8"/>
-          </a:graphicData>
-        </a:graphic>
-      </p:graphicFrame>
-      <p:pic>
-        <p:nvPicPr>
-          <p:cNvPr id="9" name="Picture 8"/>
-          <p:cNvPicPr>
-            <a:picLocks noChangeAspect="1"/>
-          </p:cNvPicPr>
-          <p:nvPr/>
-        </p:nvPicPr>
-        <p:blipFill rotWithShape="1">
-          <a:blip r:embed="rId10" cstate="screen">
-            <a:extLst>
-              <a:ext uri="{28A0092B-C50C-407E-A947-70E740481C1C}">
-                <a14:useLocalDpi xmlns:a14="http://schemas.microsoft.com/office/drawing/2010/main"/>
-              </a:ext>
-            </a:extLst>
-          </a:blip>
-          <a:srcRect/>
-          <a:stretch/>
-        </p:blipFill>
-        <p:spPr>
-          <a:xfrm>
-            <a:off x="2873047" y="1265897"/>
-            <a:ext cx="2500998" cy="1491702"/>
-          </a:xfrm>
-          <a:prstGeom prst="rect">
-            <a:avLst/>
-          </a:prstGeom>
-        </p:spPr>
-      </p:pic>
-      <p:pic>
-        <p:nvPicPr>
-          <p:cNvPr id="10" name="Picture 9"/>
-          <p:cNvPicPr>
-            <a:picLocks noChangeAspect="1"/>
-          </p:cNvPicPr>
-          <p:nvPr/>
-        </p:nvPicPr>
-        <p:blipFill rotWithShape="1">
-          <a:blip r:embed="rId11" cstate="screen">
-            <a:extLst>
-              <a:ext uri="{28A0092B-C50C-407E-A947-70E740481C1C}">
-                <a14:useLocalDpi xmlns:a14="http://schemas.microsoft.com/office/drawing/2010/main"/>
-              </a:ext>
-            </a:extLst>
-          </a:blip>
-          <a:srcRect/>
-          <a:stretch/>
-        </p:blipFill>
-        <p:spPr>
-          <a:xfrm>
-            <a:off x="2898057" y="2757599"/>
-            <a:ext cx="2475988" cy="1483728"/>
-          </a:xfrm>
-          <a:prstGeom prst="rect">
-            <a:avLst/>
-          </a:prstGeom>
-        </p:spPr>
-      </p:pic>
-      <p:pic>
-        <p:nvPicPr>
-          <p:cNvPr id="11" name="Picture 10"/>
-          <p:cNvPicPr>
-            <a:picLocks noChangeAspect="1"/>
-          </p:cNvPicPr>
-          <p:nvPr/>
-        </p:nvPicPr>
-        <p:blipFill rotWithShape="1">
-          <a:blip r:embed="rId12" cstate="screen">
-            <a:extLst>
-              <a:ext uri="{28A0092B-C50C-407E-A947-70E740481C1C}">
-                <a14:useLocalDpi xmlns:a14="http://schemas.microsoft.com/office/drawing/2010/main"/>
-              </a:ext>
-            </a:extLst>
-          </a:blip>
-          <a:srcRect/>
-          <a:stretch/>
-        </p:blipFill>
-        <p:spPr>
-          <a:xfrm>
-            <a:off x="2898057" y="4317580"/>
-            <a:ext cx="2501618" cy="1491894"/>
-          </a:xfrm>
-          <a:prstGeom prst="rect">
-            <a:avLst/>
-          </a:prstGeom>
-        </p:spPr>
-      </p:pic>
-      <p:sp>
-        <p:nvSpPr>
-          <p:cNvPr id="12" name="TextBox 11"/>
-          <p:cNvSpPr txBox="1"/>
-          <p:nvPr/>
-        </p:nvSpPr>
-        <p:spPr>
-          <a:xfrm>
-            <a:off x="5740400" y="1827082"/>
-            <a:ext cx="1600053" cy="369332"/>
-          </a:xfrm>
-          <a:prstGeom prst="rect">
-            <a:avLst/>
-          </a:prstGeom>
-          <a:noFill/>
-        </p:spPr>
-        <p:txBody>
-          <a:bodyPr wrap="none" rtlCol="0">
-            <a:spAutoFit/>
-          </a:bodyPr>
-          <a:lstStyle/>
-          <a:p>
-            <a:r>
-              <a:rPr lang="en-US" dirty="0" smtClean="0"/>
-              <a:t>Read your data</a:t>
-            </a:r>
-            <a:endParaRPr lang="en-US" dirty="0"/>
-          </a:p>
-        </p:txBody>
-      </p:sp>
-      <p:sp>
-        <p:nvSpPr>
-          <p:cNvPr id="13" name="TextBox 12"/>
-          <p:cNvSpPr txBox="1"/>
-          <p:nvPr/>
-        </p:nvSpPr>
-        <p:spPr>
-          <a:xfrm>
-            <a:off x="5740399" y="3169497"/>
-            <a:ext cx="1856790" cy="369332"/>
-          </a:xfrm>
-          <a:prstGeom prst="rect">
-            <a:avLst/>
-          </a:prstGeom>
-          <a:noFill/>
-        </p:spPr>
-        <p:txBody>
-          <a:bodyPr wrap="none" rtlCol="0">
-            <a:spAutoFit/>
-          </a:bodyPr>
-          <a:lstStyle/>
-          <a:p>
-            <a:r>
-              <a:rPr lang="en-US" dirty="0" err="1" smtClean="0"/>
-              <a:t>Analyse</a:t>
-            </a:r>
-            <a:r>
-              <a:rPr lang="en-US" dirty="0" smtClean="0"/>
-              <a:t> your data</a:t>
-            </a:r>
-            <a:endParaRPr lang="en-US" dirty="0"/>
-          </a:p>
-        </p:txBody>
-      </p:sp>
-      <p:sp>
-        <p:nvSpPr>
-          <p:cNvPr id="14" name="TextBox 13"/>
-          <p:cNvSpPr txBox="1"/>
-          <p:nvPr/>
-        </p:nvSpPr>
-        <p:spPr>
-          <a:xfrm>
-            <a:off x="5740399" y="4878861"/>
-            <a:ext cx="1948610" cy="369332"/>
-          </a:xfrm>
-          <a:prstGeom prst="rect">
-            <a:avLst/>
-          </a:prstGeom>
-          <a:noFill/>
-        </p:spPr>
-        <p:txBody>
-          <a:bodyPr wrap="none" rtlCol="0">
-            <a:spAutoFit/>
-          </a:bodyPr>
-          <a:lstStyle/>
-          <a:p>
-            <a:r>
-              <a:rPr lang="en-US" dirty="0" err="1" smtClean="0"/>
-              <a:t>Visualise</a:t>
-            </a:r>
-            <a:r>
-              <a:rPr lang="en-US" dirty="0" smtClean="0"/>
-              <a:t> your data</a:t>
-            </a:r>
-            <a:endParaRPr lang="en-US" dirty="0"/>
-          </a:p>
-        </p:txBody>
-      </p:sp>
-    </p:spTree>
-    <p:extLst>
-      <p:ext uri="{BB962C8B-B14F-4D97-AF65-F5344CB8AC3E}">
-        <p14:creationId xmlns:p14="http://schemas.microsoft.com/office/powerpoint/2010/main" val="2042305627"/>
-      </p:ext>
-    </p:extLst>
-  </p:cSld>
-  <p:clrMapOvr>
-    <a:masterClrMapping/>
-  </p:clrMapOvr>
-  <p:timing>
-    <p:tnLst>
-      <p:par>
-        <p:cTn id="1" dur="indefinite" restart="never" nodeType="tmRoot"/>
-      </p:par>
-    </p:tnLst>
-  </p:timing>
-</p:sld>
-</file>
-
-<file path=ppt/slides/slide20.xml><?xml version="1.0" encoding="utf-8"?>
-<p:sld xmlns:a="http://schemas.openxmlformats.org/drawingml/2006/main" xmlns:r="http://schemas.openxmlformats.org/officeDocument/2006/relationships" xmlns:p="http://schemas.openxmlformats.org/presentationml/2006/main">
-  <p:cSld>
-    <p:spTree>
-      <p:nvGrpSpPr>
-        <p:cNvPr id="1" name=""/>
-        <p:cNvGrpSpPr/>
-        <p:nvPr/>
-      </p:nvGrpSpPr>
-      <p:grpSpPr>
-        <a:xfrm>
-          <a:off x="0" y="0"/>
-          <a:ext cx="0" cy="0"/>
-          <a:chOff x="0" y="0"/>
-          <a:chExt cx="0" cy="0"/>
-        </a:xfrm>
-      </p:grpSpPr>
-      <p:sp>
-        <p:nvSpPr>
-          <p:cNvPr id="2" name="Title 1"/>
-          <p:cNvSpPr>
-            <a:spLocks noGrp="1"/>
-          </p:cNvSpPr>
-          <p:nvPr>
-            <p:ph type="title"/>
-          </p:nvPr>
-        </p:nvSpPr>
-        <p:spPr>
-          <a:noFill/>
-        </p:spPr>
-        <p:txBody>
-          <a:bodyPr>
-            <a:normAutofit/>
-          </a:bodyPr>
-          <a:lstStyle/>
-          <a:p>
-            <a:r>
-              <a:rPr lang="en-GB" dirty="0"/>
-              <a:t>Global </a:t>
-            </a:r>
-            <a:r>
-              <a:rPr lang="en-GB" dirty="0" smtClean="0"/>
-              <a:t>model plot</a:t>
-            </a:r>
-            <a:endParaRPr lang="en-GB" dirty="0"/>
-          </a:p>
-        </p:txBody>
-      </p:sp>
-      <p:pic>
-        <p:nvPicPr>
-          <p:cNvPr id="4" name="Picture 3" descr="CIS-logo-blue-horizontal.ai"/>
-          <p:cNvPicPr>
-            <a:picLocks noChangeAspect="1"/>
-          </p:cNvPicPr>
-          <p:nvPr/>
-        </p:nvPicPr>
-        <p:blipFill>
-          <a:blip r:embed="rId3">
-            <a:extLst>
-              <a:ext uri="{28A0092B-C50C-407E-A947-70E740481C1C}">
-                <a14:useLocalDpi xmlns:a14="http://schemas.microsoft.com/office/drawing/2010/main" val="0"/>
-              </a:ext>
-            </a:extLst>
-          </a:blip>
-          <a:stretch>
-            <a:fillRect/>
-          </a:stretch>
-        </p:blipFill>
-        <p:spPr>
-          <a:xfrm>
-            <a:off x="176581" y="6142613"/>
-            <a:ext cx="2874105" cy="704438"/>
-          </a:xfrm>
-          <a:prstGeom prst="rect">
-            <a:avLst/>
-          </a:prstGeom>
-        </p:spPr>
-      </p:pic>
-      <p:cxnSp>
-        <p:nvCxnSpPr>
-          <p:cNvPr id="5" name="Straight Connector 4"/>
-          <p:cNvCxnSpPr/>
-          <p:nvPr/>
-        </p:nvCxnSpPr>
-        <p:spPr>
-          <a:xfrm>
-            <a:off x="176581" y="6087484"/>
-            <a:ext cx="8650111" cy="0"/>
-          </a:xfrm>
-          <a:prstGeom prst="line">
-            <a:avLst/>
-          </a:prstGeom>
-          <a:ln>
-            <a:solidFill>
-              <a:srgbClr val="1D224C"/>
-            </a:solidFill>
-          </a:ln>
-        </p:spPr>
-        <p:style>
-          <a:lnRef idx="2">
-            <a:schemeClr val="accent1"/>
-          </a:lnRef>
-          <a:fillRef idx="0">
-            <a:schemeClr val="accent1"/>
-          </a:fillRef>
-          <a:effectRef idx="1">
-            <a:schemeClr val="accent1"/>
-          </a:effectRef>
-          <a:fontRef idx="minor">
-            <a:schemeClr val="tx1"/>
-          </a:fontRef>
-        </p:style>
-      </p:cxnSp>
-      <p:pic>
-        <p:nvPicPr>
-          <p:cNvPr id="6" name="Picture 5"/>
-          <p:cNvPicPr>
-            <a:picLocks noChangeAspect="1"/>
-          </p:cNvPicPr>
-          <p:nvPr/>
-        </p:nvPicPr>
-        <p:blipFill>
-          <a:blip r:embed="rId4"/>
-          <a:stretch>
-            <a:fillRect/>
-          </a:stretch>
-        </p:blipFill>
-        <p:spPr>
-          <a:xfrm>
-            <a:off x="7213914" y="6232976"/>
-            <a:ext cx="1612778" cy="523063"/>
-          </a:xfrm>
-          <a:prstGeom prst="rect">
-            <a:avLst/>
-          </a:prstGeom>
-        </p:spPr>
-      </p:pic>
-      <p:sp>
-        <p:nvSpPr>
-          <p:cNvPr id="13" name="TextBox 12"/>
-          <p:cNvSpPr txBox="1"/>
-          <p:nvPr/>
-        </p:nvSpPr>
-        <p:spPr>
-          <a:xfrm>
-            <a:off x="560709" y="4715827"/>
-            <a:ext cx="6481070" cy="369332"/>
-          </a:xfrm>
-          <a:prstGeom prst="rect">
-            <a:avLst/>
-          </a:prstGeom>
-          <a:solidFill>
-            <a:schemeClr val="bg2"/>
-          </a:solidFill>
-        </p:spPr>
-        <p:txBody>
-          <a:bodyPr wrap="none" rtlCol="0">
-            <a:spAutoFit/>
-          </a:bodyPr>
-          <a:lstStyle/>
-          <a:p>
-            <a:r>
-              <a:rPr lang="en-GB" dirty="0" smtClean="0"/>
-              <a:t>CIS  </a:t>
-            </a:r>
-            <a:r>
-              <a:rPr lang="en-GB" dirty="0" smtClean="0">
-                <a:solidFill>
-                  <a:schemeClr val="accent1"/>
-                </a:solidFill>
-              </a:rPr>
-              <a:t>plot</a:t>
-            </a:r>
-            <a:r>
-              <a:rPr lang="en-GB" dirty="0" smtClean="0"/>
-              <a:t> </a:t>
-            </a:r>
-            <a:r>
-              <a:rPr lang="en-GB" dirty="0">
-                <a:solidFill>
-                  <a:schemeClr val="accent2"/>
-                </a:solidFill>
-              </a:rPr>
-              <a:t>od550aer:model_2008_average.nc </a:t>
-            </a:r>
-            <a:r>
-              <a:rPr lang="en-GB" dirty="0" smtClean="0">
-                <a:solidFill>
-                  <a:schemeClr val="accent4"/>
-                </a:solidFill>
-              </a:rPr>
-              <a:t>--</a:t>
-            </a:r>
-            <a:r>
-              <a:rPr lang="en-GB" dirty="0" err="1">
-                <a:solidFill>
-                  <a:schemeClr val="accent4"/>
-                </a:solidFill>
-              </a:rPr>
-              <a:t>xmin</a:t>
-            </a:r>
-            <a:r>
-              <a:rPr lang="en-GB" dirty="0">
-                <a:solidFill>
-                  <a:schemeClr val="accent4"/>
-                </a:solidFill>
-              </a:rPr>
-              <a:t> </a:t>
-            </a:r>
-            <a:r>
-              <a:rPr lang="en-GB" dirty="0" smtClean="0">
-                <a:solidFill>
-                  <a:schemeClr val="accent4"/>
-                </a:solidFill>
-              </a:rPr>
-              <a:t>-180 </a:t>
-            </a:r>
-            <a:r>
-              <a:rPr lang="en-GB" dirty="0">
-                <a:solidFill>
-                  <a:schemeClr val="accent4"/>
-                </a:solidFill>
-              </a:rPr>
-              <a:t>--</a:t>
-            </a:r>
-            <a:r>
-              <a:rPr lang="en-GB" dirty="0" err="1">
-                <a:solidFill>
-                  <a:schemeClr val="accent4"/>
-                </a:solidFill>
-              </a:rPr>
-              <a:t>xmax</a:t>
-            </a:r>
-            <a:r>
-              <a:rPr lang="en-GB" dirty="0">
-                <a:solidFill>
-                  <a:schemeClr val="accent4"/>
-                </a:solidFill>
-              </a:rPr>
-              <a:t> </a:t>
-            </a:r>
-            <a:r>
-              <a:rPr lang="en-GB" dirty="0" smtClean="0">
-                <a:solidFill>
-                  <a:schemeClr val="accent4"/>
-                </a:solidFill>
-              </a:rPr>
-              <a:t>180</a:t>
-            </a:r>
-            <a:endParaRPr lang="en-GB" dirty="0">
-              <a:solidFill>
-                <a:schemeClr val="accent4"/>
-              </a:solidFill>
-            </a:endParaRPr>
-          </a:p>
-        </p:txBody>
-      </p:sp>
-      <p:sp>
-        <p:nvSpPr>
-          <p:cNvPr id="7" name="TextBox 6"/>
-          <p:cNvSpPr txBox="1"/>
-          <p:nvPr/>
-        </p:nvSpPr>
-        <p:spPr>
-          <a:xfrm>
-            <a:off x="560709" y="1616643"/>
-            <a:ext cx="8383834" cy="369332"/>
-          </a:xfrm>
-          <a:prstGeom prst="rect">
-            <a:avLst/>
-          </a:prstGeom>
-          <a:noFill/>
-        </p:spPr>
-        <p:txBody>
-          <a:bodyPr wrap="none" rtlCol="0">
-            <a:spAutoFit/>
-          </a:bodyPr>
-          <a:lstStyle/>
-          <a:p>
-            <a:r>
-              <a:rPr lang="en-US" dirty="0" smtClean="0"/>
-              <a:t>Another way of looking at the model data is by taking a time average of the whole year:</a:t>
-            </a:r>
-            <a:endParaRPr lang="en-US" dirty="0"/>
-          </a:p>
-        </p:txBody>
-      </p:sp>
-      <p:sp>
-        <p:nvSpPr>
-          <p:cNvPr id="14" name="TextBox 13"/>
-          <p:cNvSpPr txBox="1"/>
-          <p:nvPr/>
-        </p:nvSpPr>
-        <p:spPr>
-          <a:xfrm>
-            <a:off x="560709" y="2947107"/>
-            <a:ext cx="1233030" cy="369332"/>
-          </a:xfrm>
-          <a:prstGeom prst="rect">
-            <a:avLst/>
-          </a:prstGeom>
-          <a:noFill/>
-        </p:spPr>
-        <p:txBody>
-          <a:bodyPr wrap="none" rtlCol="0">
-            <a:spAutoFit/>
-          </a:bodyPr>
-          <a:lstStyle/>
-          <a:p>
-            <a:r>
-              <a:rPr lang="en-US" dirty="0" smtClean="0"/>
-              <a:t>And plot it:</a:t>
-            </a:r>
-            <a:endParaRPr lang="en-US" dirty="0"/>
-          </a:p>
-        </p:txBody>
-      </p:sp>
-      <p:sp>
-        <p:nvSpPr>
-          <p:cNvPr id="15" name="TextBox 14"/>
-          <p:cNvSpPr txBox="1"/>
-          <p:nvPr/>
-        </p:nvSpPr>
-        <p:spPr>
-          <a:xfrm>
-            <a:off x="560709" y="4273750"/>
-            <a:ext cx="3443122" cy="369332"/>
-          </a:xfrm>
-          <a:prstGeom prst="rect">
-            <a:avLst/>
-          </a:prstGeom>
-          <a:noFill/>
-        </p:spPr>
-        <p:txBody>
-          <a:bodyPr wrap="none" rtlCol="0">
-            <a:spAutoFit/>
-          </a:bodyPr>
-          <a:lstStyle/>
-          <a:p>
-            <a:r>
-              <a:rPr lang="en-US" dirty="0" smtClean="0"/>
-              <a:t>Or, we can center on the meridian:</a:t>
-            </a:r>
-            <a:endParaRPr lang="en-US" dirty="0"/>
-          </a:p>
-        </p:txBody>
-      </p:sp>
-      <p:sp>
-        <p:nvSpPr>
-          <p:cNvPr id="16" name="TextBox 15"/>
-          <p:cNvSpPr txBox="1"/>
-          <p:nvPr/>
-        </p:nvSpPr>
-        <p:spPr>
-          <a:xfrm>
-            <a:off x="560709" y="2050631"/>
-            <a:ext cx="6131871" cy="369332"/>
-          </a:xfrm>
-          <a:prstGeom prst="rect">
-            <a:avLst/>
-          </a:prstGeom>
-          <a:solidFill>
-            <a:schemeClr val="bg2"/>
-          </a:solidFill>
-        </p:spPr>
-        <p:txBody>
-          <a:bodyPr wrap="none" rtlCol="0">
-            <a:spAutoFit/>
-          </a:bodyPr>
-          <a:lstStyle/>
-          <a:p>
-            <a:r>
-              <a:rPr lang="en-US" dirty="0"/>
-              <a:t>CIS  </a:t>
-            </a:r>
-            <a:r>
-              <a:rPr lang="en-US" dirty="0">
-                <a:solidFill>
-                  <a:schemeClr val="accent1"/>
-                </a:solidFill>
-              </a:rPr>
-              <a:t>aggregate </a:t>
-            </a:r>
-            <a:r>
-              <a:rPr lang="en-GB" dirty="0">
-                <a:solidFill>
-                  <a:schemeClr val="accent2"/>
-                </a:solidFill>
-              </a:rPr>
-              <a:t>od550aer:od550aer.nc</a:t>
-            </a:r>
-            <a:r>
-              <a:rPr lang="en-GB" dirty="0"/>
-              <a:t> </a:t>
-            </a:r>
-            <a:r>
-              <a:rPr lang="en-GB" dirty="0">
-                <a:solidFill>
-                  <a:schemeClr val="accent6">
-                    <a:lumMod val="75000"/>
-                  </a:schemeClr>
-                </a:solidFill>
-              </a:rPr>
-              <a:t>t</a:t>
-            </a:r>
-            <a:r>
-              <a:rPr lang="en-GB" dirty="0" smtClean="0"/>
-              <a:t> </a:t>
-            </a:r>
-            <a:r>
-              <a:rPr lang="en-GB" dirty="0">
-                <a:solidFill>
-                  <a:schemeClr val="accent4"/>
-                </a:solidFill>
-              </a:rPr>
-              <a:t>-o </a:t>
-            </a:r>
-            <a:r>
-              <a:rPr lang="en-GB" dirty="0" smtClean="0">
-                <a:solidFill>
-                  <a:schemeClr val="accent4"/>
-                </a:solidFill>
-              </a:rPr>
-              <a:t>model_2008_average</a:t>
-            </a:r>
-            <a:endParaRPr lang="en-GB" dirty="0">
-              <a:solidFill>
-                <a:schemeClr val="accent4"/>
-              </a:solidFill>
-            </a:endParaRPr>
-          </a:p>
-        </p:txBody>
-      </p:sp>
-      <p:sp>
-        <p:nvSpPr>
-          <p:cNvPr id="10" name="TextBox 9"/>
-          <p:cNvSpPr txBox="1"/>
-          <p:nvPr/>
-        </p:nvSpPr>
-        <p:spPr>
-          <a:xfrm>
-            <a:off x="560709" y="3383229"/>
-            <a:ext cx="4325800" cy="369332"/>
-          </a:xfrm>
-          <a:prstGeom prst="rect">
-            <a:avLst/>
-          </a:prstGeom>
-          <a:solidFill>
-            <a:schemeClr val="bg2"/>
-          </a:solidFill>
-        </p:spPr>
-        <p:txBody>
-          <a:bodyPr wrap="none" rtlCol="0">
-            <a:spAutoFit/>
-          </a:bodyPr>
-          <a:lstStyle/>
-          <a:p>
-            <a:r>
-              <a:rPr lang="en-US" dirty="0" smtClean="0"/>
-              <a:t>CIS  </a:t>
-            </a:r>
-            <a:r>
-              <a:rPr lang="en-US" dirty="0" smtClean="0">
-                <a:solidFill>
-                  <a:schemeClr val="accent1"/>
-                </a:solidFill>
-              </a:rPr>
-              <a:t>plot  </a:t>
-            </a:r>
-            <a:r>
-              <a:rPr lang="en-GB" dirty="0" smtClean="0">
-                <a:solidFill>
-                  <a:schemeClr val="accent2"/>
-                </a:solidFill>
-              </a:rPr>
-              <a:t>od550aer:model_2008_average.nc</a:t>
-            </a:r>
-            <a:endParaRPr lang="en-GB" dirty="0">
-              <a:solidFill>
-                <a:schemeClr val="accent4"/>
-              </a:solidFill>
-            </a:endParaRPr>
-          </a:p>
-        </p:txBody>
-      </p:sp>
-    </p:spTree>
-    <p:extLst>
-      <p:ext uri="{BB962C8B-B14F-4D97-AF65-F5344CB8AC3E}">
-        <p14:creationId xmlns:p14="http://schemas.microsoft.com/office/powerpoint/2010/main" val="1389567820"/>
-      </p:ext>
-    </p:extLst>
-  </p:cSld>
-  <p:clrMapOvr>
-    <a:masterClrMapping/>
-  </p:clrMapOvr>
-  <p:timing>
-    <p:tnLst>
-      <p:par>
-        <p:cTn id="1" dur="indefinite" restart="never" nodeType="tmRoot">
-          <p:childTnLst>
-            <p:seq concurrent="1" nextAc="seek">
-              <p:cTn id="2" dur="indefinite" nodeType="mainSeq">
-                <p:childTnLst>
-                  <p:par>
-                    <p:cTn id="3" fill="hold">
-                      <p:stCondLst>
-                        <p:cond delay="indefinite"/>
-                      </p:stCondLst>
-                      <p:childTnLst>
-                        <p:par>
-                          <p:cTn id="4" fill="hold">
-                            <p:stCondLst>
-                              <p:cond delay="0"/>
-                            </p:stCondLst>
-                            <p:childTnLst>
-                              <p:par>
-                                <p:cTn id="5" presetID="1" presetClass="entr" presetSubtype="0" fill="hold" grpId="0" nodeType="clickEffect">
-                                  <p:stCondLst>
-                                    <p:cond delay="0"/>
-                                  </p:stCondLst>
-                                  <p:childTnLst>
-                                    <p:set>
-                                      <p:cBhvr>
-                                        <p:cTn id="6" dur="1" fill="hold">
-                                          <p:stCondLst>
-                                            <p:cond delay="0"/>
-                                          </p:stCondLst>
-                                        </p:cTn>
-                                        <p:tgtEl>
-                                          <p:spTgt spid="7"/>
-                                        </p:tgtEl>
-                                        <p:attrNameLst>
-                                          <p:attrName>style.visibility</p:attrName>
-                                        </p:attrNameLst>
-                                      </p:cBhvr>
-                                      <p:to>
-                                        <p:strVal val="visible"/>
-                                      </p:to>
-                                    </p:set>
-                                  </p:childTnLst>
-                                </p:cTn>
-                              </p:par>
-                              <p:par>
-                                <p:cTn id="7" presetID="1" presetClass="entr" presetSubtype="0" fill="hold" grpId="0" nodeType="withEffect">
-                                  <p:stCondLst>
-                                    <p:cond delay="0"/>
-                                  </p:stCondLst>
-                                  <p:childTnLst>
-                                    <p:set>
-                                      <p:cBhvr>
-                                        <p:cTn id="8" dur="1" fill="hold">
-                                          <p:stCondLst>
-                                            <p:cond delay="0"/>
-                                          </p:stCondLst>
-                                        </p:cTn>
-                                        <p:tgtEl>
-                                          <p:spTgt spid="16"/>
-                                        </p:tgtEl>
-                                        <p:attrNameLst>
-                                          <p:attrName>style.visibility</p:attrName>
-                                        </p:attrNameLst>
-                                      </p:cBhvr>
-                                      <p:to>
-                                        <p:strVal val="visible"/>
-                                      </p:to>
-                                    </p:set>
-                                  </p:childTnLst>
-                                </p:cTn>
-                              </p:par>
-                            </p:childTnLst>
-                          </p:cTn>
-                        </p:par>
-                      </p:childTnLst>
-                    </p:cTn>
-                  </p:par>
-                  <p:par>
-                    <p:cTn id="9" fill="hold">
-                      <p:stCondLst>
-                        <p:cond delay="indefinite"/>
-                      </p:stCondLst>
-                      <p:childTnLst>
-                        <p:par>
-                          <p:cTn id="10" fill="hold">
-                            <p:stCondLst>
-                              <p:cond delay="0"/>
-                            </p:stCondLst>
-                            <p:childTnLst>
-                              <p:par>
-                                <p:cTn id="11" presetID="1" presetClass="entr" presetSubtype="0" fill="hold" grpId="0" nodeType="clickEffect">
-                                  <p:stCondLst>
-                                    <p:cond delay="0"/>
-                                  </p:stCondLst>
-                                  <p:childTnLst>
-                                    <p:set>
-                                      <p:cBhvr>
-                                        <p:cTn id="12" dur="1" fill="hold">
-                                          <p:stCondLst>
-                                            <p:cond delay="0"/>
-                                          </p:stCondLst>
-                                        </p:cTn>
-                                        <p:tgtEl>
-                                          <p:spTgt spid="14"/>
-                                        </p:tgtEl>
-                                        <p:attrNameLst>
-                                          <p:attrName>style.visibility</p:attrName>
-                                        </p:attrNameLst>
-                                      </p:cBhvr>
-                                      <p:to>
-                                        <p:strVal val="visible"/>
-                                      </p:to>
-                                    </p:set>
-                                  </p:childTnLst>
-                                </p:cTn>
-                              </p:par>
-                              <p:par>
-                                <p:cTn id="13" presetID="1" presetClass="entr" presetSubtype="0" fill="hold" grpId="0" nodeType="withEffect">
-                                  <p:stCondLst>
-                                    <p:cond delay="0"/>
-                                  </p:stCondLst>
-                                  <p:childTnLst>
-                                    <p:set>
-                                      <p:cBhvr>
-                                        <p:cTn id="14" dur="1" fill="hold">
-                                          <p:stCondLst>
-                                            <p:cond delay="0"/>
-                                          </p:stCondLst>
-                                        </p:cTn>
-                                        <p:tgtEl>
-                                          <p:spTgt spid="10"/>
-                                        </p:tgtEl>
-                                        <p:attrNameLst>
-                                          <p:attrName>style.visibility</p:attrName>
-                                        </p:attrNameLst>
-                                      </p:cBhvr>
-                                      <p:to>
-                                        <p:strVal val="visible"/>
-                                      </p:to>
-                                    </p:set>
-                                  </p:childTnLst>
-                                </p:cTn>
-                              </p:par>
-                            </p:childTnLst>
-                          </p:cTn>
-                        </p:par>
-                        <p:par>
-                          <p:cTn id="15" fill="hold">
-                            <p:stCondLst>
-                              <p:cond delay="0"/>
-                            </p:stCondLst>
-                            <p:childTnLst>
-                              <p:par>
-                                <p:cTn id="16" presetID="1" presetClass="entr" presetSubtype="0" fill="hold" grpId="0" nodeType="afterEffect">
-                                  <p:stCondLst>
-                                    <p:cond delay="0"/>
-                                  </p:stCondLst>
-                                  <p:childTnLst>
-                                    <p:set>
-                                      <p:cBhvr>
-                                        <p:cTn id="17" dur="1" fill="hold">
-                                          <p:stCondLst>
-                                            <p:cond delay="0"/>
-                                          </p:stCondLst>
-                                        </p:cTn>
-                                        <p:tgtEl>
-                                          <p:spTgt spid="13"/>
-                                        </p:tgtEl>
-                                        <p:attrNameLst>
-                                          <p:attrName>style.visibility</p:attrName>
-                                        </p:attrNameLst>
-                                      </p:cBhvr>
-                                      <p:to>
-                                        <p:strVal val="visible"/>
-                                      </p:to>
-                                    </p:set>
-                                  </p:childTnLst>
-                                </p:cTn>
-                              </p:par>
-                              <p:par>
-                                <p:cTn id="18" presetID="1" presetClass="entr" presetSubtype="0" fill="hold" grpId="0" nodeType="withEffect">
-                                  <p:stCondLst>
-                                    <p:cond delay="0"/>
-                                  </p:stCondLst>
-                                  <p:childTnLst>
-                                    <p:set>
-                                      <p:cBhvr>
-                                        <p:cTn id="19" dur="1" fill="hold">
-                                          <p:stCondLst>
-                                            <p:cond delay="0"/>
-                                          </p:stCondLst>
-                                        </p:cTn>
-                                        <p:tgtEl>
-                                          <p:spTgt spid="15"/>
-                                        </p:tgtEl>
-                                        <p:attrNameLst>
-                                          <p:attrName>style.visibility</p:attrName>
-                                        </p:attrNameLst>
-                                      </p:cBhvr>
-                                      <p:to>
-                                        <p:strVal val="visible"/>
-                                      </p:to>
-                                    </p:set>
-                                  </p:childTnLst>
-                                </p:cTn>
-                              </p:par>
-                            </p:childTnLst>
-                          </p:cTn>
-                        </p:par>
-                      </p:childTnLst>
-                    </p:cTn>
-                  </p:par>
-                </p:childTnLst>
-              </p:cTn>
-              <p:prevCondLst>
-                <p:cond evt="onPrev" delay="0">
-                  <p:tgtEl>
-                    <p:sldTgt/>
-                  </p:tgtEl>
-                </p:cond>
-              </p:prevCondLst>
-              <p:nextCondLst>
-                <p:cond evt="onNext" delay="0">
-                  <p:tgtEl>
-                    <p:sldTgt/>
-                  </p:tgtEl>
-                </p:cond>
-              </p:nextCondLst>
-            </p:seq>
-          </p:childTnLst>
-        </p:cTn>
-      </p:par>
-    </p:tnLst>
-    <p:bldLst>
-      <p:bldP spid="13" grpId="0" animBg="1"/>
-      <p:bldP spid="7" grpId="0"/>
-      <p:bldP spid="14" grpId="0"/>
-      <p:bldP spid="15" grpId="0"/>
-      <p:bldP spid="16" grpId="0" animBg="1"/>
-      <p:bldP spid="10" grpId="0" animBg="1"/>
-    </p:bldLst>
-  </p:timing>
-</p:sld>
-</file>
-
-<file path=ppt/slides/slide21.xml><?xml version="1.0" encoding="utf-8"?>
-<p:sld xmlns:a="http://schemas.openxmlformats.org/drawingml/2006/main" xmlns:r="http://schemas.openxmlformats.org/officeDocument/2006/relationships" xmlns:p="http://schemas.openxmlformats.org/presentationml/2006/main">
-  <p:cSld>
-    <p:spTree>
-      <p:nvGrpSpPr>
-        <p:cNvPr id="1" name=""/>
-        <p:cNvGrpSpPr/>
-        <p:nvPr/>
-      </p:nvGrpSpPr>
-      <p:grpSpPr>
-        <a:xfrm>
-          <a:off x="0" y="0"/>
-          <a:ext cx="0" cy="0"/>
-          <a:chOff x="0" y="0"/>
-          <a:chExt cx="0" cy="0"/>
-        </a:xfrm>
-      </p:grpSpPr>
-      <p:pic>
-        <p:nvPicPr>
-          <p:cNvPr id="5" name="Picture 4"/>
-          <p:cNvPicPr>
-            <a:picLocks noChangeAspect="1"/>
-          </p:cNvPicPr>
-          <p:nvPr/>
-        </p:nvPicPr>
-        <p:blipFill>
-          <a:blip r:embed="rId3">
-            <a:extLst>
-              <a:ext uri="{28A0092B-C50C-407E-A947-70E740481C1C}">
-                <a14:useLocalDpi xmlns:a14="http://schemas.microsoft.com/office/drawing/2010/main" val="0"/>
-              </a:ext>
-            </a:extLst>
-          </a:blip>
-          <a:stretch>
-            <a:fillRect/>
-          </a:stretch>
-        </p:blipFill>
-        <p:spPr>
-          <a:xfrm>
-            <a:off x="6253589" y="3856613"/>
-            <a:ext cx="2286000" cy="2286000"/>
-          </a:xfrm>
-          <a:prstGeom prst="rect">
-            <a:avLst/>
-          </a:prstGeom>
-        </p:spPr>
-      </p:pic>
-      <p:sp>
-        <p:nvSpPr>
-          <p:cNvPr id="2" name="Title 1"/>
-          <p:cNvSpPr>
-            <a:spLocks noGrp="1"/>
-          </p:cNvSpPr>
-          <p:nvPr>
-            <p:ph type="title"/>
-          </p:nvPr>
-        </p:nvSpPr>
-        <p:spPr>
-          <a:xfrm>
-            <a:off x="457200" y="148289"/>
-            <a:ext cx="8229600" cy="1143000"/>
-          </a:xfrm>
-        </p:spPr>
-        <p:txBody>
-          <a:bodyPr>
-            <a:normAutofit/>
-          </a:bodyPr>
-          <a:lstStyle/>
-          <a:p>
-            <a:r>
-              <a:rPr lang="en-US" dirty="0" smtClean="0"/>
-              <a:t>Summary</a:t>
-            </a:r>
-            <a:endParaRPr lang="en-GB" dirty="0"/>
-          </a:p>
-        </p:txBody>
-      </p:sp>
-      <p:sp>
-        <p:nvSpPr>
-          <p:cNvPr id="3" name="Content Placeholder 2"/>
-          <p:cNvSpPr>
-            <a:spLocks noGrp="1"/>
-          </p:cNvSpPr>
-          <p:nvPr>
-            <p:ph idx="1"/>
-          </p:nvPr>
-        </p:nvSpPr>
-        <p:spPr>
-          <a:xfrm>
-            <a:off x="457200" y="1448244"/>
-            <a:ext cx="8229600" cy="2544636"/>
-          </a:xfrm>
-        </p:spPr>
-        <p:txBody>
-          <a:bodyPr>
-            <a:normAutofit fontScale="77500" lnSpcReduction="20000"/>
-          </a:bodyPr>
-          <a:lstStyle/>
-          <a:p>
-            <a:r>
-              <a:rPr lang="en-GB" dirty="0"/>
-              <a:t>CIS is an open source python toolbox </a:t>
-            </a:r>
-            <a:r>
-              <a:rPr lang="en-GB" dirty="0" smtClean="0"/>
-              <a:t>for reading, analysing and visualising earth sciences data</a:t>
-            </a:r>
-            <a:endParaRPr lang="en-GB" sz="1900" dirty="0" smtClean="0"/>
-          </a:p>
-          <a:p>
-            <a:r>
-              <a:rPr lang="en-GB" dirty="0" smtClean="0"/>
-              <a:t>Lots of support for community developed plugins</a:t>
-            </a:r>
-          </a:p>
-          <a:p>
-            <a:r>
-              <a:rPr lang="en-GB" dirty="0" smtClean="0"/>
-              <a:t>There is also a Python API available</a:t>
-            </a:r>
-          </a:p>
-          <a:p>
-            <a:r>
-              <a:rPr lang="en-GB" dirty="0" smtClean="0"/>
-              <a:t>Future work:</a:t>
-            </a:r>
-          </a:p>
-          <a:p>
-            <a:pPr lvl="1"/>
-            <a:r>
-              <a:rPr lang="en-GB" dirty="0" smtClean="0"/>
-              <a:t>Support for ‘hybrid’ semi-gridded data types</a:t>
-            </a:r>
-          </a:p>
-          <a:p>
-            <a:pPr lvl="1"/>
-            <a:r>
-              <a:rPr lang="en-GB" dirty="0" smtClean="0"/>
-              <a:t>Vector plots… and more!</a:t>
-            </a:r>
-          </a:p>
-        </p:txBody>
-      </p:sp>
-      <p:pic>
-        <p:nvPicPr>
-          <p:cNvPr id="7" name="Picture 6" descr="CIS-logo-blue-horizontal.ai"/>
-          <p:cNvPicPr>
-            <a:picLocks noChangeAspect="1"/>
-          </p:cNvPicPr>
-          <p:nvPr/>
-        </p:nvPicPr>
-        <p:blipFill>
-          <a:blip r:embed="rId4">
-            <a:extLst>
-              <a:ext uri="{28A0092B-C50C-407E-A947-70E740481C1C}">
-                <a14:useLocalDpi xmlns:a14="http://schemas.microsoft.com/office/drawing/2010/main" val="0"/>
-              </a:ext>
-            </a:extLst>
-          </a:blip>
-          <a:stretch>
-            <a:fillRect/>
-          </a:stretch>
-        </p:blipFill>
-        <p:spPr>
-          <a:xfrm>
-            <a:off x="176581" y="6142613"/>
-            <a:ext cx="2874105" cy="704438"/>
-          </a:xfrm>
-          <a:prstGeom prst="rect">
-            <a:avLst/>
-          </a:prstGeom>
-        </p:spPr>
-      </p:pic>
-      <p:cxnSp>
-        <p:nvCxnSpPr>
-          <p:cNvPr id="8" name="Straight Connector 7"/>
-          <p:cNvCxnSpPr/>
-          <p:nvPr/>
-        </p:nvCxnSpPr>
-        <p:spPr>
-          <a:xfrm>
-            <a:off x="176581" y="6087484"/>
-            <a:ext cx="8650111" cy="0"/>
-          </a:xfrm>
-          <a:prstGeom prst="line">
-            <a:avLst/>
-          </a:prstGeom>
-          <a:ln>
-            <a:solidFill>
-              <a:srgbClr val="1D224C"/>
-            </a:solidFill>
-          </a:ln>
-        </p:spPr>
-        <p:style>
-          <a:lnRef idx="2">
-            <a:schemeClr val="accent1"/>
-          </a:lnRef>
-          <a:fillRef idx="0">
-            <a:schemeClr val="accent1"/>
-          </a:fillRef>
-          <a:effectRef idx="1">
-            <a:schemeClr val="accent1"/>
-          </a:effectRef>
-          <a:fontRef idx="minor">
-            <a:schemeClr val="tx1"/>
-          </a:fontRef>
-        </p:style>
-      </p:cxnSp>
-      <p:pic>
-        <p:nvPicPr>
-          <p:cNvPr id="10" name="Picture 9"/>
-          <p:cNvPicPr>
-            <a:picLocks noChangeAspect="1"/>
-          </p:cNvPicPr>
-          <p:nvPr/>
-        </p:nvPicPr>
-        <p:blipFill>
-          <a:blip r:embed="rId5"/>
-          <a:stretch>
-            <a:fillRect/>
-          </a:stretch>
-        </p:blipFill>
-        <p:spPr>
-          <a:xfrm>
-            <a:off x="7213914" y="6232976"/>
-            <a:ext cx="1612778" cy="523063"/>
-          </a:xfrm>
-          <a:prstGeom prst="rect">
-            <a:avLst/>
-          </a:prstGeom>
-        </p:spPr>
-      </p:pic>
-      <p:sp>
-        <p:nvSpPr>
-          <p:cNvPr id="4" name="TextBox 3"/>
-          <p:cNvSpPr txBox="1"/>
-          <p:nvPr/>
-        </p:nvSpPr>
-        <p:spPr>
-          <a:xfrm>
-            <a:off x="1051231" y="4174430"/>
-            <a:ext cx="5324278" cy="1791260"/>
-          </a:xfrm>
-          <a:prstGeom prst="rect">
-            <a:avLst/>
-          </a:prstGeom>
-          <a:noFill/>
-        </p:spPr>
-        <p:txBody>
-          <a:bodyPr wrap="none" rtlCol="0">
-            <a:spAutoFit/>
-          </a:bodyPr>
-          <a:lstStyle/>
-          <a:p>
-            <a:pPr lvl="0" algn="ctr">
-              <a:spcBef>
-                <a:spcPct val="20000"/>
-              </a:spcBef>
-            </a:pPr>
-            <a:r>
-              <a:rPr lang="en-GB" sz="4200" dirty="0" smtClean="0">
-                <a:solidFill>
-                  <a:prstClr val="black"/>
-                </a:solidFill>
-              </a:rPr>
-              <a:t>Join us </a:t>
-            </a:r>
-            <a:r>
-              <a:rPr lang="en-GB" sz="4200" dirty="0">
-                <a:solidFill>
-                  <a:prstClr val="black"/>
-                </a:solidFill>
-              </a:rPr>
-              <a:t>at </a:t>
-            </a:r>
-            <a:r>
-              <a:rPr lang="en-GB" sz="4200" dirty="0" smtClean="0">
-                <a:solidFill>
-                  <a:prstClr val="black"/>
-                </a:solidFill>
-                <a:hlinkClick r:id="rId6"/>
-              </a:rPr>
-              <a:t>cistools.net</a:t>
-            </a:r>
-            <a:endParaRPr lang="en-GB" sz="4200" dirty="0" smtClean="0">
-              <a:solidFill>
-                <a:prstClr val="black"/>
-              </a:solidFill>
-            </a:endParaRPr>
-          </a:p>
-          <a:p>
-            <a:pPr lvl="0" algn="ctr">
-              <a:spcBef>
-                <a:spcPct val="20000"/>
-              </a:spcBef>
-            </a:pPr>
-            <a:r>
-              <a:rPr lang="en-GB" sz="4200" dirty="0" smtClean="0">
-                <a:solidFill>
-                  <a:prstClr val="black"/>
-                </a:solidFill>
-              </a:rPr>
-              <a:t>Follow us @</a:t>
-            </a:r>
-            <a:r>
-              <a:rPr lang="en-GB" sz="4200" dirty="0" err="1" smtClean="0">
-                <a:solidFill>
-                  <a:prstClr val="black"/>
-                </a:solidFill>
-              </a:rPr>
-              <a:t>cistoolsnet</a:t>
-            </a:r>
-            <a:r>
-              <a:rPr lang="en-GB" sz="4200" dirty="0" smtClean="0">
-                <a:solidFill>
-                  <a:prstClr val="black"/>
-                </a:solidFill>
-              </a:rPr>
-              <a:t> </a:t>
-            </a:r>
-            <a:endParaRPr lang="en-GB" sz="4200" dirty="0">
-              <a:solidFill>
-                <a:prstClr val="black"/>
-              </a:solidFill>
-            </a:endParaRPr>
-          </a:p>
-          <a:p>
-            <a:pPr algn="ctr"/>
-            <a:endParaRPr lang="en-GB" dirty="0"/>
-          </a:p>
-        </p:txBody>
-      </p:sp>
-    </p:spTree>
-    <p:extLst>
-      <p:ext uri="{BB962C8B-B14F-4D97-AF65-F5344CB8AC3E}">
-        <p14:creationId xmlns:p14="http://schemas.microsoft.com/office/powerpoint/2010/main" val="296141683"/>
-      </p:ext>
-    </p:extLst>
-  </p:cSld>
-  <p:clrMapOvr>
-    <a:masterClrMapping/>
-  </p:clrMapOvr>
-  <p:timing>
-    <p:tnLst>
-      <p:par>
-        <p:cTn id="1" dur="indefinite" restart="never" nodeType="tmRoot"/>
-      </p:par>
-    </p:tnLst>
-  </p:timing>
-</p:sld>
-</file>
-
-<file path=ppt/slides/slide22.xml><?xml version="1.0" encoding="utf-8"?>
-<p:sld xmlns:a="http://schemas.openxmlformats.org/drawingml/2006/main" xmlns:r="http://schemas.openxmlformats.org/officeDocument/2006/relationships" xmlns:p="http://schemas.openxmlformats.org/presentationml/2006/main">
-  <p:cSld>
-    <p:spTree>
-      <p:nvGrpSpPr>
-        <p:cNvPr id="1" name=""/>
-        <p:cNvGrpSpPr/>
-        <p:nvPr/>
-      </p:nvGrpSpPr>
-      <p:grpSpPr>
-        <a:xfrm>
-          <a:off x="0" y="0"/>
-          <a:ext cx="0" cy="0"/>
-          <a:chOff x="0" y="0"/>
-          <a:chExt cx="0" cy="0"/>
-        </a:xfrm>
-      </p:grpSpPr>
-      <p:sp>
-        <p:nvSpPr>
-          <p:cNvPr id="2" name="Title 1"/>
-          <p:cNvSpPr>
-            <a:spLocks noGrp="1"/>
-          </p:cNvSpPr>
-          <p:nvPr>
-            <p:ph type="title"/>
-          </p:nvPr>
-        </p:nvSpPr>
-        <p:spPr/>
-        <p:txBody>
-          <a:bodyPr>
-            <a:normAutofit/>
-          </a:bodyPr>
-          <a:lstStyle/>
-          <a:p>
-            <a:r>
-              <a:rPr lang="en-US" dirty="0" smtClean="0"/>
-              <a:t>Spare slides</a:t>
-            </a:r>
-            <a:endParaRPr lang="en-GB" dirty="0"/>
-          </a:p>
-        </p:txBody>
-      </p:sp>
-      <p:sp>
-        <p:nvSpPr>
-          <p:cNvPr id="4" name="Text Placeholder 3"/>
-          <p:cNvSpPr>
-            <a:spLocks noGrp="1"/>
-          </p:cNvSpPr>
-          <p:nvPr>
-            <p:ph type="body" idx="1"/>
-          </p:nvPr>
-        </p:nvSpPr>
-        <p:spPr/>
-        <p:txBody>
-          <a:bodyPr/>
-          <a:lstStyle/>
-          <a:p>
-            <a:endParaRPr lang="en-GB"/>
-          </a:p>
-        </p:txBody>
-      </p:sp>
-      <p:pic>
-        <p:nvPicPr>
-          <p:cNvPr id="7" name="Picture 6" descr="CIS-logo-blue-horizontal.ai"/>
-          <p:cNvPicPr>
-            <a:picLocks noChangeAspect="1"/>
-          </p:cNvPicPr>
-          <p:nvPr/>
-        </p:nvPicPr>
-        <p:blipFill>
-          <a:blip r:embed="rId2">
-            <a:extLst>
-              <a:ext uri="{28A0092B-C50C-407E-A947-70E740481C1C}">
-                <a14:useLocalDpi xmlns:a14="http://schemas.microsoft.com/office/drawing/2010/main" val="0"/>
-              </a:ext>
-            </a:extLst>
-          </a:blip>
-          <a:stretch>
-            <a:fillRect/>
-          </a:stretch>
-        </p:blipFill>
-        <p:spPr>
-          <a:xfrm>
-            <a:off x="176581" y="6142613"/>
-            <a:ext cx="2874105" cy="704438"/>
-          </a:xfrm>
-          <a:prstGeom prst="rect">
-            <a:avLst/>
-          </a:prstGeom>
-        </p:spPr>
-      </p:pic>
-      <p:cxnSp>
-        <p:nvCxnSpPr>
-          <p:cNvPr id="8" name="Straight Connector 7"/>
-          <p:cNvCxnSpPr/>
-          <p:nvPr/>
-        </p:nvCxnSpPr>
-        <p:spPr>
-          <a:xfrm>
-            <a:off x="176581" y="6087484"/>
-            <a:ext cx="8650111" cy="0"/>
-          </a:xfrm>
-          <a:prstGeom prst="line">
-            <a:avLst/>
-          </a:prstGeom>
-          <a:ln>
-            <a:solidFill>
-              <a:srgbClr val="1D224C"/>
-            </a:solidFill>
-          </a:ln>
-        </p:spPr>
-        <p:style>
-          <a:lnRef idx="2">
-            <a:schemeClr val="accent1"/>
-          </a:lnRef>
-          <a:fillRef idx="0">
-            <a:schemeClr val="accent1"/>
-          </a:fillRef>
-          <a:effectRef idx="1">
-            <a:schemeClr val="accent1"/>
-          </a:effectRef>
-          <a:fontRef idx="minor">
-            <a:schemeClr val="tx1"/>
-          </a:fontRef>
-        </p:style>
-      </p:cxnSp>
-      <p:pic>
-        <p:nvPicPr>
-          <p:cNvPr id="10" name="Picture 9"/>
-          <p:cNvPicPr>
-            <a:picLocks noChangeAspect="1"/>
-          </p:cNvPicPr>
-          <p:nvPr/>
-        </p:nvPicPr>
-        <p:blipFill>
-          <a:blip r:embed="rId3"/>
-          <a:stretch>
-            <a:fillRect/>
-          </a:stretch>
-        </p:blipFill>
-        <p:spPr>
-          <a:xfrm>
-            <a:off x="7213914" y="6232976"/>
-            <a:ext cx="1612778" cy="523063"/>
-          </a:xfrm>
-          <a:prstGeom prst="rect">
-            <a:avLst/>
-          </a:prstGeom>
-        </p:spPr>
-      </p:pic>
-    </p:spTree>
-    <p:extLst>
-      <p:ext uri="{BB962C8B-B14F-4D97-AF65-F5344CB8AC3E}">
-        <p14:creationId xmlns:p14="http://schemas.microsoft.com/office/powerpoint/2010/main" val="3982240163"/>
-      </p:ext>
-    </p:extLst>
-  </p:cSld>
-  <p:clrMapOvr>
-    <a:masterClrMapping/>
-  </p:clrMapOvr>
-  <p:timing>
-    <p:tnLst>
-      <p:par>
-        <p:cTn id="1" dur="indefinite" restart="never" nodeType="tmRoot"/>
-      </p:par>
-    </p:tnLst>
-  </p:timing>
-</p:sld>
-</file>
-
-<file path=ppt/slides/slide23.xml><?xml version="1.0" encoding="utf-8"?>
+<file path=ppt/slides/slide26.xml><?xml version="1.0" encoding="utf-8"?>
 <p:sld xmlns:a="http://schemas.openxmlformats.org/drawingml/2006/main" xmlns:r="http://schemas.openxmlformats.org/officeDocument/2006/relationships" xmlns:p="http://schemas.openxmlformats.org/presentationml/2006/main">
   <p:cSld>
     <p:spTree>
@@ -29137,7 +29460,7 @@
           </a:lstStyle>
           <a:p>
             <a:r>
-              <a:rPr lang="en-US" dirty="0" smtClean="0"/>
+              <a:rPr lang="en-US" dirty="0"/>
               <a:t>Architecture</a:t>
             </a:r>
             <a:endParaRPr lang="en-GB" dirty="0"/>
@@ -29154,17 +29477,10 @@
   <p:clrMapOvr>
     <a:masterClrMapping/>
   </p:clrMapOvr>
-  <p:timing>
-    <p:tnLst>
-      <p:par>
-        <p:cTn id="1" dur="indefinite" restart="never" nodeType="tmRoot"/>
-      </p:par>
-    </p:tnLst>
-  </p:timing>
 </p:sld>
 </file>
 
-<file path=ppt/slides/slide24.xml><?xml version="1.0" encoding="utf-8"?>
+<file path=ppt/slides/slide27.xml><?xml version="1.0" encoding="utf-8"?>
 <p:sld xmlns:a="http://schemas.openxmlformats.org/drawingml/2006/main" xmlns:r="http://schemas.openxmlformats.org/officeDocument/2006/relationships" xmlns:p="http://schemas.openxmlformats.org/presentationml/2006/main">
   <p:cSld>
     <p:spTree>
@@ -34022,7 +34338,7 @@
                         <m:sSubPr>
                           <m:ctrlPr>
                             <a:rPr lang="en-GB" sz="1350" i="1">
-                              <a:latin typeface="Cambria Math" charset="0"/>
+                              <a:latin typeface="Cambria Math" panose="02040503050406030204" pitchFamily="18" charset="0"/>
                             </a:rPr>
                           </m:ctrlPr>
                         </m:sSubPr>
@@ -34239,17 +34555,10 @@
   <p:clrMapOvr>
     <a:masterClrMapping/>
   </p:clrMapOvr>
-  <p:timing>
-    <p:tnLst>
-      <p:par>
-        <p:cTn id="1" dur="indefinite" restart="never" nodeType="tmRoot"/>
-      </p:par>
-    </p:tnLst>
-  </p:timing>
 </p:sld>
 </file>
 
-<file path=ppt/slides/slide25.xml><?xml version="1.0" encoding="utf-8"?>
+<file path=ppt/slides/slide28.xml><?xml version="1.0" encoding="utf-8"?>
 <p:sld xmlns:a="http://schemas.openxmlformats.org/drawingml/2006/main" xmlns:r="http://schemas.openxmlformats.org/officeDocument/2006/relationships" xmlns:p="http://schemas.openxmlformats.org/presentationml/2006/main">
   <p:cSld>
     <p:spTree>
@@ -35823,16 +36132,8 @@
           </a:lstStyle>
           <a:p>
             <a:r>
-              <a:rPr lang="en-US" dirty="0" err="1" smtClean="0"/>
-              <a:t>Ungridded</a:t>
-            </a:r>
-            <a:r>
               <a:rPr lang="en-US" dirty="0" err="1"/>
-              <a:t>D</a:t>
-            </a:r>
-            <a:r>
-              <a:rPr lang="en-US" dirty="0" err="1" smtClean="0"/>
-              <a:t>ata</a:t>
+              <a:t>UngriddedData</a:t>
             </a:r>
             <a:endParaRPr lang="en-GB" dirty="0"/>
           </a:p>
@@ -35848,13 +36149,6 @@
   <p:clrMapOvr>
     <a:masterClrMapping/>
   </p:clrMapOvr>
-  <p:timing>
-    <p:tnLst>
-      <p:par>
-        <p:cTn id="1" dur="indefinite" restart="never" nodeType="tmRoot"/>
-      </p:par>
-    </p:tnLst>
-  </p:timing>
 </p:sld>
 </file>
 
@@ -36554,7 +36848,7 @@
         </p:spPr>
         <p:txBody>
           <a:bodyPr vert="horz" lIns="91440" tIns="45720" rIns="91440" bIns="45720" rtlCol="0" anchor="b">
-            <a:normAutofit fontScale="82500" lnSpcReduction="20000"/>
+            <a:normAutofit fontScale="75000" lnSpcReduction="20000"/>
           </a:bodyPr>
           <a:lstStyle>
             <a:lvl1pPr algn="ctr" defTabSz="914400" rtl="0" eaLnBrk="1" latinLnBrk="0" hangingPunct="1">
@@ -36577,7 +36871,7 @@
           </a:lstStyle>
           <a:p>
             <a:r>
-              <a:rPr lang="en-US" dirty="0" smtClean="0"/>
+              <a:rPr lang="en-US" dirty="0"/>
               <a:t>Extensible data reading</a:t>
             </a:r>
             <a:endParaRPr lang="en-GB" dirty="0"/>
@@ -36594,13 +36888,6 @@
   <p:clrMapOvr>
     <a:masterClrMapping/>
   </p:clrMapOvr>
-  <p:timing>
-    <p:tnLst>
-      <p:par>
-        <p:cTn id="1" dur="indefinite" restart="never" nodeType="tmRoot"/>
-      </p:par>
-    </p:tnLst>
-  </p:timing>
 </p:sld>
 </file>
 
@@ -36733,23 +37020,19 @@
           <a:lstStyle/>
           <a:p>
             <a:r>
-              <a:rPr lang="en-GB" sz="1200" dirty="0" err="1" smtClean="0">
+              <a:rPr lang="en-GB" sz="1200" dirty="0" err="1">
                 <a:latin typeface="Consolas"/>
                 <a:cs typeface="Consolas"/>
               </a:rPr>
               <a:t>cis</a:t>
             </a:r>
             <a:r>
-              <a:rPr lang="en-GB" sz="1200" dirty="0" smtClean="0">
+              <a:rPr lang="en-GB" sz="1200" dirty="0">
                 <a:latin typeface="Consolas"/>
                 <a:cs typeface="Consolas"/>
               </a:rPr>
               <a:t> col …</a:t>
             </a:r>
-            <a:endParaRPr lang="en-GB" sz="1200" dirty="0">
-              <a:latin typeface="Consolas"/>
-              <a:cs typeface="Consolas"/>
-            </a:endParaRPr>
           </a:p>
         </p:txBody>
       </p:sp>
@@ -36878,23 +37161,19 @@
           <a:lstStyle/>
           <a:p>
             <a:r>
-              <a:rPr lang="en-GB" sz="1200" dirty="0" err="1" smtClean="0">
+              <a:rPr lang="en-GB" sz="1200" dirty="0" err="1">
                 <a:latin typeface="Consolas"/>
                 <a:cs typeface="Consolas"/>
               </a:rPr>
               <a:t>cis</a:t>
             </a:r>
             <a:r>
-              <a:rPr lang="en-GB" sz="1200" dirty="0" smtClean="0">
+              <a:rPr lang="en-GB" sz="1200" dirty="0">
                 <a:latin typeface="Consolas"/>
                 <a:cs typeface="Consolas"/>
               </a:rPr>
               <a:t> aggregate …</a:t>
             </a:r>
-            <a:endParaRPr lang="en-GB" sz="1200" dirty="0">
-              <a:latin typeface="Consolas"/>
-              <a:cs typeface="Consolas"/>
-            </a:endParaRPr>
           </a:p>
         </p:txBody>
       </p:sp>
@@ -36917,7 +37196,7 @@
         </p:spPr>
         <p:txBody>
           <a:bodyPr vert="horz" lIns="91440" tIns="45720" rIns="91440" bIns="45720" rtlCol="0" anchor="b">
-            <a:normAutofit fontScale="82500" lnSpcReduction="20000"/>
+            <a:normAutofit fontScale="75000" lnSpcReduction="20000"/>
           </a:bodyPr>
           <a:lstStyle>
             <a:lvl1pPr algn="ctr" defTabSz="914400" rtl="0" eaLnBrk="1" latinLnBrk="0" hangingPunct="1">
@@ -36940,7 +37219,7 @@
           </a:lstStyle>
           <a:p>
             <a:r>
-              <a:rPr lang="en-US" dirty="0" smtClean="0"/>
+              <a:rPr lang="en-US" dirty="0"/>
               <a:t>Flexible data analysis</a:t>
             </a:r>
             <a:endParaRPr lang="en-GB" dirty="0"/>
@@ -36957,21 +37236,6 @@
   <p:clrMapOvr>
     <a:masterClrMapping/>
   </p:clrMapOvr>
-  <mc:AlternateContent xmlns:mc="http://schemas.openxmlformats.org/markup-compatibility/2006" xmlns:p14="http://schemas.microsoft.com/office/powerpoint/2010/main">
-    <mc:Choice Requires="p14">
-      <p:transition spd="slow" p14:dur="2000"/>
-    </mc:Choice>
-    <mc:Fallback xmlns="">
-      <p:transition spd="slow"/>
-    </mc:Fallback>
-  </mc:AlternateContent>
-  <p:timing>
-    <p:tnLst>
-      <p:par>
-        <p:cTn id="1" dur="indefinite" restart="never" nodeType="tmRoot"/>
-      </p:par>
-    </p:tnLst>
-  </p:timing>
 </p:sld>
 </file>
 
@@ -37122,23 +37386,19 @@
           <a:lstStyle/>
           <a:p>
             <a:r>
-              <a:rPr lang="en-GB" dirty="0" err="1" smtClean="0">
+              <a:rPr lang="en-GB" dirty="0" err="1">
                 <a:latin typeface="Consolas"/>
                 <a:cs typeface="Consolas"/>
               </a:rPr>
               <a:t>cis</a:t>
             </a:r>
             <a:r>
-              <a:rPr lang="en-GB" dirty="0" smtClean="0">
+              <a:rPr lang="en-GB" dirty="0">
                 <a:latin typeface="Consolas"/>
                 <a:cs typeface="Consolas"/>
               </a:rPr>
               <a:t> plot…</a:t>
             </a:r>
-            <a:endParaRPr lang="en-GB" dirty="0">
-              <a:latin typeface="Consolas"/>
-              <a:cs typeface="Consolas"/>
-            </a:endParaRPr>
           </a:p>
         </p:txBody>
       </p:sp>
@@ -37240,7 +37500,7 @@
             <a:lstStyle/>
             <a:p>
               <a:r>
-                <a:rPr lang="en-CA" sz="1800" dirty="0" smtClean="0">
+                <a:rPr lang="en-CA" sz="1800" dirty="0">
                   <a:solidFill>
                     <a:srgbClr val="000000"/>
                   </a:solidFill>
@@ -37323,7 +37583,7 @@
             <a:lstStyle/>
             <a:p>
               <a:r>
-                <a:rPr lang="en-CA" sz="1800" dirty="0" err="1" smtClean="0">
+                <a:rPr lang="en-CA" sz="1800" dirty="0" err="1">
                   <a:solidFill>
                     <a:srgbClr val="000000"/>
                   </a:solidFill>
@@ -37405,7 +37665,7 @@
             <a:lstStyle/>
             <a:p>
               <a:r>
-                <a:rPr lang="en-CA" dirty="0" smtClean="0">
+                <a:rPr lang="en-CA" dirty="0">
                   <a:solidFill>
                     <a:srgbClr val="000000"/>
                   </a:solidFill>
@@ -37487,7 +37747,7 @@
             <a:lstStyle/>
             <a:p>
               <a:r>
-                <a:rPr lang="en-CA" sz="1800" dirty="0" smtClean="0">
+                <a:rPr lang="en-CA" sz="1800" dirty="0">
                   <a:solidFill>
                     <a:srgbClr val="000000"/>
                   </a:solidFill>
@@ -37570,7 +37830,7 @@
             <a:lstStyle/>
             <a:p>
               <a:r>
-                <a:rPr lang="en-CA" sz="1800" dirty="0" smtClean="0">
+                <a:rPr lang="en-CA" sz="1800" dirty="0">
                   <a:solidFill>
                     <a:srgbClr val="000000"/>
                   </a:solidFill>
@@ -37603,7 +37863,7 @@
         </p:spPr>
         <p:txBody>
           <a:bodyPr vert="horz" lIns="91440" tIns="45720" rIns="91440" bIns="45720" rtlCol="0" anchor="b">
-            <a:normAutofit fontScale="82500" lnSpcReduction="20000"/>
+            <a:normAutofit fontScale="75000" lnSpcReduction="20000"/>
           </a:bodyPr>
           <a:lstStyle>
             <a:lvl1pPr algn="ctr" defTabSz="914400" rtl="0" eaLnBrk="1" latinLnBrk="0" hangingPunct="1">
@@ -37626,11 +37886,11 @@
           </a:lstStyle>
           <a:p>
             <a:r>
-              <a:rPr lang="en-US" dirty="0" smtClean="0"/>
+              <a:rPr lang="en-US" dirty="0"/>
               <a:t>Comprehensive </a:t>
             </a:r>
             <a:r>
-              <a:rPr lang="en-US" dirty="0" err="1" smtClean="0"/>
+              <a:rPr lang="en-US" dirty="0" err="1"/>
               <a:t>visualisations</a:t>
             </a:r>
             <a:endParaRPr lang="en-GB" dirty="0"/>
@@ -37908,12 +38168,8 @@
           <a:lstStyle/>
           <a:p>
             <a:r>
-              <a:rPr lang="en-GB" dirty="0" smtClean="0"/>
+              <a:rPr lang="en-GB" dirty="0"/>
               <a:t>Basic interface introduction </a:t>
-            </a:r>
-            <a:r>
-              <a:rPr lang="en-GB" dirty="0"/>
-              <a:t/>
             </a:r>
             <a:br>
               <a:rPr lang="en-GB" dirty="0"/>
@@ -38040,13 +38296,6 @@
   <p:clrMapOvr>
     <a:masterClrMapping/>
   </p:clrMapOvr>
-  <p:timing>
-    <p:tnLst>
-      <p:par>
-        <p:cTn id="1" dur="indefinite" restart="never" nodeType="tmRoot"/>
-      </p:par>
-    </p:tnLst>
-  </p:timing>
 </p:sld>
 </file>
 
@@ -38083,10 +38332,9 @@
           <a:lstStyle/>
           <a:p>
             <a:r>
-              <a:rPr lang="en-US" dirty="0" smtClean="0"/>
+              <a:rPr lang="en-US" dirty="0"/>
               <a:t>Command line interface</a:t>
             </a:r>
-            <a:endParaRPr lang="en-US" dirty="0"/>
           </a:p>
         </p:txBody>
       </p:sp>
@@ -38106,7 +38354,7 @@
           <a:lstStyle/>
           <a:p>
             <a:r>
-              <a:rPr lang="en-US" dirty="0" smtClean="0"/>
+              <a:rPr lang="en-US" dirty="0"/>
               <a:t>Basic structure</a:t>
             </a:r>
           </a:p>
@@ -38226,11 +38474,11 @@
           <a:lstStyle/>
           <a:p>
             <a:r>
-              <a:rPr lang="en-US" dirty="0" smtClean="0"/>
+              <a:rPr lang="en-US" dirty="0"/>
               <a:t>CIS      </a:t>
             </a:r>
             <a:r>
-              <a:rPr lang="en-US" dirty="0" smtClean="0">
+              <a:rPr lang="en-US" dirty="0">
                 <a:solidFill>
                   <a:schemeClr val="accent1"/>
                 </a:solidFill>
@@ -38238,11 +38486,11 @@
               <a:t>&lt;command&gt;</a:t>
             </a:r>
             <a:r>
-              <a:rPr lang="en-US" dirty="0" smtClean="0"/>
+              <a:rPr lang="en-US" dirty="0"/>
               <a:t>        </a:t>
             </a:r>
             <a:r>
-              <a:rPr lang="en-US" dirty="0" smtClean="0">
+              <a:rPr lang="en-US" dirty="0">
                 <a:solidFill>
                   <a:schemeClr val="accent2"/>
                 </a:solidFill>
@@ -38250,11 +38498,11 @@
               <a:t>&lt;variable&gt;:&lt;file&gt;</a:t>
             </a:r>
             <a:r>
-              <a:rPr lang="en-US" dirty="0" smtClean="0"/>
+              <a:rPr lang="en-US" dirty="0"/>
               <a:t>:</a:t>
             </a:r>
             <a:r>
-              <a:rPr lang="en-US" dirty="0" smtClean="0">
+              <a:rPr lang="en-US" dirty="0">
                 <a:solidFill>
                   <a:schemeClr val="accent3">
                     <a:lumMod val="50000"/>
@@ -38264,7 +38512,7 @@
               <a:t>&lt;options&gt;   </a:t>
             </a:r>
             <a:r>
-              <a:rPr lang="en-US" dirty="0" smtClean="0">
+              <a:rPr lang="en-US" dirty="0">
                 <a:solidFill>
                   <a:schemeClr val="accent3"/>
                 </a:solidFill>
@@ -38272,18 +38520,13 @@
               <a:t>       </a:t>
             </a:r>
             <a:r>
-              <a:rPr lang="en-US" dirty="0" smtClean="0">
+              <a:rPr lang="en-US" dirty="0">
                 <a:solidFill>
                   <a:schemeClr val="accent4"/>
                 </a:solidFill>
               </a:rPr>
               <a:t>&lt;options&gt; </a:t>
             </a:r>
-            <a:endParaRPr lang="en-US" dirty="0">
-              <a:solidFill>
-                <a:schemeClr val="accent4"/>
-              </a:solidFill>
-            </a:endParaRPr>
           </a:p>
         </p:txBody>
       </p:sp>
@@ -38379,18 +38622,16 @@
             <a:p>
               <a:pPr algn="ctr"/>
               <a:r>
-                <a:rPr lang="en-US" sz="1600" dirty="0" smtClean="0"/>
+                <a:rPr lang="en-US" sz="1600" dirty="0"/>
                 <a:t>The command to run</a:t>
               </a:r>
-              <a:endParaRPr lang="en-US" sz="1600" dirty="0"/>
             </a:p>
             <a:p>
               <a:pPr algn="ctr"/>
               <a:r>
-                <a:rPr lang="en-US" sz="1600" dirty="0" smtClean="0"/>
+                <a:rPr lang="en-US" sz="1600" dirty="0"/>
                 <a:t>(e.g. col, plot)</a:t>
               </a:r>
-              <a:endParaRPr lang="en-US" sz="1600" dirty="0"/>
             </a:p>
           </p:txBody>
         </p:sp>
@@ -38483,15 +38724,15 @@
             <a:p>
               <a:pPr algn="ctr"/>
               <a:r>
-                <a:rPr lang="en-US" sz="1600" dirty="0" smtClean="0"/>
+                <a:rPr lang="en-US" sz="1600" dirty="0"/>
                 <a:t>This is a “</a:t>
               </a:r>
               <a:r>
-                <a:rPr lang="en-US" sz="1600" dirty="0" err="1" smtClean="0"/>
+                <a:rPr lang="en-US" sz="1600" dirty="0" err="1"/>
                 <a:t>datagroup</a:t>
               </a:r>
               <a:r>
-                <a:rPr lang="en-US" sz="1600" dirty="0" smtClean="0"/>
+                <a:rPr lang="en-US" sz="1600" dirty="0"/>
                 <a:t>”</a:t>
               </a:r>
             </a:p>
@@ -38573,11 +38814,11 @@
             <a:p>
               <a:pPr algn="ctr"/>
               <a:r>
-                <a:rPr lang="en-US" sz="1600" dirty="0" smtClean="0"/>
+                <a:rPr lang="en-US" sz="1600" dirty="0"/>
                 <a:t>Options specific to this </a:t>
               </a:r>
               <a:r>
-                <a:rPr lang="en-US" sz="1600" dirty="0" err="1" smtClean="0"/>
+                <a:rPr lang="en-US" sz="1600" dirty="0" err="1"/>
                 <a:t>datagroup</a:t>
               </a:r>
               <a:endParaRPr lang="en-US" sz="1600" dirty="0"/>
@@ -38673,17 +38914,16 @@
             <a:p>
               <a:pPr algn="ctr"/>
               <a:r>
-                <a:rPr lang="en-US" sz="1600" dirty="0" smtClean="0"/>
+                <a:rPr lang="en-US" sz="1600" dirty="0"/>
                 <a:t>Global options</a:t>
               </a:r>
             </a:p>
             <a:p>
               <a:pPr algn="ctr"/>
               <a:r>
-                <a:rPr lang="en-US" sz="1600" dirty="0" smtClean="0"/>
+                <a:rPr lang="en-US" sz="1600" dirty="0"/>
                 <a:t>(e.g. output filename)</a:t>
               </a:r>
-              <a:endParaRPr lang="en-US" sz="1600" dirty="0"/>
             </a:p>
           </p:txBody>
         </p:sp>
@@ -38698,13 +38938,6 @@
   <p:clrMapOvr>
     <a:masterClrMapping/>
   </p:clrMapOvr>
-  <p:timing>
-    <p:tnLst>
-      <p:par>
-        <p:cTn id="1" dur="indefinite" restart="never" nodeType="tmRoot"/>
-      </p:par>
-    </p:tnLst>
-  </p:timing>
 </p:sld>
 </file>
 
@@ -38743,10 +38976,9 @@
           <a:lstStyle/>
           <a:p>
             <a:r>
-              <a:rPr lang="en-US" dirty="0" smtClean="0"/>
+              <a:rPr lang="en-US" dirty="0"/>
               <a:t>Command line interface</a:t>
             </a:r>
-            <a:endParaRPr lang="en-US" dirty="0"/>
           </a:p>
         </p:txBody>
       </p:sp>
@@ -38766,13 +38998,13 @@
           <a:lstStyle/>
           <a:p>
             <a:r>
-              <a:rPr lang="en-US" dirty="0" smtClean="0"/>
+              <a:rPr lang="en-US" dirty="0"/>
               <a:t>Basic structure</a:t>
             </a:r>
           </a:p>
           <a:p>
             <a:r>
-              <a:rPr lang="en-US" dirty="0" smtClean="0"/>
+              <a:rPr lang="en-US" dirty="0"/>
               <a:t>Variable wildcarding</a:t>
             </a:r>
           </a:p>
@@ -38892,11 +39124,11 @@
           <a:lstStyle/>
           <a:p>
             <a:r>
-              <a:rPr lang="en-US" dirty="0" smtClean="0"/>
+              <a:rPr lang="en-US" dirty="0"/>
               <a:t>CIS  </a:t>
             </a:r>
             <a:r>
-              <a:rPr lang="en-US" dirty="0" smtClean="0">
+              <a:rPr lang="en-US" dirty="0">
                 <a:solidFill>
                   <a:schemeClr val="accent1"/>
                 </a:solidFill>
@@ -38904,7 +39136,7 @@
               <a:t>aggregate </a:t>
             </a:r>
             <a:r>
-              <a:rPr lang="en-US" dirty="0" smtClean="0">
+              <a:rPr lang="en-US" dirty="0">
                 <a:solidFill>
                   <a:schemeClr val="accent2"/>
                 </a:solidFill>
@@ -38912,11 +39144,11 @@
               <a:t>AOD*:&lt;file&gt;</a:t>
             </a:r>
             <a:r>
-              <a:rPr lang="en-US" dirty="0" smtClean="0"/>
+              <a:rPr lang="en-US" dirty="0"/>
               <a:t>:</a:t>
             </a:r>
             <a:r>
-              <a:rPr lang="en-US" dirty="0" smtClean="0">
+              <a:rPr lang="en-US" dirty="0">
                 <a:solidFill>
                   <a:schemeClr val="accent5"/>
                 </a:solidFill>
@@ -38924,7 +39156,7 @@
               <a:t>&lt;options&gt; </a:t>
             </a:r>
             <a:r>
-              <a:rPr lang="en-US" dirty="0" smtClean="0">
+              <a:rPr lang="en-US" dirty="0">
                 <a:solidFill>
                   <a:schemeClr val="accent3"/>
                 </a:solidFill>
@@ -38932,18 +39164,13 @@
               <a:t> </a:t>
             </a:r>
             <a:r>
-              <a:rPr lang="en-US" dirty="0" smtClean="0">
+              <a:rPr lang="en-US" dirty="0">
                 <a:solidFill>
                   <a:schemeClr val="accent4"/>
                 </a:solidFill>
               </a:rPr>
               <a:t>&lt;options&gt; </a:t>
             </a:r>
-            <a:endParaRPr lang="en-US" dirty="0">
-              <a:solidFill>
-                <a:schemeClr val="accent4"/>
-              </a:solidFill>
-            </a:endParaRPr>
           </a:p>
         </p:txBody>
       </p:sp>
@@ -38957,13 +39184,6 @@
   <p:clrMapOvr>
     <a:masterClrMapping/>
   </p:clrMapOvr>
-  <p:timing>
-    <p:tnLst>
-      <p:par>
-        <p:cTn id="1" dur="indefinite" restart="never" nodeType="tmRoot"/>
-      </p:par>
-    </p:tnLst>
-  </p:timing>
 </p:sld>
 </file>
 
@@ -39002,10 +39222,9 @@
           <a:lstStyle/>
           <a:p>
             <a:r>
-              <a:rPr lang="en-US" dirty="0" smtClean="0"/>
+              <a:rPr lang="en-US" dirty="0"/>
               <a:t>Command line interface</a:t>
             </a:r>
-            <a:endParaRPr lang="en-US" dirty="0"/>
           </a:p>
         </p:txBody>
       </p:sp>
@@ -39025,18 +39244,14 @@
           <a:lstStyle/>
           <a:p>
             <a:r>
-              <a:rPr lang="en-US" dirty="0" smtClean="0"/>
+              <a:rPr lang="en-US" dirty="0"/>
               <a:t>Basic structure</a:t>
             </a:r>
           </a:p>
           <a:p>
             <a:r>
               <a:rPr lang="en-US" dirty="0"/>
-              <a:t>Variable </a:t>
-            </a:r>
-            <a:r>
-              <a:rPr lang="en-US" dirty="0" smtClean="0"/>
-              <a:t>wildcarding</a:t>
+              <a:t>Variable wildcarding</a:t>
             </a:r>
           </a:p>
           <a:p>
@@ -39044,7 +39259,6 @@
               <a:rPr lang="en-US" dirty="0"/>
               <a:t>Filename wildcarding</a:t>
             </a:r>
-            <a:endParaRPr lang="en-US" dirty="0" smtClean="0"/>
           </a:p>
         </p:txBody>
       </p:sp>
@@ -39162,11 +39376,11 @@
           <a:lstStyle/>
           <a:p>
             <a:r>
-              <a:rPr lang="en-US" dirty="0" smtClean="0"/>
+              <a:rPr lang="en-US" dirty="0"/>
               <a:t>CIS  </a:t>
             </a:r>
             <a:r>
-              <a:rPr lang="en-US" dirty="0" smtClean="0">
+              <a:rPr lang="en-US" dirty="0">
                 <a:solidFill>
                   <a:schemeClr val="accent1"/>
                 </a:solidFill>
@@ -39174,7 +39388,7 @@
               <a:t>aggregate </a:t>
             </a:r>
             <a:r>
-              <a:rPr lang="en-US" dirty="0" smtClean="0">
+              <a:rPr lang="en-US" dirty="0">
                 <a:solidFill>
                   <a:schemeClr val="accent2"/>
                 </a:solidFill>
@@ -39182,16 +39396,8 @@
               <a:t>“AOD*”</a:t>
             </a:r>
             <a:r>
-              <a:rPr lang="en-US" dirty="0" smtClean="0"/>
+              <a:rPr lang="en-US" dirty="0"/>
               <a:t>:</a:t>
-            </a:r>
-            <a:r>
-              <a:rPr lang="en-US" dirty="0" smtClean="0">
-                <a:solidFill>
-                  <a:schemeClr val="accent2"/>
-                </a:solidFill>
-              </a:rPr>
-              <a:t>“my</a:t>
             </a:r>
             <a:r>
               <a:rPr lang="en-US" dirty="0">
@@ -39199,22 +39405,14 @@
                   <a:schemeClr val="accent2"/>
                 </a:solidFill>
               </a:rPr>
-              <a:t>_</a:t>
-            </a:r>
-            <a:r>
-              <a:rPr lang="en-US" dirty="0" smtClean="0">
-                <a:solidFill>
-                  <a:schemeClr val="accent2"/>
-                </a:solidFill>
-              </a:rPr>
-              <a:t>*_file_?_[0-9]”</a:t>
-            </a:r>
-            <a:r>
-              <a:rPr lang="en-US" dirty="0" smtClean="0"/>
+              <a:t>“my_*_file_?_[0-9]”</a:t>
+            </a:r>
+            <a:r>
+              <a:rPr lang="en-US" dirty="0"/>
               <a:t>:</a:t>
             </a:r>
             <a:r>
-              <a:rPr lang="en-US" dirty="0" smtClean="0">
+              <a:rPr lang="en-US" dirty="0">
                 <a:solidFill>
                   <a:schemeClr val="accent5"/>
                 </a:solidFill>
@@ -39222,7 +39420,7 @@
               <a:t>&lt;options&gt; </a:t>
             </a:r>
             <a:r>
-              <a:rPr lang="en-US" dirty="0" smtClean="0">
+              <a:rPr lang="en-US" dirty="0">
                 <a:solidFill>
                   <a:schemeClr val="accent3"/>
                 </a:solidFill>
@@ -39230,18 +39428,13 @@
               <a:t> </a:t>
             </a:r>
             <a:r>
-              <a:rPr lang="en-US" dirty="0" smtClean="0">
+              <a:rPr lang="en-US" dirty="0">
                 <a:solidFill>
                   <a:schemeClr val="accent4"/>
                 </a:solidFill>
               </a:rPr>
               <a:t>&lt;options&gt; </a:t>
             </a:r>
-            <a:endParaRPr lang="en-US" dirty="0">
-              <a:solidFill>
-                <a:schemeClr val="accent4"/>
-              </a:solidFill>
-            </a:endParaRPr>
           </a:p>
         </p:txBody>
       </p:sp>
@@ -39255,13 +39448,6 @@
   <p:clrMapOvr>
     <a:masterClrMapping/>
   </p:clrMapOvr>
-  <p:timing>
-    <p:tnLst>
-      <p:par>
-        <p:cTn id="1" dur="indefinite" restart="never" nodeType="tmRoot"/>
-      </p:par>
-    </p:tnLst>
-  </p:timing>
 </p:sld>
 </file>
 
